--- a/新员工入职指引/信息技术部常用管理平台使用.pptx
+++ b/新员工入职指引/信息技术部常用管理平台使用.pptx
@@ -5,7 +5,7 @@
     <p:sldMasterId id="2147483924" r:id="rId1"/>
   </p:sldMasterIdLst>
   <p:notesMasterIdLst>
-    <p:notesMasterId r:id="rId24"/>
+    <p:notesMasterId r:id="rId25"/>
   </p:notesMasterIdLst>
   <p:sldIdLst>
     <p:sldId id="256" r:id="rId2"/>
@@ -30,11 +30,12 @@
     <p:sldId id="268" r:id="rId21"/>
     <p:sldId id="276" r:id="rId22"/>
     <p:sldId id="278" r:id="rId23"/>
+    <p:sldId id="292" r:id="rId24"/>
   </p:sldIdLst>
   <p:sldSz cx="9144000" cy="6858000" type="screen4x3"/>
   <p:notesSz cx="6858000" cy="9144000"/>
   <p:custDataLst>
-    <p:tags r:id="rId25"/>
+    <p:tags r:id="rId26"/>
   </p:custDataLst>
   <p:defaultTextStyle>
     <a:defPPr>
@@ -216,7 +217,7 @@
           <a:p>
             <a:fld id="{05441B68-3155-403E-A18E-2C14500C6CF1}" type="datetimeFigureOut">
               <a:rPr lang="zh-CN" altLang="en-US" smtClean="0"/>
-              <a:t>2018/4/24</a:t>
+              <a:t>2018/4/25</a:t>
             </a:fld>
             <a:endParaRPr lang="zh-CN" altLang="en-US"/>
           </a:p>
@@ -652,6 +653,276 @@
 </p:notes>
 </file>
 
+<file path=ppt/notesSlides/notesSlide3.xml><?xml version="1.0" encoding="utf-8"?>
+<p:notes xmlns:a="http://schemas.openxmlformats.org/drawingml/2006/main" xmlns:r="http://schemas.openxmlformats.org/officeDocument/2006/relationships" xmlns:p="http://schemas.openxmlformats.org/presentationml/2006/main">
+  <p:cSld>
+    <p:spTree>
+      <p:nvGrpSpPr>
+        <p:cNvPr id="1" name=""/>
+        <p:cNvGrpSpPr/>
+        <p:nvPr/>
+      </p:nvGrpSpPr>
+      <p:grpSpPr>
+        <a:xfrm>
+          <a:off x="0" y="0"/>
+          <a:ext cx="0" cy="0"/>
+          <a:chOff x="0" y="0"/>
+          <a:chExt cx="0" cy="0"/>
+        </a:xfrm>
+      </p:grpSpPr>
+      <p:sp>
+        <p:nvSpPr>
+          <p:cNvPr id="4098" name="幻灯片图像占位符 1"/>
+          <p:cNvSpPr>
+            <a:spLocks noGrp="1" noRot="1" noChangeAspect="1" noTextEdit="1"/>
+          </p:cNvSpPr>
+          <p:nvPr>
+            <p:ph type="sldImg"/>
+          </p:nvPr>
+        </p:nvSpPr>
+        <p:spPr bwMode="auto">
+          <a:noFill/>
+          <a:ln>
+            <a:solidFill>
+              <a:srgbClr val="000000"/>
+            </a:solidFill>
+            <a:miter lim="800000"/>
+            <a:headEnd/>
+            <a:tailEnd/>
+          </a:ln>
+          <a:extLst>
+            <a:ext uri="{909E8E84-426E-40DD-AFC4-6F175D3DCCD1}">
+              <a14:hiddenFill xmlns:a14="http://schemas.microsoft.com/office/drawing/2010/main">
+                <a:solidFill>
+                  <a:srgbClr val="FFFFFF"/>
+                </a:solidFill>
+              </a14:hiddenFill>
+            </a:ext>
+          </a:extLst>
+        </p:spPr>
+      </p:sp>
+      <p:sp>
+        <p:nvSpPr>
+          <p:cNvPr id="4099" name="备注占位符 2"/>
+          <p:cNvSpPr>
+            <a:spLocks noGrp="1"/>
+          </p:cNvSpPr>
+          <p:nvPr>
+            <p:ph type="body" idx="1"/>
+          </p:nvPr>
+        </p:nvSpPr>
+        <p:spPr bwMode="auto">
+          <a:noFill/>
+          <a:extLst>
+            <a:ext uri="{909E8E84-426E-40DD-AFC4-6F175D3DCCD1}">
+              <a14:hiddenFill xmlns:a14="http://schemas.microsoft.com/office/drawing/2010/main">
+                <a:solidFill>
+                  <a:srgbClr val="FFFFFF"/>
+                </a:solidFill>
+              </a14:hiddenFill>
+            </a:ext>
+            <a:ext uri="{91240B29-F687-4F45-9708-019B960494DF}">
+              <a14:hiddenLine xmlns:a14="http://schemas.microsoft.com/office/drawing/2010/main" w="9525">
+                <a:solidFill>
+                  <a:srgbClr val="000000"/>
+                </a:solidFill>
+                <a:miter lim="800000"/>
+                <a:headEnd/>
+                <a:tailEnd/>
+              </a14:hiddenLine>
+            </a:ext>
+          </a:extLst>
+        </p:spPr>
+        <p:txBody>
+          <a:bodyPr wrap="square" numCol="1" anchor="t" anchorCtr="0" compatLnSpc="1">
+            <a:prstTxWarp prst="textNoShape">
+              <a:avLst/>
+            </a:prstTxWarp>
+          </a:bodyPr>
+          <a:lstStyle/>
+          <a:p>
+            <a:pPr eaLnBrk="1" hangingPunct="1">
+              <a:spcBef>
+                <a:spcPct val="0"/>
+              </a:spcBef>
+            </a:pPr>
+            <a:r>
+              <a:rPr lang="zh-CN" altLang="en-US" smtClean="0"/>
+              <a:t>模板来自于 </a:t>
+            </a:r>
+            <a:r>
+              <a:rPr lang="en-US" altLang="zh-CN" smtClean="0"/>
+              <a:t>http://docer.wps.cn</a:t>
+            </a:r>
+            <a:endParaRPr lang="zh-CN" altLang="en-US" smtClean="0"/>
+          </a:p>
+        </p:txBody>
+      </p:sp>
+      <p:sp>
+        <p:nvSpPr>
+          <p:cNvPr id="4100" name="灯片编号占位符 3"/>
+          <p:cNvSpPr>
+            <a:spLocks noGrp="1"/>
+          </p:cNvSpPr>
+          <p:nvPr>
+            <p:ph type="sldNum" sz="quarter" idx="5"/>
+          </p:nvPr>
+        </p:nvSpPr>
+        <p:spPr bwMode="auto">
+          <a:noFill/>
+          <a:extLst>
+            <a:ext uri="{909E8E84-426E-40DD-AFC4-6F175D3DCCD1}">
+              <a14:hiddenFill xmlns:a14="http://schemas.microsoft.com/office/drawing/2010/main">
+                <a:solidFill>
+                  <a:srgbClr val="FFFFFF"/>
+                </a:solidFill>
+              </a14:hiddenFill>
+            </a:ext>
+            <a:ext uri="{91240B29-F687-4F45-9708-019B960494DF}">
+              <a14:hiddenLine xmlns:a14="http://schemas.microsoft.com/office/drawing/2010/main" w="9525">
+                <a:solidFill>
+                  <a:srgbClr val="000000"/>
+                </a:solidFill>
+                <a:miter lim="800000"/>
+                <a:headEnd/>
+                <a:tailEnd/>
+              </a14:hiddenLine>
+            </a:ext>
+          </a:extLst>
+        </p:spPr>
+        <p:txBody>
+          <a:bodyPr/>
+          <a:lstStyle>
+            <a:lvl1pPr>
+              <a:defRPr>
+                <a:solidFill>
+                  <a:schemeClr val="tx1"/>
+                </a:solidFill>
+                <a:latin typeface="Arial Narrow" pitchFamily="34" charset="0"/>
+                <a:ea typeface="微软雅黑" pitchFamily="34" charset="-122"/>
+              </a:defRPr>
+            </a:lvl1pPr>
+            <a:lvl2pPr marL="742950" indent="-285750">
+              <a:defRPr>
+                <a:solidFill>
+                  <a:schemeClr val="tx1"/>
+                </a:solidFill>
+                <a:latin typeface="Arial Narrow" pitchFamily="34" charset="0"/>
+                <a:ea typeface="微软雅黑" pitchFamily="34" charset="-122"/>
+              </a:defRPr>
+            </a:lvl2pPr>
+            <a:lvl3pPr marL="1143000" indent="-228600">
+              <a:defRPr>
+                <a:solidFill>
+                  <a:schemeClr val="tx1"/>
+                </a:solidFill>
+                <a:latin typeface="Arial Narrow" pitchFamily="34" charset="0"/>
+                <a:ea typeface="微软雅黑" pitchFamily="34" charset="-122"/>
+              </a:defRPr>
+            </a:lvl3pPr>
+            <a:lvl4pPr marL="1600200" indent="-228600">
+              <a:defRPr>
+                <a:solidFill>
+                  <a:schemeClr val="tx1"/>
+                </a:solidFill>
+                <a:latin typeface="Arial Narrow" pitchFamily="34" charset="0"/>
+                <a:ea typeface="微软雅黑" pitchFamily="34" charset="-122"/>
+              </a:defRPr>
+            </a:lvl4pPr>
+            <a:lvl5pPr marL="2057400" indent="-228600">
+              <a:defRPr>
+                <a:solidFill>
+                  <a:schemeClr val="tx1"/>
+                </a:solidFill>
+                <a:latin typeface="Arial Narrow" pitchFamily="34" charset="0"/>
+                <a:ea typeface="微软雅黑" pitchFamily="34" charset="-122"/>
+              </a:defRPr>
+            </a:lvl5pPr>
+            <a:lvl6pPr marL="2514600" indent="-228600" eaLnBrk="0" fontAlgn="base" hangingPunct="0">
+              <a:spcBef>
+                <a:spcPct val="0"/>
+              </a:spcBef>
+              <a:spcAft>
+                <a:spcPct val="0"/>
+              </a:spcAft>
+              <a:defRPr>
+                <a:solidFill>
+                  <a:schemeClr val="tx1"/>
+                </a:solidFill>
+                <a:latin typeface="Arial Narrow" pitchFamily="34" charset="0"/>
+                <a:ea typeface="微软雅黑" pitchFamily="34" charset="-122"/>
+              </a:defRPr>
+            </a:lvl6pPr>
+            <a:lvl7pPr marL="2971800" indent="-228600" eaLnBrk="0" fontAlgn="base" hangingPunct="0">
+              <a:spcBef>
+                <a:spcPct val="0"/>
+              </a:spcBef>
+              <a:spcAft>
+                <a:spcPct val="0"/>
+              </a:spcAft>
+              <a:defRPr>
+                <a:solidFill>
+                  <a:schemeClr val="tx1"/>
+                </a:solidFill>
+                <a:latin typeface="Arial Narrow" pitchFamily="34" charset="0"/>
+                <a:ea typeface="微软雅黑" pitchFamily="34" charset="-122"/>
+              </a:defRPr>
+            </a:lvl7pPr>
+            <a:lvl8pPr marL="3429000" indent="-228600" eaLnBrk="0" fontAlgn="base" hangingPunct="0">
+              <a:spcBef>
+                <a:spcPct val="0"/>
+              </a:spcBef>
+              <a:spcAft>
+                <a:spcPct val="0"/>
+              </a:spcAft>
+              <a:defRPr>
+                <a:solidFill>
+                  <a:schemeClr val="tx1"/>
+                </a:solidFill>
+                <a:latin typeface="Arial Narrow" pitchFamily="34" charset="0"/>
+                <a:ea typeface="微软雅黑" pitchFamily="34" charset="-122"/>
+              </a:defRPr>
+            </a:lvl8pPr>
+            <a:lvl9pPr marL="3886200" indent="-228600" eaLnBrk="0" fontAlgn="base" hangingPunct="0">
+              <a:spcBef>
+                <a:spcPct val="0"/>
+              </a:spcBef>
+              <a:spcAft>
+                <a:spcPct val="0"/>
+              </a:spcAft>
+              <a:defRPr>
+                <a:solidFill>
+                  <a:schemeClr val="tx1"/>
+                </a:solidFill>
+                <a:latin typeface="Arial Narrow" pitchFamily="34" charset="0"/>
+                <a:ea typeface="微软雅黑" pitchFamily="34" charset="-122"/>
+              </a:defRPr>
+            </a:lvl9pPr>
+          </a:lstStyle>
+          <a:p>
+            <a:fld id="{E4847D2C-A290-45B0-BCEF-525C89DDDDF6}" type="slidenum">
+              <a:rPr lang="zh-CN" altLang="en-US">
+                <a:latin typeface="Calibri" pitchFamily="34" charset="0"/>
+                <a:ea typeface="宋体" charset="-122"/>
+              </a:rPr>
+              <a:pPr/>
+              <a:t>23</a:t>
+            </a:fld>
+            <a:endParaRPr lang="zh-CN" altLang="en-US">
+              <a:latin typeface="Calibri" pitchFamily="34" charset="0"/>
+              <a:ea typeface="宋体" charset="-122"/>
+            </a:endParaRPr>
+          </a:p>
+        </p:txBody>
+      </p:sp>
+    </p:spTree>
+  </p:cSld>
+  <p:clrMapOvr>
+    <a:masterClrMapping/>
+  </p:clrMapOvr>
+</p:notes>
+</file>
+
 <file path=ppt/slideLayouts/slideLayout1.xml><?xml version="1.0" encoding="utf-8"?>
 <p:sldLayout xmlns:a="http://schemas.openxmlformats.org/drawingml/2006/main" xmlns:r="http://schemas.openxmlformats.org/officeDocument/2006/relationships" xmlns:p="http://schemas.openxmlformats.org/presentationml/2006/main" showMasterSp="0" preserve="1">
   <p:cSld name="标题幻灯片">
@@ -757,7 +1028,7 @@
           <a:p>
             <a:fld id="{530820CF-B880-4189-942D-D702A7CBA730}" type="datetimeFigureOut">
               <a:rPr lang="zh-CN" altLang="en-US" smtClean="0"/>
-              <a:t>2018/4/24</a:t>
+              <a:t>2018/4/25</a:t>
             </a:fld>
             <a:endParaRPr lang="zh-CN" altLang="en-US"/>
           </a:p>
@@ -1649,7 +1920,7 @@
           <a:p>
             <a:fld id="{530820CF-B880-4189-942D-D702A7CBA730}" type="datetimeFigureOut">
               <a:rPr lang="zh-CN" altLang="en-US" smtClean="0"/>
-              <a:t>2018/4/24</a:t>
+              <a:t>2018/4/25</a:t>
             </a:fld>
             <a:endParaRPr lang="zh-CN" altLang="en-US"/>
           </a:p>
@@ -1807,7 +2078,7 @@
           <a:p>
             <a:fld id="{530820CF-B880-4189-942D-D702A7CBA730}" type="datetimeFigureOut">
               <a:rPr lang="zh-CN" altLang="en-US" smtClean="0"/>
-              <a:t>2018/4/24</a:t>
+              <a:t>2018/4/25</a:t>
             </a:fld>
             <a:endParaRPr lang="zh-CN" altLang="en-US"/>
           </a:p>
@@ -1974,7 +2245,7 @@
           <a:p>
             <a:fld id="{530820CF-B880-4189-942D-D702A7CBA730}" type="datetimeFigureOut">
               <a:rPr lang="zh-CN" altLang="en-US" smtClean="0"/>
-              <a:t>2018/4/24</a:t>
+              <a:t>2018/4/25</a:t>
             </a:fld>
             <a:endParaRPr lang="zh-CN" altLang="en-US"/>
           </a:p>
@@ -2235,7 +2506,7 @@
           <a:p>
             <a:fld id="{530820CF-B880-4189-942D-D702A7CBA730}" type="datetimeFigureOut">
               <a:rPr lang="zh-CN" altLang="en-US" smtClean="0"/>
-              <a:t>2018/4/24</a:t>
+              <a:t>2018/4/25</a:t>
             </a:fld>
             <a:endParaRPr lang="zh-CN" altLang="en-US"/>
           </a:p>
@@ -2428,7 +2699,7 @@
           <a:p>
             <a:fld id="{530820CF-B880-4189-942D-D702A7CBA730}" type="datetimeFigureOut">
               <a:rPr lang="zh-CN" altLang="en-US" smtClean="0"/>
-              <a:t>2018/4/24</a:t>
+              <a:t>2018/4/25</a:t>
             </a:fld>
             <a:endParaRPr lang="zh-CN" altLang="en-US"/>
           </a:p>
@@ -2755,7 +3026,7 @@
           <a:p>
             <a:fld id="{530820CF-B880-4189-942D-D702A7CBA730}" type="datetimeFigureOut">
               <a:rPr lang="zh-CN" altLang="en-US" smtClean="0"/>
-              <a:t>2018/4/24</a:t>
+              <a:t>2018/4/25</a:t>
             </a:fld>
             <a:endParaRPr lang="zh-CN" altLang="en-US"/>
           </a:p>
@@ -2873,7 +3144,7 @@
           <a:p>
             <a:fld id="{530820CF-B880-4189-942D-D702A7CBA730}" type="datetimeFigureOut">
               <a:rPr lang="zh-CN" altLang="en-US" smtClean="0"/>
-              <a:t>2018/4/24</a:t>
+              <a:t>2018/4/25</a:t>
             </a:fld>
             <a:endParaRPr lang="zh-CN" altLang="en-US"/>
           </a:p>
@@ -2998,7 +3269,7 @@
           <a:p>
             <a:fld id="{530820CF-B880-4189-942D-D702A7CBA730}" type="datetimeFigureOut">
               <a:rPr lang="zh-CN" altLang="en-US" smtClean="0"/>
-              <a:t>2018/4/24</a:t>
+              <a:t>2018/4/25</a:t>
             </a:fld>
             <a:endParaRPr lang="zh-CN" altLang="en-US"/>
           </a:p>
@@ -3255,7 +3526,7 @@
           <a:p>
             <a:fld id="{530820CF-B880-4189-942D-D702A7CBA730}" type="datetimeFigureOut">
               <a:rPr lang="zh-CN" altLang="en-US" smtClean="0"/>
-              <a:t>2018/4/24</a:t>
+              <a:t>2018/4/25</a:t>
             </a:fld>
             <a:endParaRPr lang="zh-CN" altLang="en-US"/>
           </a:p>
@@ -3512,7 +3783,7 @@
           <a:p>
             <a:fld id="{530820CF-B880-4189-942D-D702A7CBA730}" type="datetimeFigureOut">
               <a:rPr lang="zh-CN" altLang="en-US" smtClean="0"/>
-              <a:t>2018/4/24</a:t>
+              <a:t>2018/4/25</a:t>
             </a:fld>
             <a:endParaRPr lang="zh-CN" altLang="en-US"/>
           </a:p>
@@ -3701,7 +3972,7 @@
           <a:p>
             <a:fld id="{530820CF-B880-4189-942D-D702A7CBA730}" type="datetimeFigureOut">
               <a:rPr lang="zh-CN" altLang="en-US" smtClean="0"/>
-              <a:t>2018/4/24</a:t>
+              <a:t>2018/4/25</a:t>
             </a:fld>
             <a:endParaRPr lang="zh-CN" altLang="en-US"/>
           </a:p>
@@ -4295,6 +4566,13 @@
   <p:clrMapOvr>
     <a:masterClrMapping/>
   </p:clrMapOvr>
+  <p:timing>
+    <p:tnLst>
+      <p:par>
+        <p:cTn id="1" dur="indefinite" restart="never" nodeType="tmRoot"/>
+      </p:par>
+    </p:tnLst>
+  </p:timing>
 </p:sld>
 </file>
 
@@ -4611,6 +4889,13 @@
   <p:clrMapOvr>
     <a:masterClrMapping/>
   </p:clrMapOvr>
+  <p:timing>
+    <p:tnLst>
+      <p:par>
+        <p:cTn id="1" dur="indefinite" restart="never" nodeType="tmRoot"/>
+      </p:par>
+    </p:tnLst>
+  </p:timing>
 </p:sld>
 </file>
 
@@ -8521,6 +8806,13 @@
   <p:clrMapOvr>
     <a:masterClrMapping/>
   </p:clrMapOvr>
+  <p:timing>
+    <p:tnLst>
+      <p:par>
+        <p:cTn id="1" dur="indefinite" restart="never" nodeType="tmRoot"/>
+      </p:par>
+    </p:tnLst>
+  </p:timing>
 </p:sld>
 </file>
 
@@ -8694,6 +8986,13 @@
   <p:clrMapOvr>
     <a:masterClrMapping/>
   </p:clrMapOvr>
+  <p:timing>
+    <p:tnLst>
+      <p:par>
+        <p:cTn id="1" dur="indefinite" restart="never" nodeType="tmRoot"/>
+      </p:par>
+    </p:tnLst>
+  </p:timing>
 </p:sld>
 </file>
 
@@ -8945,11 +9244,7 @@
             </a:r>
             <a:r>
               <a:rPr lang="zh-CN" altLang="en-US" dirty="0" smtClean="0"/>
-              <a:t>测试用</a:t>
-            </a:r>
-            <a:r>
-              <a:rPr lang="zh-CN" altLang="en-US" dirty="0" smtClean="0"/>
-              <a:t>例。</a:t>
+              <a:t>测试用例。</a:t>
             </a:r>
             <a:endParaRPr lang="zh-CN" altLang="en-US" dirty="0"/>
           </a:p>
@@ -8965,6 +9260,13 @@
   <p:clrMapOvr>
     <a:masterClrMapping/>
   </p:clrMapOvr>
+  <p:timing>
+    <p:tnLst>
+      <p:par>
+        <p:cTn id="1" dur="indefinite" restart="never" nodeType="tmRoot"/>
+      </p:par>
+    </p:tnLst>
+  </p:timing>
 </p:sld>
 </file>
 
@@ -9033,11 +9335,7 @@
             </a:r>
             <a:r>
               <a:rPr lang="zh-CN" altLang="en-US" dirty="0" smtClean="0"/>
-              <a:t>器创建与分</a:t>
-            </a:r>
-            <a:r>
-              <a:rPr lang="zh-CN" altLang="en-US" dirty="0" smtClean="0"/>
-              <a:t>享</a:t>
+              <a:t>器创建与分享</a:t>
             </a:r>
             <a:endParaRPr lang="en-US" altLang="zh-CN" dirty="0" smtClean="0"/>
           </a:p>
@@ -9201,6 +9499,13 @@
   <p:clrMapOvr>
     <a:masterClrMapping/>
   </p:clrMapOvr>
+  <p:timing>
+    <p:tnLst>
+      <p:par>
+        <p:cTn id="1" dur="indefinite" restart="never" nodeType="tmRoot"/>
+      </p:par>
+    </p:tnLst>
+  </p:timing>
 </p:sld>
 </file>
 
@@ -9273,7 +9578,7 @@
       </p:sp>
       <p:pic>
         <p:nvPicPr>
-          <p:cNvPr id="2050" name="Picture 2"/>
+          <p:cNvPr id="1026" name="Picture 2"/>
           <p:cNvPicPr>
             <a:picLocks noChangeAspect="1" noChangeArrowheads="1"/>
           </p:cNvPicPr>
@@ -9294,8 +9599,8 @@
         </p:blipFill>
         <p:spPr bwMode="auto">
           <a:xfrm>
-            <a:off x="971600" y="1844824"/>
-            <a:ext cx="6419850" cy="3936876"/>
+            <a:off x="1187624" y="1988840"/>
+            <a:ext cx="6153150" cy="3848100"/>
           </a:xfrm>
           <a:prstGeom prst="rect">
             <a:avLst/>
@@ -9335,6 +9640,13 @@
   <p:clrMapOvr>
     <a:masterClrMapping/>
   </p:clrMapOvr>
+  <p:timing>
+    <p:tnLst>
+      <p:par>
+        <p:cTn id="1" dur="indefinite" restart="never" nodeType="tmRoot"/>
+      </p:par>
+    </p:tnLst>
+  </p:timing>
 </p:sld>
 </file>
 
@@ -9449,6 +9761,60 @@
           </a:p>
         </p:txBody>
       </p:sp>
+      <p:pic>
+        <p:nvPicPr>
+          <p:cNvPr id="2050" name="Picture 2"/>
+          <p:cNvPicPr>
+            <a:picLocks noChangeAspect="1" noChangeArrowheads="1"/>
+          </p:cNvPicPr>
+          <p:nvPr/>
+        </p:nvPicPr>
+        <p:blipFill>
+          <a:blip r:embed="rId2">
+            <a:extLst>
+              <a:ext uri="{28A0092B-C50C-407E-A947-70E740481C1C}">
+                <a14:useLocalDpi xmlns:a14="http://schemas.microsoft.com/office/drawing/2010/main" val="0"/>
+              </a:ext>
+            </a:extLst>
+          </a:blip>
+          <a:srcRect/>
+          <a:stretch>
+            <a:fillRect/>
+          </a:stretch>
+        </p:blipFill>
+        <p:spPr bwMode="auto">
+          <a:xfrm>
+            <a:off x="2844949" y="2132856"/>
+            <a:ext cx="6300192" cy="4090024"/>
+          </a:xfrm>
+          <a:prstGeom prst="rect">
+            <a:avLst/>
+          </a:prstGeom>
+          <a:noFill/>
+          <a:ln>
+            <a:noFill/>
+          </a:ln>
+          <a:extLst>
+            <a:ext uri="{909E8E84-426E-40DD-AFC4-6F175D3DCCD1}">
+              <a14:hiddenFill xmlns:a14="http://schemas.microsoft.com/office/drawing/2010/main">
+                <a:solidFill>
+                  <a:schemeClr val="accent1"/>
+                </a:solidFill>
+              </a14:hiddenFill>
+            </a:ext>
+            <a:ext uri="{91240B29-F687-4F45-9708-019B960494DF}">
+              <a14:hiddenLine xmlns:a14="http://schemas.microsoft.com/office/drawing/2010/main" w="9525">
+                <a:solidFill>
+                  <a:schemeClr val="tx1"/>
+                </a:solidFill>
+                <a:miter lim="800000"/>
+                <a:headEnd/>
+                <a:tailEnd/>
+              </a14:hiddenLine>
+            </a:ext>
+          </a:extLst>
+        </p:spPr>
+      </p:pic>
     </p:spTree>
     <p:extLst>
       <p:ext uri="{BB962C8B-B14F-4D97-AF65-F5344CB8AC3E}">
@@ -9459,6 +9825,13 @@
   <p:clrMapOvr>
     <a:masterClrMapping/>
   </p:clrMapOvr>
+  <p:timing>
+    <p:tnLst>
+      <p:par>
+        <p:cTn id="1" dur="indefinite" restart="never" nodeType="tmRoot"/>
+      </p:par>
+    </p:tnLst>
+  </p:timing>
 </p:sld>
 </file>
 
@@ -9546,23 +9919,18 @@
               <a:buNone/>
             </a:pPr>
             <a:r>
-              <a:rPr lang="zh-CN" altLang="en-US" dirty="0"/>
-              <a:t>人</a:t>
-            </a:r>
-            <a:r>
               <a:rPr lang="zh-CN" altLang="en-US" dirty="0" smtClean="0"/>
-              <a:t>员工作量报告</a:t>
+              <a:t>饼图</a:t>
             </a:r>
             <a:endParaRPr lang="en-US" altLang="zh-CN" dirty="0" smtClean="0"/>
           </a:p>
           <a:p>
-            <a:r>
-              <a:rPr lang="zh-CN" altLang="en-US" dirty="0"/>
-              <a:t>敏</a:t>
-            </a:r>
+            <a:endParaRPr lang="en-US" altLang="zh-CN" dirty="0" smtClean="0"/>
+          </a:p>
+          <a:p>
             <a:r>
               <a:rPr lang="zh-CN" altLang="en-US" dirty="0" smtClean="0"/>
-              <a:t>捷报表</a:t>
+              <a:t>敏捷报表</a:t>
             </a:r>
             <a:endParaRPr lang="en-US" altLang="zh-CN" dirty="0" smtClean="0"/>
           </a:p>
@@ -9581,13 +9949,12 @@
             <a:endParaRPr lang="en-US" altLang="zh-CN" dirty="0" smtClean="0"/>
           </a:p>
           <a:p>
-            <a:r>
-              <a:rPr lang="zh-CN" altLang="en-US" dirty="0"/>
-              <a:t>测</a:t>
-            </a:r>
+            <a:endParaRPr lang="en-US" altLang="zh-CN" dirty="0" smtClean="0"/>
+          </a:p>
+          <a:p>
             <a:r>
               <a:rPr lang="zh-CN" altLang="en-US" dirty="0" smtClean="0"/>
-              <a:t>试报表</a:t>
+              <a:t>测试报表</a:t>
             </a:r>
             <a:endParaRPr lang="en-US" altLang="zh-CN" dirty="0" smtClean="0"/>
           </a:p>
@@ -9607,6 +9974,250 @@
           </a:p>
         </p:txBody>
       </p:sp>
+      <p:pic>
+        <p:nvPicPr>
+          <p:cNvPr id="3075" name="Picture 3"/>
+          <p:cNvPicPr>
+            <a:picLocks noChangeAspect="1" noChangeArrowheads="1"/>
+          </p:cNvPicPr>
+          <p:nvPr/>
+        </p:nvPicPr>
+        <p:blipFill>
+          <a:blip r:embed="rId2">
+            <a:extLst>
+              <a:ext uri="{28A0092B-C50C-407E-A947-70E740481C1C}">
+                <a14:useLocalDpi xmlns:a14="http://schemas.microsoft.com/office/drawing/2010/main" val="0"/>
+              </a:ext>
+            </a:extLst>
+          </a:blip>
+          <a:srcRect/>
+          <a:stretch>
+            <a:fillRect/>
+          </a:stretch>
+        </p:blipFill>
+        <p:spPr bwMode="auto">
+          <a:xfrm>
+            <a:off x="2627784" y="5013176"/>
+            <a:ext cx="1250838" cy="1137125"/>
+          </a:xfrm>
+          <a:prstGeom prst="rect">
+            <a:avLst/>
+          </a:prstGeom>
+          <a:solidFill>
+            <a:srgbClr val="FFFFFF">
+              <a:shade val="85000"/>
+            </a:srgbClr>
+          </a:solidFill>
+          <a:ln w="190500" cap="rnd">
+            <a:solidFill>
+              <a:srgbClr val="FFFFFF"/>
+            </a:solidFill>
+          </a:ln>
+          <a:effectLst>
+            <a:outerShdw blurRad="50000" algn="tl" rotWithShape="0">
+              <a:srgbClr val="000000">
+                <a:alpha val="41000"/>
+              </a:srgbClr>
+            </a:outerShdw>
+          </a:effectLst>
+          <a:scene3d>
+            <a:camera prst="orthographicFront"/>
+            <a:lightRig rig="twoPt" dir="t">
+              <a:rot lat="0" lon="0" rev="7800000"/>
+            </a:lightRig>
+          </a:scene3d>
+          <a:sp3d contourW="6350">
+            <a:bevelT w="50800" h="16510"/>
+            <a:contourClr>
+              <a:srgbClr val="C0C0C0"/>
+            </a:contourClr>
+          </a:sp3d>
+          <a:extLst/>
+        </p:spPr>
+      </p:pic>
+      <p:pic>
+        <p:nvPicPr>
+          <p:cNvPr id="3076" name="Picture 4"/>
+          <p:cNvPicPr>
+            <a:picLocks noChangeAspect="1" noChangeArrowheads="1"/>
+          </p:cNvPicPr>
+          <p:nvPr/>
+        </p:nvPicPr>
+        <p:blipFill>
+          <a:blip r:embed="rId3">
+            <a:extLst>
+              <a:ext uri="{28A0092B-C50C-407E-A947-70E740481C1C}">
+                <a14:useLocalDpi xmlns:a14="http://schemas.microsoft.com/office/drawing/2010/main" val="0"/>
+              </a:ext>
+            </a:extLst>
+          </a:blip>
+          <a:srcRect/>
+          <a:stretch>
+            <a:fillRect/>
+          </a:stretch>
+        </p:blipFill>
+        <p:spPr bwMode="auto">
+          <a:xfrm>
+            <a:off x="4067944" y="1813676"/>
+            <a:ext cx="1850413" cy="1137125"/>
+          </a:xfrm>
+          <a:prstGeom prst="rect">
+            <a:avLst/>
+          </a:prstGeom>
+          <a:solidFill>
+            <a:srgbClr val="FFFFFF">
+              <a:shade val="85000"/>
+            </a:srgbClr>
+          </a:solidFill>
+          <a:ln w="190500" cap="rnd">
+            <a:solidFill>
+              <a:srgbClr val="FFFFFF"/>
+            </a:solidFill>
+          </a:ln>
+          <a:effectLst>
+            <a:outerShdw blurRad="50000" algn="tl" rotWithShape="0">
+              <a:srgbClr val="000000">
+                <a:alpha val="41000"/>
+              </a:srgbClr>
+            </a:outerShdw>
+          </a:effectLst>
+          <a:scene3d>
+            <a:camera prst="orthographicFront"/>
+            <a:lightRig rig="twoPt" dir="t">
+              <a:rot lat="0" lon="0" rev="7800000"/>
+            </a:lightRig>
+          </a:scene3d>
+          <a:sp3d contourW="6350">
+            <a:bevelT w="50800" h="16510"/>
+            <a:contourClr>
+              <a:srgbClr val="C0C0C0"/>
+            </a:contourClr>
+          </a:sp3d>
+          <a:extLst/>
+        </p:spPr>
+      </p:pic>
+      <p:pic>
+        <p:nvPicPr>
+          <p:cNvPr id="3077" name="Picture 5"/>
+          <p:cNvPicPr>
+            <a:picLocks noChangeAspect="1" noChangeArrowheads="1"/>
+          </p:cNvPicPr>
+          <p:nvPr/>
+        </p:nvPicPr>
+        <p:blipFill>
+          <a:blip r:embed="rId4">
+            <a:extLst>
+              <a:ext uri="{28A0092B-C50C-407E-A947-70E740481C1C}">
+                <a14:useLocalDpi xmlns:a14="http://schemas.microsoft.com/office/drawing/2010/main" val="0"/>
+              </a:ext>
+            </a:extLst>
+          </a:blip>
+          <a:srcRect/>
+          <a:stretch>
+            <a:fillRect/>
+          </a:stretch>
+        </p:blipFill>
+        <p:spPr bwMode="auto">
+          <a:xfrm>
+            <a:off x="2627784" y="3501007"/>
+            <a:ext cx="2390775" cy="1209675"/>
+          </a:xfrm>
+          <a:prstGeom prst="rect">
+            <a:avLst/>
+          </a:prstGeom>
+          <a:solidFill>
+            <a:srgbClr val="FFFFFF">
+              <a:shade val="85000"/>
+            </a:srgbClr>
+          </a:solidFill>
+          <a:ln w="190500" cap="rnd">
+            <a:solidFill>
+              <a:srgbClr val="FFFFFF"/>
+            </a:solidFill>
+          </a:ln>
+          <a:effectLst>
+            <a:outerShdw blurRad="50000" algn="tl" rotWithShape="0">
+              <a:srgbClr val="000000">
+                <a:alpha val="41000"/>
+              </a:srgbClr>
+            </a:outerShdw>
+          </a:effectLst>
+          <a:scene3d>
+            <a:camera prst="orthographicFront"/>
+            <a:lightRig rig="twoPt" dir="t">
+              <a:rot lat="0" lon="0" rev="7800000"/>
+            </a:lightRig>
+          </a:scene3d>
+          <a:sp3d contourW="6350">
+            <a:bevelT w="50800" h="16510"/>
+            <a:contourClr>
+              <a:srgbClr val="C0C0C0"/>
+            </a:contourClr>
+          </a:sp3d>
+          <a:extLst/>
+        </p:spPr>
+      </p:pic>
+      <p:pic>
+        <p:nvPicPr>
+          <p:cNvPr id="3079" name="Picture 7"/>
+          <p:cNvPicPr>
+            <a:picLocks noChangeAspect="1" noChangeArrowheads="1"/>
+          </p:cNvPicPr>
+          <p:nvPr/>
+        </p:nvPicPr>
+        <p:blipFill>
+          <a:blip r:embed="rId5" cstate="print">
+            <a:extLst>
+              <a:ext uri="{28A0092B-C50C-407E-A947-70E740481C1C}">
+                <a14:useLocalDpi xmlns:a14="http://schemas.microsoft.com/office/drawing/2010/main" val="0"/>
+              </a:ext>
+            </a:extLst>
+          </a:blip>
+          <a:srcRect/>
+          <a:stretch>
+            <a:fillRect/>
+          </a:stretch>
+        </p:blipFill>
+        <p:spPr bwMode="auto">
+          <a:xfrm>
+            <a:off x="5436096" y="3501007"/>
+            <a:ext cx="3192099" cy="2800810"/>
+          </a:xfrm>
+          <a:prstGeom prst="rect">
+            <a:avLst/>
+          </a:prstGeom>
+          <a:solidFill>
+            <a:srgbClr val="FFFFFF">
+              <a:shade val="85000"/>
+            </a:srgbClr>
+          </a:solidFill>
+          <a:ln w="190500" cap="rnd">
+            <a:solidFill>
+              <a:srgbClr val="FFFFFF"/>
+            </a:solidFill>
+          </a:ln>
+          <a:effectLst>
+            <a:outerShdw blurRad="50000" algn="tl" rotWithShape="0">
+              <a:srgbClr val="000000">
+                <a:alpha val="41000"/>
+              </a:srgbClr>
+            </a:outerShdw>
+          </a:effectLst>
+          <a:scene3d>
+            <a:camera prst="orthographicFront"/>
+            <a:lightRig rig="twoPt" dir="t">
+              <a:rot lat="0" lon="0" rev="7800000"/>
+            </a:lightRig>
+          </a:scene3d>
+          <a:sp3d contourW="6350">
+            <a:bevelT w="50800" h="16510"/>
+            <a:contourClr>
+              <a:srgbClr val="C0C0C0"/>
+            </a:contourClr>
+          </a:sp3d>
+          <a:extLst/>
+        </p:spPr>
+      </p:pic>
     </p:spTree>
     <p:extLst>
       <p:ext uri="{BB962C8B-B14F-4D97-AF65-F5344CB8AC3E}">
@@ -9617,6 +10228,13 @@
   <p:clrMapOvr>
     <a:masterClrMapping/>
   </p:clrMapOvr>
+  <p:timing>
+    <p:tnLst>
+      <p:par>
+        <p:cTn id="1" dur="indefinite" restart="never" nodeType="tmRoot"/>
+      </p:par>
+    </p:tnLst>
+  </p:timing>
 </p:sld>
 </file>
 
@@ -12459,11 +13077,7 @@
             </a:r>
             <a:r>
               <a:rPr lang="zh-CN" altLang="en-US" dirty="0" smtClean="0"/>
-              <a:t>务产品组使</a:t>
-            </a:r>
-            <a:r>
-              <a:rPr lang="zh-CN" altLang="en-US" dirty="0" smtClean="0"/>
-              <a:t>用</a:t>
+              <a:t>务产品组使用</a:t>
             </a:r>
             <a:endParaRPr lang="en-US" altLang="zh-CN" dirty="0" smtClean="0"/>
           </a:p>
@@ -12492,6 +13106,13 @@
   <p:clrMapOvr>
     <a:masterClrMapping/>
   </p:clrMapOvr>
+  <p:timing>
+    <p:tnLst>
+      <p:par>
+        <p:cTn id="1" dur="indefinite" restart="never" nodeType="tmRoot"/>
+      </p:par>
+    </p:tnLst>
+  </p:timing>
 </p:sld>
 </file>
 
@@ -12635,6 +13256,13 @@
   <p:clrMapOvr>
     <a:masterClrMapping/>
   </p:clrMapOvr>
+  <p:timing>
+    <p:tnLst>
+      <p:par>
+        <p:cTn id="1" dur="indefinite" restart="never" nodeType="tmRoot"/>
+      </p:par>
+    </p:tnLst>
+  </p:timing>
 </p:sld>
 </file>
 
@@ -12672,11 +13300,7 @@
           <a:p>
             <a:r>
               <a:rPr lang="zh-CN" altLang="en-US" dirty="0" smtClean="0"/>
-              <a:t>禅</a:t>
-            </a:r>
-            <a:r>
-              <a:rPr lang="zh-CN" altLang="en-US" dirty="0" smtClean="0"/>
-              <a:t>道报表</a:t>
+              <a:t>禅道报表</a:t>
             </a:r>
             <a:endParaRPr lang="zh-CN" altLang="en-US" dirty="0"/>
           </a:p>
@@ -12776,6 +13400,2327 @@
   <p:clrMapOvr>
     <a:masterClrMapping/>
   </p:clrMapOvr>
+  <p:timing>
+    <p:tnLst>
+      <p:par>
+        <p:cTn id="1" dur="indefinite" restart="never" nodeType="tmRoot"/>
+      </p:par>
+    </p:tnLst>
+  </p:timing>
+</p:sld>
+</file>
+
+<file path=ppt/slides/slide23.xml><?xml version="1.0" encoding="utf-8"?>
+<p:sld xmlns:a="http://schemas.openxmlformats.org/drawingml/2006/main" xmlns:r="http://schemas.openxmlformats.org/officeDocument/2006/relationships" xmlns:p="http://schemas.openxmlformats.org/presentationml/2006/main">
+  <p:cSld>
+    <p:bg>
+      <p:bgPr>
+        <a:solidFill>
+          <a:schemeClr val="bg1"/>
+        </a:solidFill>
+        <a:effectLst/>
+      </p:bgPr>
+    </p:bg>
+    <p:spTree>
+      <p:nvGrpSpPr>
+        <p:cNvPr id="1" name=""/>
+        <p:cNvGrpSpPr/>
+        <p:nvPr/>
+      </p:nvGrpSpPr>
+      <p:grpSpPr>
+        <a:xfrm>
+          <a:off x="0" y="0"/>
+          <a:ext cx="0" cy="0"/>
+          <a:chOff x="0" y="0"/>
+          <a:chExt cx="0" cy="0"/>
+        </a:xfrm>
+      </p:grpSpPr>
+      <p:sp>
+        <p:nvSpPr>
+          <p:cNvPr id="3" name="任意多边形 2"/>
+          <p:cNvSpPr/>
+          <p:nvPr>
+            <p:custDataLst>
+              <p:tags r:id="rId2"/>
+            </p:custDataLst>
+          </p:nvPr>
+        </p:nvSpPr>
+        <p:spPr>
+          <a:xfrm>
+            <a:off x="2320925" y="2360613"/>
+            <a:ext cx="4800600" cy="639762"/>
+          </a:xfrm>
+          <a:custGeom>
+            <a:avLst/>
+            <a:gdLst>
+              <a:gd name="connsiteX0" fmla="*/ 304800 w 4800600"/>
+              <a:gd name="connsiteY0" fmla="*/ 0 h 640080"/>
+              <a:gd name="connsiteX1" fmla="*/ 4800600 w 4800600"/>
+              <a:gd name="connsiteY1" fmla="*/ 7620 h 640080"/>
+              <a:gd name="connsiteX2" fmla="*/ 4495800 w 4800600"/>
+              <a:gd name="connsiteY2" fmla="*/ 640080 h 640080"/>
+              <a:gd name="connsiteX3" fmla="*/ 0 w 4800600"/>
+              <a:gd name="connsiteY3" fmla="*/ 640080 h 640080"/>
+              <a:gd name="connsiteX4" fmla="*/ 304800 w 4800600"/>
+              <a:gd name="connsiteY4" fmla="*/ 0 h 640080"/>
+            </a:gdLst>
+            <a:ahLst/>
+            <a:cxnLst>
+              <a:cxn ang="0">
+                <a:pos x="connsiteX0" y="connsiteY0"/>
+              </a:cxn>
+              <a:cxn ang="0">
+                <a:pos x="connsiteX1" y="connsiteY1"/>
+              </a:cxn>
+              <a:cxn ang="0">
+                <a:pos x="connsiteX2" y="connsiteY2"/>
+              </a:cxn>
+              <a:cxn ang="0">
+                <a:pos x="connsiteX3" y="connsiteY3"/>
+              </a:cxn>
+              <a:cxn ang="0">
+                <a:pos x="connsiteX4" y="connsiteY4"/>
+              </a:cxn>
+            </a:cxnLst>
+            <a:rect l="l" t="t" r="r" b="b"/>
+            <a:pathLst>
+              <a:path w="4800600" h="640080">
+                <a:moveTo>
+                  <a:pt x="304800" y="0"/>
+                </a:moveTo>
+                <a:lnTo>
+                  <a:pt x="4800600" y="7620"/>
+                </a:lnTo>
+                <a:lnTo>
+                  <a:pt x="4495800" y="640080"/>
+                </a:lnTo>
+                <a:lnTo>
+                  <a:pt x="0" y="640080"/>
+                </a:lnTo>
+                <a:lnTo>
+                  <a:pt x="304800" y="0"/>
+                </a:lnTo>
+                <a:close/>
+              </a:path>
+            </a:pathLst>
+          </a:custGeom>
+          <a:solidFill>
+            <a:schemeClr val="accent1"/>
+          </a:solidFill>
+          <a:ln>
+            <a:noFill/>
+          </a:ln>
+        </p:spPr>
+        <p:style>
+          <a:lnRef idx="2">
+            <a:schemeClr val="accent1">
+              <a:shade val="50000"/>
+            </a:schemeClr>
+          </a:lnRef>
+          <a:fillRef idx="1">
+            <a:schemeClr val="accent1"/>
+          </a:fillRef>
+          <a:effectRef idx="0">
+            <a:schemeClr val="accent1"/>
+          </a:effectRef>
+          <a:fontRef idx="minor">
+            <a:schemeClr val="lt1"/>
+          </a:fontRef>
+        </p:style>
+        <p:txBody>
+          <a:bodyPr anchor="ctr"/>
+          <a:lstStyle/>
+          <a:p>
+            <a:pPr algn="ctr" eaLnBrk="1" fontAlgn="auto" hangingPunct="1">
+              <a:spcBef>
+                <a:spcPts val="0"/>
+              </a:spcBef>
+              <a:spcAft>
+                <a:spcPts val="0"/>
+              </a:spcAft>
+              <a:defRPr/>
+            </a:pPr>
+            <a:endParaRPr lang="zh-CN" altLang="en-US" sz="4400" i="1" dirty="0">
+              <a:solidFill>
+                <a:srgbClr val="FFFFFF"/>
+              </a:solidFill>
+              <a:latin typeface="Bodoni MT Black" panose="02070A03080606020203" pitchFamily="18" charset="0"/>
+              <a:ea typeface="HanWangWCL10" panose="02020500000000000000" pitchFamily="18" charset="-120"/>
+              <a:cs typeface="Aharoni" panose="02010803020104030203" pitchFamily="2" charset="-79"/>
+            </a:endParaRPr>
+          </a:p>
+        </p:txBody>
+      </p:sp>
+      <p:sp>
+        <p:nvSpPr>
+          <p:cNvPr id="4" name="任意多边形 3"/>
+          <p:cNvSpPr/>
+          <p:nvPr>
+            <p:custDataLst>
+              <p:tags r:id="rId3"/>
+            </p:custDataLst>
+          </p:nvPr>
+        </p:nvSpPr>
+        <p:spPr>
+          <a:xfrm>
+            <a:off x="6853238" y="2535238"/>
+            <a:ext cx="693737" cy="549275"/>
+          </a:xfrm>
+          <a:custGeom>
+            <a:avLst/>
+            <a:gdLst>
+              <a:gd name="connsiteX0" fmla="*/ 274320 w 693420"/>
+              <a:gd name="connsiteY0" fmla="*/ 0 h 548640"/>
+              <a:gd name="connsiteX1" fmla="*/ 693420 w 693420"/>
+              <a:gd name="connsiteY1" fmla="*/ 7620 h 548640"/>
+              <a:gd name="connsiteX2" fmla="*/ 449580 w 693420"/>
+              <a:gd name="connsiteY2" fmla="*/ 259080 h 548640"/>
+              <a:gd name="connsiteX3" fmla="*/ 571500 w 693420"/>
+              <a:gd name="connsiteY3" fmla="*/ 548640 h 548640"/>
+              <a:gd name="connsiteX4" fmla="*/ 0 w 693420"/>
+              <a:gd name="connsiteY4" fmla="*/ 533400 h 548640"/>
+              <a:gd name="connsiteX5" fmla="*/ 274320 w 693420"/>
+              <a:gd name="connsiteY5" fmla="*/ 0 h 548640"/>
+            </a:gdLst>
+            <a:ahLst/>
+            <a:cxnLst>
+              <a:cxn ang="0">
+                <a:pos x="connsiteX0" y="connsiteY0"/>
+              </a:cxn>
+              <a:cxn ang="0">
+                <a:pos x="connsiteX1" y="connsiteY1"/>
+              </a:cxn>
+              <a:cxn ang="0">
+                <a:pos x="connsiteX2" y="connsiteY2"/>
+              </a:cxn>
+              <a:cxn ang="0">
+                <a:pos x="connsiteX3" y="connsiteY3"/>
+              </a:cxn>
+              <a:cxn ang="0">
+                <a:pos x="connsiteX4" y="connsiteY4"/>
+              </a:cxn>
+              <a:cxn ang="0">
+                <a:pos x="connsiteX5" y="connsiteY5"/>
+              </a:cxn>
+            </a:cxnLst>
+            <a:rect l="l" t="t" r="r" b="b"/>
+            <a:pathLst>
+              <a:path w="693420" h="548640">
+                <a:moveTo>
+                  <a:pt x="274320" y="0"/>
+                </a:moveTo>
+                <a:lnTo>
+                  <a:pt x="693420" y="7620"/>
+                </a:lnTo>
+                <a:lnTo>
+                  <a:pt x="449580" y="259080"/>
+                </a:lnTo>
+                <a:lnTo>
+                  <a:pt x="571500" y="548640"/>
+                </a:lnTo>
+                <a:lnTo>
+                  <a:pt x="0" y="533400"/>
+                </a:lnTo>
+                <a:lnTo>
+                  <a:pt x="274320" y="0"/>
+                </a:lnTo>
+                <a:close/>
+              </a:path>
+            </a:pathLst>
+          </a:custGeom>
+          <a:solidFill>
+            <a:schemeClr val="accent1"/>
+          </a:solidFill>
+          <a:ln>
+            <a:noFill/>
+          </a:ln>
+        </p:spPr>
+        <p:style>
+          <a:lnRef idx="2">
+            <a:schemeClr val="accent1">
+              <a:shade val="50000"/>
+            </a:schemeClr>
+          </a:lnRef>
+          <a:fillRef idx="1">
+            <a:schemeClr val="accent1"/>
+          </a:fillRef>
+          <a:effectRef idx="0">
+            <a:schemeClr val="accent1"/>
+          </a:effectRef>
+          <a:fontRef idx="minor">
+            <a:schemeClr val="lt1"/>
+          </a:fontRef>
+        </p:style>
+        <p:txBody>
+          <a:bodyPr anchor="ctr"/>
+          <a:lstStyle/>
+          <a:p>
+            <a:pPr algn="ctr" eaLnBrk="1" fontAlgn="auto" hangingPunct="1">
+              <a:spcBef>
+                <a:spcPts val="0"/>
+              </a:spcBef>
+              <a:spcAft>
+                <a:spcPts val="0"/>
+              </a:spcAft>
+              <a:defRPr/>
+            </a:pPr>
+            <a:endParaRPr lang="zh-CN" altLang="en-US">
+              <a:solidFill>
+                <a:srgbClr val="FFFFFF"/>
+              </a:solidFill>
+            </a:endParaRPr>
+          </a:p>
+        </p:txBody>
+      </p:sp>
+      <p:sp>
+        <p:nvSpPr>
+          <p:cNvPr id="5" name="任意多边形 4"/>
+          <p:cNvSpPr/>
+          <p:nvPr>
+            <p:custDataLst>
+              <p:tags r:id="rId4"/>
+            </p:custDataLst>
+          </p:nvPr>
+        </p:nvSpPr>
+        <p:spPr>
+          <a:xfrm flipH="1" flipV="1">
+            <a:off x="1911350" y="2254250"/>
+            <a:ext cx="692150" cy="547688"/>
+          </a:xfrm>
+          <a:custGeom>
+            <a:avLst/>
+            <a:gdLst>
+              <a:gd name="connsiteX0" fmla="*/ 274320 w 693420"/>
+              <a:gd name="connsiteY0" fmla="*/ 0 h 548640"/>
+              <a:gd name="connsiteX1" fmla="*/ 693420 w 693420"/>
+              <a:gd name="connsiteY1" fmla="*/ 7620 h 548640"/>
+              <a:gd name="connsiteX2" fmla="*/ 449580 w 693420"/>
+              <a:gd name="connsiteY2" fmla="*/ 259080 h 548640"/>
+              <a:gd name="connsiteX3" fmla="*/ 571500 w 693420"/>
+              <a:gd name="connsiteY3" fmla="*/ 548640 h 548640"/>
+              <a:gd name="connsiteX4" fmla="*/ 0 w 693420"/>
+              <a:gd name="connsiteY4" fmla="*/ 533400 h 548640"/>
+              <a:gd name="connsiteX5" fmla="*/ 274320 w 693420"/>
+              <a:gd name="connsiteY5" fmla="*/ 0 h 548640"/>
+            </a:gdLst>
+            <a:ahLst/>
+            <a:cxnLst>
+              <a:cxn ang="0">
+                <a:pos x="connsiteX0" y="connsiteY0"/>
+              </a:cxn>
+              <a:cxn ang="0">
+                <a:pos x="connsiteX1" y="connsiteY1"/>
+              </a:cxn>
+              <a:cxn ang="0">
+                <a:pos x="connsiteX2" y="connsiteY2"/>
+              </a:cxn>
+              <a:cxn ang="0">
+                <a:pos x="connsiteX3" y="connsiteY3"/>
+              </a:cxn>
+              <a:cxn ang="0">
+                <a:pos x="connsiteX4" y="connsiteY4"/>
+              </a:cxn>
+              <a:cxn ang="0">
+                <a:pos x="connsiteX5" y="connsiteY5"/>
+              </a:cxn>
+            </a:cxnLst>
+            <a:rect l="l" t="t" r="r" b="b"/>
+            <a:pathLst>
+              <a:path w="693420" h="548640">
+                <a:moveTo>
+                  <a:pt x="274320" y="0"/>
+                </a:moveTo>
+                <a:lnTo>
+                  <a:pt x="693420" y="7620"/>
+                </a:lnTo>
+                <a:lnTo>
+                  <a:pt x="449580" y="259080"/>
+                </a:lnTo>
+                <a:lnTo>
+                  <a:pt x="571500" y="548640"/>
+                </a:lnTo>
+                <a:lnTo>
+                  <a:pt x="0" y="533400"/>
+                </a:lnTo>
+                <a:lnTo>
+                  <a:pt x="274320" y="0"/>
+                </a:lnTo>
+                <a:close/>
+              </a:path>
+            </a:pathLst>
+          </a:custGeom>
+          <a:solidFill>
+            <a:schemeClr val="accent1"/>
+          </a:solidFill>
+          <a:ln>
+            <a:noFill/>
+          </a:ln>
+        </p:spPr>
+        <p:style>
+          <a:lnRef idx="2">
+            <a:schemeClr val="accent1">
+              <a:shade val="50000"/>
+            </a:schemeClr>
+          </a:lnRef>
+          <a:fillRef idx="1">
+            <a:schemeClr val="accent1"/>
+          </a:fillRef>
+          <a:effectRef idx="0">
+            <a:schemeClr val="accent1"/>
+          </a:effectRef>
+          <a:fontRef idx="minor">
+            <a:schemeClr val="lt1"/>
+          </a:fontRef>
+        </p:style>
+        <p:txBody>
+          <a:bodyPr anchor="ctr"/>
+          <a:lstStyle/>
+          <a:p>
+            <a:pPr algn="ctr" eaLnBrk="1" fontAlgn="auto" hangingPunct="1">
+              <a:spcBef>
+                <a:spcPts val="0"/>
+              </a:spcBef>
+              <a:spcAft>
+                <a:spcPts val="0"/>
+              </a:spcAft>
+              <a:defRPr/>
+            </a:pPr>
+            <a:endParaRPr lang="zh-CN" altLang="en-US">
+              <a:solidFill>
+                <a:srgbClr val="FFFFFF"/>
+              </a:solidFill>
+            </a:endParaRPr>
+          </a:p>
+        </p:txBody>
+      </p:sp>
+      <p:sp>
+        <p:nvSpPr>
+          <p:cNvPr id="3077" name="文本框 6"/>
+          <p:cNvSpPr txBox="1">
+            <a:spLocks noChangeArrowheads="1"/>
+          </p:cNvSpPr>
+          <p:nvPr>
+            <p:custDataLst>
+              <p:tags r:id="rId5"/>
+            </p:custDataLst>
+          </p:nvPr>
+        </p:nvSpPr>
+        <p:spPr bwMode="auto">
+          <a:xfrm>
+            <a:off x="3662363" y="4294188"/>
+            <a:ext cx="2095500" cy="369887"/>
+          </a:xfrm>
+          <a:prstGeom prst="rect">
+            <a:avLst/>
+          </a:prstGeom>
+          <a:noFill/>
+          <a:ln>
+            <a:noFill/>
+          </a:ln>
+          <a:extLst>
+            <a:ext uri="{909E8E84-426E-40DD-AFC4-6F175D3DCCD1}">
+              <a14:hiddenFill xmlns:a14="http://schemas.microsoft.com/office/drawing/2010/main">
+                <a:solidFill>
+                  <a:srgbClr val="FFFFFF"/>
+                </a:solidFill>
+              </a14:hiddenFill>
+            </a:ext>
+            <a:ext uri="{91240B29-F687-4F45-9708-019B960494DF}">
+              <a14:hiddenLine xmlns:a14="http://schemas.microsoft.com/office/drawing/2010/main" w="9525">
+                <a:solidFill>
+                  <a:srgbClr val="000000"/>
+                </a:solidFill>
+                <a:miter lim="800000"/>
+                <a:headEnd/>
+                <a:tailEnd/>
+              </a14:hiddenLine>
+            </a:ext>
+          </a:extLst>
+        </p:spPr>
+        <p:txBody>
+          <a:bodyPr anchor="ctr"/>
+          <a:lstStyle>
+            <a:lvl1pPr>
+              <a:lnSpc>
+                <a:spcPct val="90000"/>
+              </a:lnSpc>
+              <a:spcBef>
+                <a:spcPts val="750"/>
+              </a:spcBef>
+              <a:buFont typeface="Arial" charset="0"/>
+              <a:buChar char="•"/>
+              <a:defRPr sz="2100">
+                <a:solidFill>
+                  <a:schemeClr val="tx1"/>
+                </a:solidFill>
+                <a:latin typeface="Calibri" pitchFamily="34" charset="0"/>
+                <a:ea typeface="宋体" charset="-122"/>
+              </a:defRPr>
+            </a:lvl1pPr>
+            <a:lvl2pPr marL="742950" indent="-285750">
+              <a:lnSpc>
+                <a:spcPct val="90000"/>
+              </a:lnSpc>
+              <a:spcBef>
+                <a:spcPts val="375"/>
+              </a:spcBef>
+              <a:buFont typeface="Arial" charset="0"/>
+              <a:buChar char="•"/>
+              <a:defRPr>
+                <a:solidFill>
+                  <a:schemeClr val="tx1"/>
+                </a:solidFill>
+                <a:latin typeface="Calibri" pitchFamily="34" charset="0"/>
+                <a:ea typeface="宋体" charset="-122"/>
+              </a:defRPr>
+            </a:lvl2pPr>
+            <a:lvl3pPr marL="1143000" indent="-228600">
+              <a:lnSpc>
+                <a:spcPct val="90000"/>
+              </a:lnSpc>
+              <a:spcBef>
+                <a:spcPts val="375"/>
+              </a:spcBef>
+              <a:buFont typeface="Arial" charset="0"/>
+              <a:buChar char="•"/>
+              <a:defRPr sz="1500">
+                <a:solidFill>
+                  <a:schemeClr val="tx1"/>
+                </a:solidFill>
+                <a:latin typeface="Calibri" pitchFamily="34" charset="0"/>
+                <a:ea typeface="宋体" charset="-122"/>
+              </a:defRPr>
+            </a:lvl3pPr>
+            <a:lvl4pPr marL="1600200" indent="-228600">
+              <a:lnSpc>
+                <a:spcPct val="90000"/>
+              </a:lnSpc>
+              <a:spcBef>
+                <a:spcPts val="375"/>
+              </a:spcBef>
+              <a:buFont typeface="Arial" charset="0"/>
+              <a:buChar char="•"/>
+              <a:defRPr sz="1300">
+                <a:solidFill>
+                  <a:schemeClr val="tx1"/>
+                </a:solidFill>
+                <a:latin typeface="Calibri" pitchFamily="34" charset="0"/>
+                <a:ea typeface="宋体" charset="-122"/>
+              </a:defRPr>
+            </a:lvl4pPr>
+            <a:lvl5pPr marL="2057400" indent="-228600">
+              <a:lnSpc>
+                <a:spcPct val="90000"/>
+              </a:lnSpc>
+              <a:spcBef>
+                <a:spcPts val="375"/>
+              </a:spcBef>
+              <a:buFont typeface="Arial" charset="0"/>
+              <a:buChar char="•"/>
+              <a:defRPr sz="1300">
+                <a:solidFill>
+                  <a:schemeClr val="tx1"/>
+                </a:solidFill>
+                <a:latin typeface="Calibri" pitchFamily="34" charset="0"/>
+                <a:ea typeface="宋体" charset="-122"/>
+              </a:defRPr>
+            </a:lvl5pPr>
+            <a:lvl6pPr marL="2514600" indent="-228600" fontAlgn="base">
+              <a:lnSpc>
+                <a:spcPct val="90000"/>
+              </a:lnSpc>
+              <a:spcBef>
+                <a:spcPts val="375"/>
+              </a:spcBef>
+              <a:spcAft>
+                <a:spcPct val="0"/>
+              </a:spcAft>
+              <a:buFont typeface="Arial" charset="0"/>
+              <a:buChar char="•"/>
+              <a:defRPr sz="1300">
+                <a:solidFill>
+                  <a:schemeClr val="tx1"/>
+                </a:solidFill>
+                <a:latin typeface="Calibri" pitchFamily="34" charset="0"/>
+                <a:ea typeface="宋体" charset="-122"/>
+              </a:defRPr>
+            </a:lvl6pPr>
+            <a:lvl7pPr marL="2971800" indent="-228600" fontAlgn="base">
+              <a:lnSpc>
+                <a:spcPct val="90000"/>
+              </a:lnSpc>
+              <a:spcBef>
+                <a:spcPts val="375"/>
+              </a:spcBef>
+              <a:spcAft>
+                <a:spcPct val="0"/>
+              </a:spcAft>
+              <a:buFont typeface="Arial" charset="0"/>
+              <a:buChar char="•"/>
+              <a:defRPr sz="1300">
+                <a:solidFill>
+                  <a:schemeClr val="tx1"/>
+                </a:solidFill>
+                <a:latin typeface="Calibri" pitchFamily="34" charset="0"/>
+                <a:ea typeface="宋体" charset="-122"/>
+              </a:defRPr>
+            </a:lvl7pPr>
+            <a:lvl8pPr marL="3429000" indent="-228600" fontAlgn="base">
+              <a:lnSpc>
+                <a:spcPct val="90000"/>
+              </a:lnSpc>
+              <a:spcBef>
+                <a:spcPts val="375"/>
+              </a:spcBef>
+              <a:spcAft>
+                <a:spcPct val="0"/>
+              </a:spcAft>
+              <a:buFont typeface="Arial" charset="0"/>
+              <a:buChar char="•"/>
+              <a:defRPr sz="1300">
+                <a:solidFill>
+                  <a:schemeClr val="tx1"/>
+                </a:solidFill>
+                <a:latin typeface="Calibri" pitchFamily="34" charset="0"/>
+                <a:ea typeface="宋体" charset="-122"/>
+              </a:defRPr>
+            </a:lvl8pPr>
+            <a:lvl9pPr marL="3886200" indent="-228600" fontAlgn="base">
+              <a:lnSpc>
+                <a:spcPct val="90000"/>
+              </a:lnSpc>
+              <a:spcBef>
+                <a:spcPts val="375"/>
+              </a:spcBef>
+              <a:spcAft>
+                <a:spcPct val="0"/>
+              </a:spcAft>
+              <a:buFont typeface="Arial" charset="0"/>
+              <a:buChar char="•"/>
+              <a:defRPr sz="1300">
+                <a:solidFill>
+                  <a:schemeClr val="tx1"/>
+                </a:solidFill>
+                <a:latin typeface="Calibri" pitchFamily="34" charset="0"/>
+                <a:ea typeface="宋体" charset="-122"/>
+              </a:defRPr>
+            </a:lvl9pPr>
+          </a:lstStyle>
+          <a:p>
+            <a:pPr algn="ctr" eaLnBrk="1" hangingPunct="1">
+              <a:lnSpc>
+                <a:spcPct val="100000"/>
+              </a:lnSpc>
+              <a:spcBef>
+                <a:spcPct val="0"/>
+              </a:spcBef>
+              <a:buFontTx/>
+              <a:buNone/>
+            </a:pPr>
+            <a:r>
+              <a:rPr lang="en-US" altLang="zh-CN" sz="1600" i="1" dirty="0" smtClean="0">
+                <a:solidFill>
+                  <a:schemeClr val="accent1"/>
+                </a:solidFill>
+                <a:latin typeface="Bodoni MT Black" pitchFamily="18" charset="0"/>
+                <a:ea typeface="微软雅黑" pitchFamily="34" charset="-122"/>
+              </a:rPr>
+              <a:t>Jing Wang</a:t>
+            </a:r>
+            <a:endParaRPr lang="zh-CN" altLang="en-US" sz="1600" i="1" dirty="0">
+              <a:solidFill>
+                <a:schemeClr val="accent1"/>
+              </a:solidFill>
+              <a:latin typeface="Bodoni MT Black" pitchFamily="18" charset="0"/>
+              <a:ea typeface="微软雅黑" pitchFamily="34" charset="-122"/>
+            </a:endParaRPr>
+          </a:p>
+        </p:txBody>
+      </p:sp>
+      <p:sp>
+        <p:nvSpPr>
+          <p:cNvPr id="3078" name="Freeform 5"/>
+          <p:cNvSpPr>
+            <a:spLocks noEditPoints="1"/>
+          </p:cNvSpPr>
+          <p:nvPr>
+            <p:custDataLst>
+              <p:tags r:id="rId6"/>
+            </p:custDataLst>
+          </p:nvPr>
+        </p:nvSpPr>
+        <p:spPr bwMode="auto">
+          <a:xfrm>
+            <a:off x="3106738" y="2427288"/>
+            <a:ext cx="3270250" cy="552450"/>
+          </a:xfrm>
+          <a:custGeom>
+            <a:avLst/>
+            <a:gdLst>
+              <a:gd name="T0" fmla="*/ 2147483646 w 17153"/>
+              <a:gd name="T1" fmla="*/ 2147483646 h 2886"/>
+              <a:gd name="T2" fmla="*/ 2147483646 w 17153"/>
+              <a:gd name="T3" fmla="*/ 2147483646 h 2886"/>
+              <a:gd name="T4" fmla="*/ 2147483646 w 17153"/>
+              <a:gd name="T5" fmla="*/ 2147483646 h 2886"/>
+              <a:gd name="T6" fmla="*/ 2147483646 w 17153"/>
+              <a:gd name="T7" fmla="*/ 2147483646 h 2886"/>
+              <a:gd name="T8" fmla="*/ 2147483646 w 17153"/>
+              <a:gd name="T9" fmla="*/ 2147483646 h 2886"/>
+              <a:gd name="T10" fmla="*/ 2147483646 w 17153"/>
+              <a:gd name="T11" fmla="*/ 2147483646 h 2886"/>
+              <a:gd name="T12" fmla="*/ 2147483646 w 17153"/>
+              <a:gd name="T13" fmla="*/ 2147483646 h 2886"/>
+              <a:gd name="T14" fmla="*/ 2147483646 w 17153"/>
+              <a:gd name="T15" fmla="*/ 2147483646 h 2886"/>
+              <a:gd name="T16" fmla="*/ 2147483646 w 17153"/>
+              <a:gd name="T17" fmla="*/ 2147483646 h 2886"/>
+              <a:gd name="T18" fmla="*/ 2147483646 w 17153"/>
+              <a:gd name="T19" fmla="*/ 2147483646 h 2886"/>
+              <a:gd name="T20" fmla="*/ 2147483646 w 17153"/>
+              <a:gd name="T21" fmla="*/ 2147483646 h 2886"/>
+              <a:gd name="T22" fmla="*/ 2147483646 w 17153"/>
+              <a:gd name="T23" fmla="*/ 2147483646 h 2886"/>
+              <a:gd name="T24" fmla="*/ 2147483646 w 17153"/>
+              <a:gd name="T25" fmla="*/ 2147483646 h 2886"/>
+              <a:gd name="T26" fmla="*/ 2147483646 w 17153"/>
+              <a:gd name="T27" fmla="*/ 2147483646 h 2886"/>
+              <a:gd name="T28" fmla="*/ 2147483646 w 17153"/>
+              <a:gd name="T29" fmla="*/ 2147483646 h 2886"/>
+              <a:gd name="T30" fmla="*/ 2147483646 w 17153"/>
+              <a:gd name="T31" fmla="*/ 2147483646 h 2886"/>
+              <a:gd name="T32" fmla="*/ 2147483646 w 17153"/>
+              <a:gd name="T33" fmla="*/ 2147483646 h 2886"/>
+              <a:gd name="T34" fmla="*/ 2147483646 w 17153"/>
+              <a:gd name="T35" fmla="*/ 2147483646 h 2886"/>
+              <a:gd name="T36" fmla="*/ 2147483646 w 17153"/>
+              <a:gd name="T37" fmla="*/ 2147483646 h 2886"/>
+              <a:gd name="T38" fmla="*/ 2147483646 w 17153"/>
+              <a:gd name="T39" fmla="*/ 2147483646 h 2886"/>
+              <a:gd name="T40" fmla="*/ 2147483646 w 17153"/>
+              <a:gd name="T41" fmla="*/ 2147483646 h 2886"/>
+              <a:gd name="T42" fmla="*/ 2147483646 w 17153"/>
+              <a:gd name="T43" fmla="*/ 2147483646 h 2886"/>
+              <a:gd name="T44" fmla="*/ 2147483646 w 17153"/>
+              <a:gd name="T45" fmla="*/ 2147483646 h 2886"/>
+              <a:gd name="T46" fmla="*/ 2147483646 w 17153"/>
+              <a:gd name="T47" fmla="*/ 2147483646 h 2886"/>
+              <a:gd name="T48" fmla="*/ 2147483646 w 17153"/>
+              <a:gd name="T49" fmla="*/ 2147483646 h 2886"/>
+              <a:gd name="T50" fmla="*/ 2147483646 w 17153"/>
+              <a:gd name="T51" fmla="*/ 2147483646 h 2886"/>
+              <a:gd name="T52" fmla="*/ 2147483646 w 17153"/>
+              <a:gd name="T53" fmla="*/ 2147483646 h 2886"/>
+              <a:gd name="T54" fmla="*/ 2147483646 w 17153"/>
+              <a:gd name="T55" fmla="*/ 2147483646 h 2886"/>
+              <a:gd name="T56" fmla="*/ 2147483646 w 17153"/>
+              <a:gd name="T57" fmla="*/ 2147483646 h 2886"/>
+              <a:gd name="T58" fmla="*/ 2147483646 w 17153"/>
+              <a:gd name="T59" fmla="*/ 2147483646 h 2886"/>
+              <a:gd name="T60" fmla="*/ 2147483646 w 17153"/>
+              <a:gd name="T61" fmla="*/ 2147483646 h 2886"/>
+              <a:gd name="T62" fmla="*/ 2147483646 w 17153"/>
+              <a:gd name="T63" fmla="*/ 2147483646 h 2886"/>
+              <a:gd name="T64" fmla="*/ 2147483646 w 17153"/>
+              <a:gd name="T65" fmla="*/ 2147483646 h 2886"/>
+              <a:gd name="T66" fmla="*/ 2147483646 w 17153"/>
+              <a:gd name="T67" fmla="*/ 2147483646 h 2886"/>
+              <a:gd name="T68" fmla="*/ 2147483646 w 17153"/>
+              <a:gd name="T69" fmla="*/ 2147483646 h 2886"/>
+              <a:gd name="T70" fmla="*/ 2147483646 w 17153"/>
+              <a:gd name="T71" fmla="*/ 2147483646 h 2886"/>
+              <a:gd name="T72" fmla="*/ 2147483646 w 17153"/>
+              <a:gd name="T73" fmla="*/ 2147483646 h 2886"/>
+              <a:gd name="T74" fmla="*/ 2147483646 w 17153"/>
+              <a:gd name="T75" fmla="*/ 2147483646 h 2886"/>
+              <a:gd name="T76" fmla="*/ 2147483646 w 17153"/>
+              <a:gd name="T77" fmla="*/ 2147483646 h 2886"/>
+              <a:gd name="T78" fmla="*/ 2147483646 w 17153"/>
+              <a:gd name="T79" fmla="*/ 2147483646 h 2886"/>
+              <a:gd name="T80" fmla="*/ 2147483646 w 17153"/>
+              <a:gd name="T81" fmla="*/ 2147483646 h 2886"/>
+              <a:gd name="T82" fmla="*/ 2147483646 w 17153"/>
+              <a:gd name="T83" fmla="*/ 2147483646 h 2886"/>
+              <a:gd name="T84" fmla="*/ 2147483646 w 17153"/>
+              <a:gd name="T85" fmla="*/ 2147483646 h 2886"/>
+              <a:gd name="T86" fmla="*/ 2147483646 w 17153"/>
+              <a:gd name="T87" fmla="*/ 2147483646 h 2886"/>
+              <a:gd name="T88" fmla="*/ 2147483646 w 17153"/>
+              <a:gd name="T89" fmla="*/ 2147483646 h 2886"/>
+              <a:gd name="T90" fmla="*/ 2147483646 w 17153"/>
+              <a:gd name="T91" fmla="*/ 2147483646 h 2886"/>
+              <a:gd name="T92" fmla="*/ 2147483646 w 17153"/>
+              <a:gd name="T93" fmla="*/ 2147483646 h 2886"/>
+              <a:gd name="T94" fmla="*/ 2147483646 w 17153"/>
+              <a:gd name="T95" fmla="*/ 2147483646 h 2886"/>
+              <a:gd name="T96" fmla="*/ 2147483646 w 17153"/>
+              <a:gd name="T97" fmla="*/ 2147483646 h 2886"/>
+              <a:gd name="T98" fmla="*/ 2147483646 w 17153"/>
+              <a:gd name="T99" fmla="*/ 2147483646 h 2886"/>
+              <a:gd name="T100" fmla="*/ 2147483646 w 17153"/>
+              <a:gd name="T101" fmla="*/ 2147483646 h 2886"/>
+              <a:gd name="T102" fmla="*/ 2147483646 w 17153"/>
+              <a:gd name="T103" fmla="*/ 2147483646 h 2886"/>
+              <a:gd name="T104" fmla="*/ 2147483646 w 17153"/>
+              <a:gd name="T105" fmla="*/ 2147483646 h 2886"/>
+              <a:gd name="T106" fmla="*/ 2147483646 w 17153"/>
+              <a:gd name="T107" fmla="*/ 0 h 2886"/>
+              <a:gd name="T108" fmla="*/ 2147483646 w 17153"/>
+              <a:gd name="T109" fmla="*/ 2147483646 h 2886"/>
+              <a:gd name="T110" fmla="*/ 2147483646 w 17153"/>
+              <a:gd name="T111" fmla="*/ 2147483646 h 2886"/>
+              <a:gd name="T112" fmla="*/ 2147483646 w 17153"/>
+              <a:gd name="T113" fmla="*/ 2147483646 h 2886"/>
+              <a:gd name="T114" fmla="*/ 2147483646 w 17153"/>
+              <a:gd name="T115" fmla="*/ 2147483646 h 2886"/>
+              <a:gd name="T116" fmla="*/ 2147483646 w 17153"/>
+              <a:gd name="T117" fmla="*/ 2147483646 h 2886"/>
+              <a:gd name="T118" fmla="*/ 2147483646 w 17153"/>
+              <a:gd name="T119" fmla="*/ 2147483646 h 2886"/>
+              <a:gd name="T120" fmla="*/ 2147483646 w 17153"/>
+              <a:gd name="T121" fmla="*/ 2147483646 h 2886"/>
+              <a:gd name="T122" fmla="*/ 2147483646 w 17153"/>
+              <a:gd name="T123" fmla="*/ 2147483646 h 2886"/>
+              <a:gd name="T124" fmla="*/ 0 60000 65536"/>
+              <a:gd name="T125" fmla="*/ 0 60000 65536"/>
+              <a:gd name="T126" fmla="*/ 0 60000 65536"/>
+              <a:gd name="T127" fmla="*/ 0 60000 65536"/>
+              <a:gd name="T128" fmla="*/ 0 60000 65536"/>
+              <a:gd name="T129" fmla="*/ 0 60000 65536"/>
+              <a:gd name="T130" fmla="*/ 0 60000 65536"/>
+              <a:gd name="T131" fmla="*/ 0 60000 65536"/>
+              <a:gd name="T132" fmla="*/ 0 60000 65536"/>
+              <a:gd name="T133" fmla="*/ 0 60000 65536"/>
+              <a:gd name="T134" fmla="*/ 0 60000 65536"/>
+              <a:gd name="T135" fmla="*/ 0 60000 65536"/>
+              <a:gd name="T136" fmla="*/ 0 60000 65536"/>
+              <a:gd name="T137" fmla="*/ 0 60000 65536"/>
+              <a:gd name="T138" fmla="*/ 0 60000 65536"/>
+              <a:gd name="T139" fmla="*/ 0 60000 65536"/>
+              <a:gd name="T140" fmla="*/ 0 60000 65536"/>
+              <a:gd name="T141" fmla="*/ 0 60000 65536"/>
+              <a:gd name="T142" fmla="*/ 0 60000 65536"/>
+              <a:gd name="T143" fmla="*/ 0 60000 65536"/>
+              <a:gd name="T144" fmla="*/ 0 60000 65536"/>
+              <a:gd name="T145" fmla="*/ 0 60000 65536"/>
+              <a:gd name="T146" fmla="*/ 0 60000 65536"/>
+              <a:gd name="T147" fmla="*/ 0 60000 65536"/>
+              <a:gd name="T148" fmla="*/ 0 60000 65536"/>
+              <a:gd name="T149" fmla="*/ 0 60000 65536"/>
+              <a:gd name="T150" fmla="*/ 0 60000 65536"/>
+              <a:gd name="T151" fmla="*/ 0 60000 65536"/>
+              <a:gd name="T152" fmla="*/ 0 60000 65536"/>
+              <a:gd name="T153" fmla="*/ 0 60000 65536"/>
+              <a:gd name="T154" fmla="*/ 0 60000 65536"/>
+              <a:gd name="T155" fmla="*/ 0 60000 65536"/>
+              <a:gd name="T156" fmla="*/ 0 60000 65536"/>
+              <a:gd name="T157" fmla="*/ 0 60000 65536"/>
+              <a:gd name="T158" fmla="*/ 0 60000 65536"/>
+              <a:gd name="T159" fmla="*/ 0 60000 65536"/>
+              <a:gd name="T160" fmla="*/ 0 60000 65536"/>
+              <a:gd name="T161" fmla="*/ 0 60000 65536"/>
+              <a:gd name="T162" fmla="*/ 0 60000 65536"/>
+              <a:gd name="T163" fmla="*/ 0 60000 65536"/>
+              <a:gd name="T164" fmla="*/ 0 60000 65536"/>
+              <a:gd name="T165" fmla="*/ 0 60000 65536"/>
+              <a:gd name="T166" fmla="*/ 0 60000 65536"/>
+              <a:gd name="T167" fmla="*/ 0 60000 65536"/>
+              <a:gd name="T168" fmla="*/ 0 60000 65536"/>
+              <a:gd name="T169" fmla="*/ 0 60000 65536"/>
+              <a:gd name="T170" fmla="*/ 0 60000 65536"/>
+              <a:gd name="T171" fmla="*/ 0 60000 65536"/>
+              <a:gd name="T172" fmla="*/ 0 60000 65536"/>
+              <a:gd name="T173" fmla="*/ 0 60000 65536"/>
+              <a:gd name="T174" fmla="*/ 0 60000 65536"/>
+              <a:gd name="T175" fmla="*/ 0 60000 65536"/>
+              <a:gd name="T176" fmla="*/ 0 60000 65536"/>
+              <a:gd name="T177" fmla="*/ 0 60000 65536"/>
+              <a:gd name="T178" fmla="*/ 0 60000 65536"/>
+              <a:gd name="T179" fmla="*/ 0 60000 65536"/>
+              <a:gd name="T180" fmla="*/ 0 60000 65536"/>
+              <a:gd name="T181" fmla="*/ 0 60000 65536"/>
+              <a:gd name="T182" fmla="*/ 0 60000 65536"/>
+              <a:gd name="T183" fmla="*/ 0 60000 65536"/>
+              <a:gd name="T184" fmla="*/ 0 60000 65536"/>
+              <a:gd name="T185" fmla="*/ 0 60000 65536"/>
+            </a:gdLst>
+            <a:ahLst/>
+            <a:cxnLst>
+              <a:cxn ang="T124">
+                <a:pos x="T0" y="T1"/>
+              </a:cxn>
+              <a:cxn ang="T125">
+                <a:pos x="T2" y="T3"/>
+              </a:cxn>
+              <a:cxn ang="T126">
+                <a:pos x="T4" y="T5"/>
+              </a:cxn>
+              <a:cxn ang="T127">
+                <a:pos x="T6" y="T7"/>
+              </a:cxn>
+              <a:cxn ang="T128">
+                <a:pos x="T8" y="T9"/>
+              </a:cxn>
+              <a:cxn ang="T129">
+                <a:pos x="T10" y="T11"/>
+              </a:cxn>
+              <a:cxn ang="T130">
+                <a:pos x="T12" y="T13"/>
+              </a:cxn>
+              <a:cxn ang="T131">
+                <a:pos x="T14" y="T15"/>
+              </a:cxn>
+              <a:cxn ang="T132">
+                <a:pos x="T16" y="T17"/>
+              </a:cxn>
+              <a:cxn ang="T133">
+                <a:pos x="T18" y="T19"/>
+              </a:cxn>
+              <a:cxn ang="T134">
+                <a:pos x="T20" y="T21"/>
+              </a:cxn>
+              <a:cxn ang="T135">
+                <a:pos x="T22" y="T23"/>
+              </a:cxn>
+              <a:cxn ang="T136">
+                <a:pos x="T24" y="T25"/>
+              </a:cxn>
+              <a:cxn ang="T137">
+                <a:pos x="T26" y="T27"/>
+              </a:cxn>
+              <a:cxn ang="T138">
+                <a:pos x="T28" y="T29"/>
+              </a:cxn>
+              <a:cxn ang="T139">
+                <a:pos x="T30" y="T31"/>
+              </a:cxn>
+              <a:cxn ang="T140">
+                <a:pos x="T32" y="T33"/>
+              </a:cxn>
+              <a:cxn ang="T141">
+                <a:pos x="T34" y="T35"/>
+              </a:cxn>
+              <a:cxn ang="T142">
+                <a:pos x="T36" y="T37"/>
+              </a:cxn>
+              <a:cxn ang="T143">
+                <a:pos x="T38" y="T39"/>
+              </a:cxn>
+              <a:cxn ang="T144">
+                <a:pos x="T40" y="T41"/>
+              </a:cxn>
+              <a:cxn ang="T145">
+                <a:pos x="T42" y="T43"/>
+              </a:cxn>
+              <a:cxn ang="T146">
+                <a:pos x="T44" y="T45"/>
+              </a:cxn>
+              <a:cxn ang="T147">
+                <a:pos x="T46" y="T47"/>
+              </a:cxn>
+              <a:cxn ang="T148">
+                <a:pos x="T48" y="T49"/>
+              </a:cxn>
+              <a:cxn ang="T149">
+                <a:pos x="T50" y="T51"/>
+              </a:cxn>
+              <a:cxn ang="T150">
+                <a:pos x="T52" y="T53"/>
+              </a:cxn>
+              <a:cxn ang="T151">
+                <a:pos x="T54" y="T55"/>
+              </a:cxn>
+              <a:cxn ang="T152">
+                <a:pos x="T56" y="T57"/>
+              </a:cxn>
+              <a:cxn ang="T153">
+                <a:pos x="T58" y="T59"/>
+              </a:cxn>
+              <a:cxn ang="T154">
+                <a:pos x="T60" y="T61"/>
+              </a:cxn>
+              <a:cxn ang="T155">
+                <a:pos x="T62" y="T63"/>
+              </a:cxn>
+              <a:cxn ang="T156">
+                <a:pos x="T64" y="T65"/>
+              </a:cxn>
+              <a:cxn ang="T157">
+                <a:pos x="T66" y="T67"/>
+              </a:cxn>
+              <a:cxn ang="T158">
+                <a:pos x="T68" y="T69"/>
+              </a:cxn>
+              <a:cxn ang="T159">
+                <a:pos x="T70" y="T71"/>
+              </a:cxn>
+              <a:cxn ang="T160">
+                <a:pos x="T72" y="T73"/>
+              </a:cxn>
+              <a:cxn ang="T161">
+                <a:pos x="T74" y="T75"/>
+              </a:cxn>
+              <a:cxn ang="T162">
+                <a:pos x="T76" y="T77"/>
+              </a:cxn>
+              <a:cxn ang="T163">
+                <a:pos x="T78" y="T79"/>
+              </a:cxn>
+              <a:cxn ang="T164">
+                <a:pos x="T80" y="T81"/>
+              </a:cxn>
+              <a:cxn ang="T165">
+                <a:pos x="T82" y="T83"/>
+              </a:cxn>
+              <a:cxn ang="T166">
+                <a:pos x="T84" y="T85"/>
+              </a:cxn>
+              <a:cxn ang="T167">
+                <a:pos x="T86" y="T87"/>
+              </a:cxn>
+              <a:cxn ang="T168">
+                <a:pos x="T88" y="T89"/>
+              </a:cxn>
+              <a:cxn ang="T169">
+                <a:pos x="T90" y="T91"/>
+              </a:cxn>
+              <a:cxn ang="T170">
+                <a:pos x="T92" y="T93"/>
+              </a:cxn>
+              <a:cxn ang="T171">
+                <a:pos x="T94" y="T95"/>
+              </a:cxn>
+              <a:cxn ang="T172">
+                <a:pos x="T96" y="T97"/>
+              </a:cxn>
+              <a:cxn ang="T173">
+                <a:pos x="T98" y="T99"/>
+              </a:cxn>
+              <a:cxn ang="T174">
+                <a:pos x="T100" y="T101"/>
+              </a:cxn>
+              <a:cxn ang="T175">
+                <a:pos x="T102" y="T103"/>
+              </a:cxn>
+              <a:cxn ang="T176">
+                <a:pos x="T104" y="T105"/>
+              </a:cxn>
+              <a:cxn ang="T177">
+                <a:pos x="T106" y="T107"/>
+              </a:cxn>
+              <a:cxn ang="T178">
+                <a:pos x="T108" y="T109"/>
+              </a:cxn>
+              <a:cxn ang="T179">
+                <a:pos x="T110" y="T111"/>
+              </a:cxn>
+              <a:cxn ang="T180">
+                <a:pos x="T112" y="T113"/>
+              </a:cxn>
+              <a:cxn ang="T181">
+                <a:pos x="T114" y="T115"/>
+              </a:cxn>
+              <a:cxn ang="T182">
+                <a:pos x="T116" y="T117"/>
+              </a:cxn>
+              <a:cxn ang="T183">
+                <a:pos x="T118" y="T119"/>
+              </a:cxn>
+              <a:cxn ang="T184">
+                <a:pos x="T120" y="T121"/>
+              </a:cxn>
+              <a:cxn ang="T185">
+                <a:pos x="T122" y="T123"/>
+              </a:cxn>
+            </a:cxnLst>
+            <a:rect l="0" t="0" r="r" b="b"/>
+            <a:pathLst>
+              <a:path w="17153" h="2886">
+                <a:moveTo>
+                  <a:pt x="5348" y="905"/>
+                </a:moveTo>
+                <a:cubicBezTo>
+                  <a:pt x="5315" y="905"/>
+                  <a:pt x="5286" y="919"/>
+                  <a:pt x="5262" y="947"/>
+                </a:cubicBezTo>
+                <a:cubicBezTo>
+                  <a:pt x="5237" y="975"/>
+                  <a:pt x="5217" y="1016"/>
+                  <a:pt x="5202" y="1068"/>
+                </a:cubicBezTo>
+                <a:cubicBezTo>
+                  <a:pt x="5127" y="1322"/>
+                  <a:pt x="5051" y="1576"/>
+                  <a:pt x="4976" y="1830"/>
+                </a:cubicBezTo>
+                <a:cubicBezTo>
+                  <a:pt x="4963" y="1874"/>
+                  <a:pt x="4956" y="1914"/>
+                  <a:pt x="4956" y="1951"/>
+                </a:cubicBezTo>
+                <a:cubicBezTo>
+                  <a:pt x="4956" y="2003"/>
+                  <a:pt x="4976" y="2029"/>
+                  <a:pt x="5016" y="2029"/>
+                </a:cubicBezTo>
+                <a:cubicBezTo>
+                  <a:pt x="5067" y="2029"/>
+                  <a:pt x="5141" y="1983"/>
+                  <a:pt x="5238" y="1891"/>
+                </a:cubicBezTo>
+                <a:cubicBezTo>
+                  <a:pt x="5240" y="1835"/>
+                  <a:pt x="5256" y="1755"/>
+                  <a:pt x="5285" y="1653"/>
+                </a:cubicBezTo>
+                <a:cubicBezTo>
+                  <a:pt x="5351" y="1427"/>
+                  <a:pt x="5418" y="1202"/>
+                  <a:pt x="5484" y="977"/>
+                </a:cubicBezTo>
+                <a:cubicBezTo>
+                  <a:pt x="5439" y="929"/>
+                  <a:pt x="5394" y="905"/>
+                  <a:pt x="5348" y="905"/>
+                </a:cubicBezTo>
+                <a:close/>
+                <a:moveTo>
+                  <a:pt x="14384" y="895"/>
+                </a:moveTo>
+                <a:cubicBezTo>
+                  <a:pt x="14343" y="895"/>
+                  <a:pt x="14310" y="912"/>
+                  <a:pt x="14286" y="945"/>
+                </a:cubicBezTo>
+                <a:cubicBezTo>
+                  <a:pt x="14261" y="978"/>
+                  <a:pt x="14239" y="1024"/>
+                  <a:pt x="14222" y="1082"/>
+                </a:cubicBezTo>
+                <a:cubicBezTo>
+                  <a:pt x="14139" y="1359"/>
+                  <a:pt x="14056" y="1636"/>
+                  <a:pt x="13973" y="1912"/>
+                </a:cubicBezTo>
+                <a:cubicBezTo>
+                  <a:pt x="13957" y="1961"/>
+                  <a:pt x="13950" y="2004"/>
+                  <a:pt x="13950" y="2040"/>
+                </a:cubicBezTo>
+                <a:cubicBezTo>
+                  <a:pt x="13950" y="2071"/>
+                  <a:pt x="13959" y="2097"/>
+                  <a:pt x="13979" y="2117"/>
+                </a:cubicBezTo>
+                <a:cubicBezTo>
+                  <a:pt x="13998" y="2137"/>
+                  <a:pt x="14023" y="2148"/>
+                  <a:pt x="14052" y="2148"/>
+                </a:cubicBezTo>
+                <a:cubicBezTo>
+                  <a:pt x="14088" y="2148"/>
+                  <a:pt x="14118" y="2136"/>
+                  <a:pt x="14141" y="2114"/>
+                </a:cubicBezTo>
+                <a:cubicBezTo>
+                  <a:pt x="14164" y="2091"/>
+                  <a:pt x="14183" y="2061"/>
+                  <a:pt x="14200" y="2021"/>
+                </a:cubicBezTo>
+                <a:cubicBezTo>
+                  <a:pt x="14216" y="1981"/>
+                  <a:pt x="14256" y="1853"/>
+                  <a:pt x="14320" y="1634"/>
+                </a:cubicBezTo>
+                <a:cubicBezTo>
+                  <a:pt x="14383" y="1416"/>
+                  <a:pt x="14428" y="1265"/>
+                  <a:pt x="14454" y="1182"/>
+                </a:cubicBezTo>
+                <a:cubicBezTo>
+                  <a:pt x="14480" y="1098"/>
+                  <a:pt x="14493" y="1039"/>
+                  <a:pt x="14493" y="1002"/>
+                </a:cubicBezTo>
+                <a:cubicBezTo>
+                  <a:pt x="14493" y="974"/>
+                  <a:pt x="14482" y="948"/>
+                  <a:pt x="14461" y="927"/>
+                </a:cubicBezTo>
+                <a:cubicBezTo>
+                  <a:pt x="14440" y="906"/>
+                  <a:pt x="14415" y="895"/>
+                  <a:pt x="14384" y="895"/>
+                </a:cubicBezTo>
+                <a:close/>
+                <a:moveTo>
+                  <a:pt x="11987" y="842"/>
+                </a:moveTo>
+                <a:cubicBezTo>
+                  <a:pt x="12083" y="842"/>
+                  <a:pt x="12159" y="864"/>
+                  <a:pt x="12216" y="906"/>
+                </a:cubicBezTo>
+                <a:cubicBezTo>
+                  <a:pt x="12274" y="949"/>
+                  <a:pt x="12302" y="1003"/>
+                  <a:pt x="12302" y="1068"/>
+                </a:cubicBezTo>
+                <a:cubicBezTo>
+                  <a:pt x="12302" y="1099"/>
+                  <a:pt x="12291" y="1153"/>
+                  <a:pt x="12270" y="1230"/>
+                </a:cubicBezTo>
+                <a:cubicBezTo>
+                  <a:pt x="12206" y="1459"/>
+                  <a:pt x="12142" y="1689"/>
+                  <a:pt x="12078" y="1918"/>
+                </a:cubicBezTo>
+                <a:cubicBezTo>
+                  <a:pt x="12070" y="1944"/>
+                  <a:pt x="12066" y="1970"/>
+                  <a:pt x="12066" y="1997"/>
+                </a:cubicBezTo>
+                <a:cubicBezTo>
+                  <a:pt x="12066" y="2018"/>
+                  <a:pt x="12075" y="2029"/>
+                  <a:pt x="12093" y="2029"/>
+                </a:cubicBezTo>
+                <a:cubicBezTo>
+                  <a:pt x="12133" y="2029"/>
+                  <a:pt x="12216" y="1978"/>
+                  <a:pt x="12342" y="1875"/>
+                </a:cubicBezTo>
+                <a:cubicBezTo>
+                  <a:pt x="12441" y="1542"/>
+                  <a:pt x="12540" y="1209"/>
+                  <a:pt x="12639" y="876"/>
+                </a:cubicBezTo>
+                <a:cubicBezTo>
+                  <a:pt x="12873" y="876"/>
+                  <a:pt x="13108" y="876"/>
+                  <a:pt x="13342" y="876"/>
+                </a:cubicBezTo>
+                <a:cubicBezTo>
+                  <a:pt x="13213" y="1312"/>
+                  <a:pt x="13083" y="1748"/>
+                  <a:pt x="12953" y="2184"/>
+                </a:cubicBezTo>
+                <a:cubicBezTo>
+                  <a:pt x="12868" y="2465"/>
+                  <a:pt x="12729" y="2652"/>
+                  <a:pt x="12535" y="2746"/>
+                </a:cubicBezTo>
+                <a:cubicBezTo>
+                  <a:pt x="12341" y="2839"/>
+                  <a:pt x="12125" y="2886"/>
+                  <a:pt x="11886" y="2886"/>
+                </a:cubicBezTo>
+                <a:cubicBezTo>
+                  <a:pt x="11695" y="2886"/>
+                  <a:pt x="11537" y="2849"/>
+                  <a:pt x="11413" y="2775"/>
+                </a:cubicBezTo>
+                <a:cubicBezTo>
+                  <a:pt x="11289" y="2702"/>
+                  <a:pt x="11227" y="2609"/>
+                  <a:pt x="11227" y="2498"/>
+                </a:cubicBezTo>
+                <a:cubicBezTo>
+                  <a:pt x="11227" y="2431"/>
+                  <a:pt x="11250" y="2373"/>
+                  <a:pt x="11298" y="2324"/>
+                </a:cubicBezTo>
+                <a:cubicBezTo>
+                  <a:pt x="11346" y="2275"/>
+                  <a:pt x="11402" y="2250"/>
+                  <a:pt x="11466" y="2250"/>
+                </a:cubicBezTo>
+                <a:cubicBezTo>
+                  <a:pt x="11534" y="2250"/>
+                  <a:pt x="11590" y="2275"/>
+                  <a:pt x="11636" y="2325"/>
+                </a:cubicBezTo>
+                <a:cubicBezTo>
+                  <a:pt x="11681" y="2375"/>
+                  <a:pt x="11704" y="2439"/>
+                  <a:pt x="11704" y="2516"/>
+                </a:cubicBezTo>
+                <a:cubicBezTo>
+                  <a:pt x="11704" y="2622"/>
+                  <a:pt x="11656" y="2702"/>
+                  <a:pt x="11560" y="2758"/>
+                </a:cubicBezTo>
+                <a:cubicBezTo>
+                  <a:pt x="11619" y="2793"/>
+                  <a:pt x="11685" y="2811"/>
+                  <a:pt x="11758" y="2811"/>
+                </a:cubicBezTo>
+                <a:cubicBezTo>
+                  <a:pt x="11831" y="2811"/>
+                  <a:pt x="11896" y="2795"/>
+                  <a:pt x="11952" y="2763"/>
+                </a:cubicBezTo>
+                <a:cubicBezTo>
+                  <a:pt x="12009" y="2731"/>
+                  <a:pt x="12055" y="2684"/>
+                  <a:pt x="12091" y="2622"/>
+                </a:cubicBezTo>
+                <a:cubicBezTo>
+                  <a:pt x="12126" y="2560"/>
+                  <a:pt x="12161" y="2473"/>
+                  <a:pt x="12194" y="2362"/>
+                </a:cubicBezTo>
+                <a:cubicBezTo>
+                  <a:pt x="12233" y="2235"/>
+                  <a:pt x="12273" y="2108"/>
+                  <a:pt x="12312" y="1981"/>
+                </a:cubicBezTo>
+                <a:cubicBezTo>
+                  <a:pt x="12310" y="1979"/>
+                  <a:pt x="12307" y="1977"/>
+                  <a:pt x="12305" y="1975"/>
+                </a:cubicBezTo>
+                <a:cubicBezTo>
+                  <a:pt x="12094" y="2136"/>
+                  <a:pt x="11910" y="2216"/>
+                  <a:pt x="11752" y="2216"/>
+                </a:cubicBezTo>
+                <a:cubicBezTo>
+                  <a:pt x="11653" y="2216"/>
+                  <a:pt x="11572" y="2189"/>
+                  <a:pt x="11508" y="2134"/>
+                </a:cubicBezTo>
+                <a:cubicBezTo>
+                  <a:pt x="11444" y="2079"/>
+                  <a:pt x="11412" y="2010"/>
+                  <a:pt x="11412" y="1928"/>
+                </a:cubicBezTo>
+                <a:cubicBezTo>
+                  <a:pt x="11412" y="1866"/>
+                  <a:pt x="11427" y="1785"/>
+                  <a:pt x="11458" y="1685"/>
+                </a:cubicBezTo>
+                <a:cubicBezTo>
+                  <a:pt x="11499" y="1547"/>
+                  <a:pt x="11540" y="1409"/>
+                  <a:pt x="11581" y="1271"/>
+                </a:cubicBezTo>
+                <a:cubicBezTo>
+                  <a:pt x="11588" y="1250"/>
+                  <a:pt x="11592" y="1230"/>
+                  <a:pt x="11592" y="1212"/>
+                </a:cubicBezTo>
+                <a:cubicBezTo>
+                  <a:pt x="11592" y="1184"/>
+                  <a:pt x="11584" y="1171"/>
+                  <a:pt x="11566" y="1171"/>
+                </a:cubicBezTo>
+                <a:cubicBezTo>
+                  <a:pt x="11530" y="1171"/>
+                  <a:pt x="11477" y="1243"/>
+                  <a:pt x="11406" y="1387"/>
+                </a:cubicBezTo>
+                <a:cubicBezTo>
+                  <a:pt x="11386" y="1376"/>
+                  <a:pt x="11365" y="1365"/>
+                  <a:pt x="11344" y="1355"/>
+                </a:cubicBezTo>
+                <a:cubicBezTo>
+                  <a:pt x="11417" y="1190"/>
+                  <a:pt x="11510" y="1064"/>
+                  <a:pt x="11624" y="975"/>
+                </a:cubicBezTo>
+                <a:cubicBezTo>
+                  <a:pt x="11737" y="886"/>
+                  <a:pt x="11859" y="842"/>
+                  <a:pt x="11987" y="842"/>
+                </a:cubicBezTo>
+                <a:close/>
+                <a:moveTo>
+                  <a:pt x="5230" y="826"/>
+                </a:moveTo>
+                <a:cubicBezTo>
+                  <a:pt x="5347" y="826"/>
+                  <a:pt x="5438" y="856"/>
+                  <a:pt x="5505" y="914"/>
+                </a:cubicBezTo>
+                <a:cubicBezTo>
+                  <a:pt x="5508" y="901"/>
+                  <a:pt x="5510" y="889"/>
+                  <a:pt x="5513" y="876"/>
+                </a:cubicBezTo>
+                <a:cubicBezTo>
+                  <a:pt x="5746" y="876"/>
+                  <a:pt x="5979" y="876"/>
+                  <a:pt x="6211" y="876"/>
+                </a:cubicBezTo>
+                <a:cubicBezTo>
+                  <a:pt x="6030" y="1488"/>
+                  <a:pt x="5932" y="1818"/>
+                  <a:pt x="5917" y="1866"/>
+                </a:cubicBezTo>
+                <a:cubicBezTo>
+                  <a:pt x="5901" y="1914"/>
+                  <a:pt x="5894" y="1947"/>
+                  <a:pt x="5894" y="1967"/>
+                </a:cubicBezTo>
+                <a:cubicBezTo>
+                  <a:pt x="5894" y="1977"/>
+                  <a:pt x="5898" y="1987"/>
+                  <a:pt x="5907" y="1996"/>
+                </a:cubicBezTo>
+                <a:cubicBezTo>
+                  <a:pt x="5916" y="2005"/>
+                  <a:pt x="5925" y="2010"/>
+                  <a:pt x="5933" y="2010"/>
+                </a:cubicBezTo>
+                <a:cubicBezTo>
+                  <a:pt x="5955" y="2010"/>
+                  <a:pt x="5987" y="1979"/>
+                  <a:pt x="6028" y="1916"/>
+                </a:cubicBezTo>
+                <a:cubicBezTo>
+                  <a:pt x="6070" y="1854"/>
+                  <a:pt x="6108" y="1781"/>
+                  <a:pt x="6140" y="1699"/>
+                </a:cubicBezTo>
+                <a:cubicBezTo>
+                  <a:pt x="6159" y="1709"/>
+                  <a:pt x="6178" y="1718"/>
+                  <a:pt x="6197" y="1728"/>
+                </a:cubicBezTo>
+                <a:cubicBezTo>
+                  <a:pt x="6076" y="2054"/>
+                  <a:pt x="5886" y="2216"/>
+                  <a:pt x="5628" y="2216"/>
+                </a:cubicBezTo>
+                <a:cubicBezTo>
+                  <a:pt x="5542" y="2216"/>
+                  <a:pt x="5464" y="2193"/>
+                  <a:pt x="5396" y="2148"/>
+                </a:cubicBezTo>
+                <a:cubicBezTo>
+                  <a:pt x="5327" y="2102"/>
+                  <a:pt x="5279" y="2040"/>
+                  <a:pt x="5253" y="1963"/>
+                </a:cubicBezTo>
+                <a:cubicBezTo>
+                  <a:pt x="5091" y="2132"/>
+                  <a:pt x="4916" y="2216"/>
+                  <a:pt x="4728" y="2216"/>
+                </a:cubicBezTo>
+                <a:cubicBezTo>
+                  <a:pt x="4590" y="2216"/>
+                  <a:pt x="4477" y="2173"/>
+                  <a:pt x="4388" y="2087"/>
+                </a:cubicBezTo>
+                <a:cubicBezTo>
+                  <a:pt x="4299" y="2000"/>
+                  <a:pt x="4255" y="1890"/>
+                  <a:pt x="4255" y="1757"/>
+                </a:cubicBezTo>
+                <a:cubicBezTo>
+                  <a:pt x="4255" y="1522"/>
+                  <a:pt x="4355" y="1308"/>
+                  <a:pt x="4556" y="1115"/>
+                </a:cubicBezTo>
+                <a:cubicBezTo>
+                  <a:pt x="4757" y="923"/>
+                  <a:pt x="4982" y="826"/>
+                  <a:pt x="5230" y="826"/>
+                </a:cubicBezTo>
+                <a:close/>
+                <a:moveTo>
+                  <a:pt x="14324" y="823"/>
+                </a:moveTo>
+                <a:cubicBezTo>
+                  <a:pt x="14550" y="823"/>
+                  <a:pt x="14734" y="877"/>
+                  <a:pt x="14876" y="986"/>
+                </a:cubicBezTo>
+                <a:cubicBezTo>
+                  <a:pt x="15018" y="1094"/>
+                  <a:pt x="15090" y="1232"/>
+                  <a:pt x="15090" y="1400"/>
+                </a:cubicBezTo>
+                <a:cubicBezTo>
+                  <a:pt x="15090" y="1630"/>
+                  <a:pt x="14994" y="1824"/>
+                  <a:pt x="14804" y="1981"/>
+                </a:cubicBezTo>
+                <a:cubicBezTo>
+                  <a:pt x="14614" y="2138"/>
+                  <a:pt x="14376" y="2216"/>
+                  <a:pt x="14092" y="2216"/>
+                </a:cubicBezTo>
+                <a:cubicBezTo>
+                  <a:pt x="13872" y="2216"/>
+                  <a:pt x="13695" y="2158"/>
+                  <a:pt x="13561" y="2043"/>
+                </a:cubicBezTo>
+                <a:cubicBezTo>
+                  <a:pt x="13427" y="1927"/>
+                  <a:pt x="13360" y="1776"/>
+                  <a:pt x="13360" y="1590"/>
+                </a:cubicBezTo>
+                <a:cubicBezTo>
+                  <a:pt x="13360" y="1373"/>
+                  <a:pt x="13452" y="1191"/>
+                  <a:pt x="13637" y="1044"/>
+                </a:cubicBezTo>
+                <a:cubicBezTo>
+                  <a:pt x="13822" y="897"/>
+                  <a:pt x="14051" y="823"/>
+                  <a:pt x="14324" y="823"/>
+                </a:cubicBezTo>
+                <a:close/>
+                <a:moveTo>
+                  <a:pt x="16227" y="810"/>
+                </a:moveTo>
+                <a:cubicBezTo>
+                  <a:pt x="16047" y="1419"/>
+                  <a:pt x="15952" y="1739"/>
+                  <a:pt x="15942" y="1772"/>
+                </a:cubicBezTo>
+                <a:cubicBezTo>
+                  <a:pt x="15932" y="1805"/>
+                  <a:pt x="15927" y="1828"/>
+                  <a:pt x="15927" y="1843"/>
+                </a:cubicBezTo>
+                <a:cubicBezTo>
+                  <a:pt x="15927" y="1871"/>
+                  <a:pt x="15938" y="1885"/>
+                  <a:pt x="15961" y="1885"/>
+                </a:cubicBezTo>
+                <a:cubicBezTo>
+                  <a:pt x="15973" y="1885"/>
+                  <a:pt x="15989" y="1879"/>
+                  <a:pt x="16007" y="1867"/>
+                </a:cubicBezTo>
+                <a:cubicBezTo>
+                  <a:pt x="16025" y="1855"/>
+                  <a:pt x="16044" y="1840"/>
+                  <a:pt x="16066" y="1820"/>
+                </a:cubicBezTo>
+                <a:cubicBezTo>
+                  <a:pt x="16087" y="1800"/>
+                  <a:pt x="16108" y="1779"/>
+                  <a:pt x="16129" y="1755"/>
+                </a:cubicBezTo>
+                <a:cubicBezTo>
+                  <a:pt x="16149" y="1732"/>
+                  <a:pt x="16170" y="1707"/>
+                  <a:pt x="16190" y="1681"/>
+                </a:cubicBezTo>
+                <a:cubicBezTo>
+                  <a:pt x="16196" y="1675"/>
+                  <a:pt x="16202" y="1669"/>
+                  <a:pt x="16208" y="1662"/>
+                </a:cubicBezTo>
+                <a:cubicBezTo>
+                  <a:pt x="16213" y="1656"/>
+                  <a:pt x="16233" y="1593"/>
+                  <a:pt x="16268" y="1475"/>
+                </a:cubicBezTo>
+                <a:cubicBezTo>
+                  <a:pt x="16327" y="1275"/>
+                  <a:pt x="16387" y="1075"/>
+                  <a:pt x="16446" y="876"/>
+                </a:cubicBezTo>
+                <a:cubicBezTo>
+                  <a:pt x="16682" y="876"/>
+                  <a:pt x="16918" y="876"/>
+                  <a:pt x="17153" y="876"/>
+                </a:cubicBezTo>
+                <a:cubicBezTo>
+                  <a:pt x="17087" y="1097"/>
+                  <a:pt x="17021" y="1319"/>
+                  <a:pt x="16956" y="1540"/>
+                </a:cubicBezTo>
+                <a:cubicBezTo>
+                  <a:pt x="16894" y="1751"/>
+                  <a:pt x="16862" y="1862"/>
+                  <a:pt x="16858" y="1875"/>
+                </a:cubicBezTo>
+                <a:cubicBezTo>
+                  <a:pt x="16855" y="1888"/>
+                  <a:pt x="16853" y="1900"/>
+                  <a:pt x="16853" y="1912"/>
+                </a:cubicBezTo>
+                <a:cubicBezTo>
+                  <a:pt x="16853" y="1944"/>
+                  <a:pt x="16864" y="1960"/>
+                  <a:pt x="16887" y="1960"/>
+                </a:cubicBezTo>
+                <a:cubicBezTo>
+                  <a:pt x="16914" y="1960"/>
+                  <a:pt x="16948" y="1931"/>
+                  <a:pt x="16988" y="1871"/>
+                </a:cubicBezTo>
+                <a:cubicBezTo>
+                  <a:pt x="17028" y="1812"/>
+                  <a:pt x="17061" y="1739"/>
+                  <a:pt x="17087" y="1653"/>
+                </a:cubicBezTo>
+                <a:cubicBezTo>
+                  <a:pt x="17109" y="1660"/>
+                  <a:pt x="17131" y="1668"/>
+                  <a:pt x="17153" y="1675"/>
+                </a:cubicBezTo>
+                <a:cubicBezTo>
+                  <a:pt x="17031" y="2036"/>
+                  <a:pt x="16822" y="2216"/>
+                  <a:pt x="16527" y="2216"/>
+                </a:cubicBezTo>
+                <a:cubicBezTo>
+                  <a:pt x="16419" y="2216"/>
+                  <a:pt x="16332" y="2190"/>
+                  <a:pt x="16267" y="2136"/>
+                </a:cubicBezTo>
+                <a:cubicBezTo>
+                  <a:pt x="16202" y="2083"/>
+                  <a:pt x="16170" y="2012"/>
+                  <a:pt x="16170" y="1925"/>
+                </a:cubicBezTo>
+                <a:cubicBezTo>
+                  <a:pt x="16170" y="1895"/>
+                  <a:pt x="16175" y="1854"/>
+                  <a:pt x="16186" y="1803"/>
+                </a:cubicBezTo>
+                <a:cubicBezTo>
+                  <a:pt x="16184" y="1801"/>
+                  <a:pt x="16182" y="1799"/>
+                  <a:pt x="16180" y="1797"/>
+                </a:cubicBezTo>
+                <a:cubicBezTo>
+                  <a:pt x="15942" y="2077"/>
+                  <a:pt x="15729" y="2216"/>
+                  <a:pt x="15541" y="2216"/>
+                </a:cubicBezTo>
+                <a:cubicBezTo>
+                  <a:pt x="15445" y="2216"/>
+                  <a:pt x="15367" y="2189"/>
+                  <a:pt x="15307" y="2133"/>
+                </a:cubicBezTo>
+                <a:cubicBezTo>
+                  <a:pt x="15247" y="2078"/>
+                  <a:pt x="15217" y="2006"/>
+                  <a:pt x="15217" y="1918"/>
+                </a:cubicBezTo>
+                <a:cubicBezTo>
+                  <a:pt x="15217" y="1872"/>
+                  <a:pt x="15229" y="1807"/>
+                  <a:pt x="15254" y="1726"/>
+                </a:cubicBezTo>
+                <a:cubicBezTo>
+                  <a:pt x="15331" y="1464"/>
+                  <a:pt x="15409" y="1202"/>
+                  <a:pt x="15486" y="940"/>
+                </a:cubicBezTo>
+                <a:cubicBezTo>
+                  <a:pt x="15422" y="940"/>
+                  <a:pt x="15357" y="940"/>
+                  <a:pt x="15292" y="940"/>
+                </a:cubicBezTo>
+                <a:cubicBezTo>
+                  <a:pt x="15298" y="919"/>
+                  <a:pt x="15304" y="897"/>
+                  <a:pt x="15311" y="876"/>
+                </a:cubicBezTo>
+                <a:cubicBezTo>
+                  <a:pt x="15667" y="876"/>
+                  <a:pt x="15972" y="854"/>
+                  <a:pt x="16227" y="810"/>
+                </a:cubicBezTo>
+                <a:close/>
+                <a:moveTo>
+                  <a:pt x="7400" y="810"/>
+                </a:moveTo>
+                <a:cubicBezTo>
+                  <a:pt x="7356" y="950"/>
+                  <a:pt x="7311" y="1090"/>
+                  <a:pt x="7266" y="1230"/>
+                </a:cubicBezTo>
+                <a:cubicBezTo>
+                  <a:pt x="7268" y="1232"/>
+                  <a:pt x="7270" y="1234"/>
+                  <a:pt x="7272" y="1236"/>
+                </a:cubicBezTo>
+                <a:cubicBezTo>
+                  <a:pt x="7492" y="963"/>
+                  <a:pt x="7710" y="826"/>
+                  <a:pt x="7924" y="826"/>
+                </a:cubicBezTo>
+                <a:cubicBezTo>
+                  <a:pt x="8011" y="826"/>
+                  <a:pt x="8084" y="852"/>
+                  <a:pt x="8144" y="902"/>
+                </a:cubicBezTo>
+                <a:cubicBezTo>
+                  <a:pt x="8203" y="953"/>
+                  <a:pt x="8233" y="1015"/>
+                  <a:pt x="8233" y="1089"/>
+                </a:cubicBezTo>
+                <a:cubicBezTo>
+                  <a:pt x="8233" y="1146"/>
+                  <a:pt x="8216" y="1235"/>
+                  <a:pt x="8180" y="1355"/>
+                </a:cubicBezTo>
+                <a:cubicBezTo>
+                  <a:pt x="8134" y="1511"/>
+                  <a:pt x="8088" y="1666"/>
+                  <a:pt x="8041" y="1822"/>
+                </a:cubicBezTo>
+                <a:cubicBezTo>
+                  <a:pt x="8030" y="1862"/>
+                  <a:pt x="8024" y="1895"/>
+                  <a:pt x="8024" y="1922"/>
+                </a:cubicBezTo>
+                <a:cubicBezTo>
+                  <a:pt x="8024" y="1931"/>
+                  <a:pt x="8028" y="1940"/>
+                  <a:pt x="8035" y="1948"/>
+                </a:cubicBezTo>
+                <a:cubicBezTo>
+                  <a:pt x="8042" y="1956"/>
+                  <a:pt x="8050" y="1960"/>
+                  <a:pt x="8059" y="1960"/>
+                </a:cubicBezTo>
+                <a:cubicBezTo>
+                  <a:pt x="8086" y="1960"/>
+                  <a:pt x="8119" y="1932"/>
+                  <a:pt x="8158" y="1874"/>
+                </a:cubicBezTo>
+                <a:cubicBezTo>
+                  <a:pt x="8196" y="1817"/>
+                  <a:pt x="8230" y="1743"/>
+                  <a:pt x="8258" y="1653"/>
+                </a:cubicBezTo>
+                <a:cubicBezTo>
+                  <a:pt x="8280" y="1661"/>
+                  <a:pt x="8302" y="1670"/>
+                  <a:pt x="8324" y="1678"/>
+                </a:cubicBezTo>
+                <a:cubicBezTo>
+                  <a:pt x="8215" y="2037"/>
+                  <a:pt x="8010" y="2216"/>
+                  <a:pt x="7709" y="2216"/>
+                </a:cubicBezTo>
+                <a:cubicBezTo>
+                  <a:pt x="7597" y="2216"/>
+                  <a:pt x="7507" y="2191"/>
+                  <a:pt x="7439" y="2139"/>
+                </a:cubicBezTo>
+                <a:cubicBezTo>
+                  <a:pt x="7371" y="2087"/>
+                  <a:pt x="7338" y="2019"/>
+                  <a:pt x="7338" y="1935"/>
+                </a:cubicBezTo>
+                <a:cubicBezTo>
+                  <a:pt x="7338" y="1890"/>
+                  <a:pt x="7345" y="1841"/>
+                  <a:pt x="7360" y="1787"/>
+                </a:cubicBezTo>
+                <a:cubicBezTo>
+                  <a:pt x="7409" y="1618"/>
+                  <a:pt x="7459" y="1450"/>
+                  <a:pt x="7509" y="1281"/>
+                </a:cubicBezTo>
+                <a:cubicBezTo>
+                  <a:pt x="7522" y="1235"/>
+                  <a:pt x="7529" y="1201"/>
+                  <a:pt x="7529" y="1180"/>
+                </a:cubicBezTo>
+                <a:cubicBezTo>
+                  <a:pt x="7529" y="1153"/>
+                  <a:pt x="7518" y="1140"/>
+                  <a:pt x="7496" y="1140"/>
+                </a:cubicBezTo>
+                <a:cubicBezTo>
+                  <a:pt x="7484" y="1140"/>
+                  <a:pt x="7469" y="1145"/>
+                  <a:pt x="7452" y="1155"/>
+                </a:cubicBezTo>
+                <a:cubicBezTo>
+                  <a:pt x="7435" y="1165"/>
+                  <a:pt x="7416" y="1180"/>
+                  <a:pt x="7395" y="1199"/>
+                </a:cubicBezTo>
+                <a:cubicBezTo>
+                  <a:pt x="7374" y="1219"/>
+                  <a:pt x="7351" y="1243"/>
+                  <a:pt x="7325" y="1271"/>
+                </a:cubicBezTo>
+                <a:cubicBezTo>
+                  <a:pt x="7299" y="1300"/>
+                  <a:pt x="7270" y="1334"/>
+                  <a:pt x="7237" y="1374"/>
+                </a:cubicBezTo>
+                <a:cubicBezTo>
+                  <a:pt x="7234" y="1378"/>
+                  <a:pt x="7206" y="1469"/>
+                  <a:pt x="7153" y="1646"/>
+                </a:cubicBezTo>
+                <a:cubicBezTo>
+                  <a:pt x="7098" y="1833"/>
+                  <a:pt x="7042" y="2020"/>
+                  <a:pt x="6986" y="2207"/>
+                </a:cubicBezTo>
+                <a:cubicBezTo>
+                  <a:pt x="6752" y="2207"/>
+                  <a:pt x="6517" y="2207"/>
+                  <a:pt x="6282" y="2207"/>
+                </a:cubicBezTo>
+                <a:cubicBezTo>
+                  <a:pt x="6407" y="1784"/>
+                  <a:pt x="6532" y="1362"/>
+                  <a:pt x="6657" y="940"/>
+                </a:cubicBezTo>
+                <a:cubicBezTo>
+                  <a:pt x="6592" y="940"/>
+                  <a:pt x="6527" y="940"/>
+                  <a:pt x="6462" y="940"/>
+                </a:cubicBezTo>
+                <a:cubicBezTo>
+                  <a:pt x="6469" y="919"/>
+                  <a:pt x="6476" y="897"/>
+                  <a:pt x="6483" y="876"/>
+                </a:cubicBezTo>
+                <a:cubicBezTo>
+                  <a:pt x="6495" y="876"/>
+                  <a:pt x="6507" y="876"/>
+                  <a:pt x="6520" y="876"/>
+                </a:cubicBezTo>
+                <a:cubicBezTo>
+                  <a:pt x="6629" y="876"/>
+                  <a:pt x="6776" y="870"/>
+                  <a:pt x="6962" y="857"/>
+                </a:cubicBezTo>
+                <a:cubicBezTo>
+                  <a:pt x="7148" y="845"/>
+                  <a:pt x="7294" y="829"/>
+                  <a:pt x="7400" y="810"/>
+                </a:cubicBezTo>
+                <a:close/>
+                <a:moveTo>
+                  <a:pt x="306" y="59"/>
+                </a:moveTo>
+                <a:cubicBezTo>
+                  <a:pt x="1030" y="59"/>
+                  <a:pt x="1754" y="59"/>
+                  <a:pt x="2479" y="59"/>
+                </a:cubicBezTo>
+                <a:cubicBezTo>
+                  <a:pt x="2412" y="283"/>
+                  <a:pt x="2345" y="506"/>
+                  <a:pt x="2278" y="730"/>
+                </a:cubicBezTo>
+                <a:cubicBezTo>
+                  <a:pt x="2254" y="730"/>
+                  <a:pt x="2231" y="730"/>
+                  <a:pt x="2207" y="730"/>
+                </a:cubicBezTo>
+                <a:cubicBezTo>
+                  <a:pt x="2207" y="725"/>
+                  <a:pt x="2207" y="719"/>
+                  <a:pt x="2207" y="714"/>
+                </a:cubicBezTo>
+                <a:cubicBezTo>
+                  <a:pt x="2207" y="569"/>
+                  <a:pt x="2171" y="444"/>
+                  <a:pt x="2101" y="338"/>
+                </a:cubicBezTo>
+                <a:cubicBezTo>
+                  <a:pt x="2030" y="233"/>
+                  <a:pt x="1932" y="165"/>
+                  <a:pt x="1807" y="134"/>
+                </a:cubicBezTo>
+                <a:cubicBezTo>
+                  <a:pt x="1612" y="800"/>
+                  <a:pt x="1416" y="1466"/>
+                  <a:pt x="1220" y="2132"/>
+                </a:cubicBezTo>
+                <a:cubicBezTo>
+                  <a:pt x="1332" y="2132"/>
+                  <a:pt x="1444" y="2132"/>
+                  <a:pt x="1555" y="2132"/>
+                </a:cubicBezTo>
+                <a:cubicBezTo>
+                  <a:pt x="1548" y="2157"/>
+                  <a:pt x="1540" y="2182"/>
+                  <a:pt x="1532" y="2207"/>
+                </a:cubicBezTo>
+                <a:cubicBezTo>
+                  <a:pt x="1021" y="2207"/>
+                  <a:pt x="511" y="2207"/>
+                  <a:pt x="0" y="2207"/>
+                </a:cubicBezTo>
+                <a:cubicBezTo>
+                  <a:pt x="7" y="2182"/>
+                  <a:pt x="15" y="2157"/>
+                  <a:pt x="22" y="2132"/>
+                </a:cubicBezTo>
+                <a:cubicBezTo>
+                  <a:pt x="124" y="2132"/>
+                  <a:pt x="226" y="2132"/>
+                  <a:pt x="328" y="2132"/>
+                </a:cubicBezTo>
+                <a:cubicBezTo>
+                  <a:pt x="522" y="1466"/>
+                  <a:pt x="717" y="800"/>
+                  <a:pt x="912" y="134"/>
+                </a:cubicBezTo>
+                <a:cubicBezTo>
+                  <a:pt x="785" y="142"/>
+                  <a:pt x="655" y="201"/>
+                  <a:pt x="522" y="313"/>
+                </a:cubicBezTo>
+                <a:cubicBezTo>
+                  <a:pt x="388" y="424"/>
+                  <a:pt x="277" y="568"/>
+                  <a:pt x="189" y="744"/>
+                </a:cubicBezTo>
+                <a:cubicBezTo>
+                  <a:pt x="163" y="744"/>
+                  <a:pt x="137" y="744"/>
+                  <a:pt x="111" y="744"/>
+                </a:cubicBezTo>
+                <a:cubicBezTo>
+                  <a:pt x="176" y="516"/>
+                  <a:pt x="241" y="287"/>
+                  <a:pt x="306" y="59"/>
+                </a:cubicBezTo>
+                <a:close/>
+                <a:moveTo>
+                  <a:pt x="9737" y="0"/>
+                </a:moveTo>
+                <a:cubicBezTo>
+                  <a:pt x="9598" y="468"/>
+                  <a:pt x="9459" y="937"/>
+                  <a:pt x="9320" y="1406"/>
+                </a:cubicBezTo>
+                <a:cubicBezTo>
+                  <a:pt x="9392" y="1404"/>
+                  <a:pt x="9471" y="1310"/>
+                  <a:pt x="9557" y="1124"/>
+                </a:cubicBezTo>
+                <a:cubicBezTo>
+                  <a:pt x="9596" y="1037"/>
+                  <a:pt x="9629" y="975"/>
+                  <a:pt x="9656" y="939"/>
+                </a:cubicBezTo>
+                <a:cubicBezTo>
+                  <a:pt x="9682" y="903"/>
+                  <a:pt x="9718" y="873"/>
+                  <a:pt x="9761" y="848"/>
+                </a:cubicBezTo>
+                <a:cubicBezTo>
+                  <a:pt x="9804" y="823"/>
+                  <a:pt x="9850" y="810"/>
+                  <a:pt x="9898" y="810"/>
+                </a:cubicBezTo>
+                <a:cubicBezTo>
+                  <a:pt x="9962" y="810"/>
+                  <a:pt x="10016" y="831"/>
+                  <a:pt x="10059" y="873"/>
+                </a:cubicBezTo>
+                <a:cubicBezTo>
+                  <a:pt x="10102" y="914"/>
+                  <a:pt x="10123" y="966"/>
+                  <a:pt x="10123" y="1026"/>
+                </a:cubicBezTo>
+                <a:cubicBezTo>
+                  <a:pt x="10123" y="1088"/>
+                  <a:pt x="10106" y="1139"/>
+                  <a:pt x="10070" y="1179"/>
+                </a:cubicBezTo>
+                <a:cubicBezTo>
+                  <a:pt x="10035" y="1219"/>
+                  <a:pt x="9990" y="1239"/>
+                  <a:pt x="9934" y="1239"/>
+                </a:cubicBezTo>
+                <a:cubicBezTo>
+                  <a:pt x="9881" y="1239"/>
+                  <a:pt x="9835" y="1219"/>
+                  <a:pt x="9797" y="1179"/>
+                </a:cubicBezTo>
+                <a:cubicBezTo>
+                  <a:pt x="9759" y="1138"/>
+                  <a:pt x="9740" y="1089"/>
+                  <a:pt x="9740" y="1033"/>
+                </a:cubicBezTo>
+                <a:cubicBezTo>
+                  <a:pt x="9740" y="1002"/>
+                  <a:pt x="9747" y="971"/>
+                  <a:pt x="9760" y="940"/>
+                </a:cubicBezTo>
+                <a:cubicBezTo>
+                  <a:pt x="9728" y="955"/>
+                  <a:pt x="9702" y="977"/>
+                  <a:pt x="9683" y="1007"/>
+                </a:cubicBezTo>
+                <a:cubicBezTo>
+                  <a:pt x="9664" y="1037"/>
+                  <a:pt x="9632" y="1103"/>
+                  <a:pt x="9586" y="1206"/>
+                </a:cubicBezTo>
+                <a:cubicBezTo>
+                  <a:pt x="9568" y="1250"/>
+                  <a:pt x="9536" y="1297"/>
+                  <a:pt x="9491" y="1347"/>
+                </a:cubicBezTo>
+                <a:cubicBezTo>
+                  <a:pt x="9495" y="1348"/>
+                  <a:pt x="9499" y="1349"/>
+                  <a:pt x="9503" y="1350"/>
+                </a:cubicBezTo>
+                <a:cubicBezTo>
+                  <a:pt x="9535" y="1342"/>
+                  <a:pt x="9567" y="1334"/>
+                  <a:pt x="9599" y="1326"/>
+                </a:cubicBezTo>
+                <a:cubicBezTo>
+                  <a:pt x="9629" y="1318"/>
+                  <a:pt x="9658" y="1315"/>
+                  <a:pt x="9686" y="1315"/>
+                </a:cubicBezTo>
+                <a:cubicBezTo>
+                  <a:pt x="9786" y="1315"/>
+                  <a:pt x="9871" y="1340"/>
+                  <a:pt x="9939" y="1392"/>
+                </a:cubicBezTo>
+                <a:cubicBezTo>
+                  <a:pt x="10008" y="1443"/>
+                  <a:pt x="10043" y="1505"/>
+                  <a:pt x="10043" y="1577"/>
+                </a:cubicBezTo>
+                <a:cubicBezTo>
+                  <a:pt x="10043" y="1606"/>
+                  <a:pt x="10037" y="1641"/>
+                  <a:pt x="10025" y="1681"/>
+                </a:cubicBezTo>
+                <a:cubicBezTo>
+                  <a:pt x="10006" y="1749"/>
+                  <a:pt x="9986" y="1817"/>
+                  <a:pt x="9967" y="1885"/>
+                </a:cubicBezTo>
+                <a:cubicBezTo>
+                  <a:pt x="9955" y="1924"/>
+                  <a:pt x="9949" y="1952"/>
+                  <a:pt x="9949" y="1967"/>
+                </a:cubicBezTo>
+                <a:cubicBezTo>
+                  <a:pt x="9949" y="1983"/>
+                  <a:pt x="9956" y="1991"/>
+                  <a:pt x="9969" y="1991"/>
+                </a:cubicBezTo>
+                <a:cubicBezTo>
+                  <a:pt x="9998" y="1991"/>
+                  <a:pt x="10041" y="1916"/>
+                  <a:pt x="10100" y="1768"/>
+                </a:cubicBezTo>
+                <a:cubicBezTo>
+                  <a:pt x="10117" y="1775"/>
+                  <a:pt x="10135" y="1783"/>
+                  <a:pt x="10152" y="1790"/>
+                </a:cubicBezTo>
+                <a:cubicBezTo>
+                  <a:pt x="10084" y="1974"/>
+                  <a:pt x="10013" y="2091"/>
+                  <a:pt x="9939" y="2141"/>
+                </a:cubicBezTo>
+                <a:cubicBezTo>
+                  <a:pt x="9865" y="2191"/>
+                  <a:pt x="9776" y="2216"/>
+                  <a:pt x="9674" y="2216"/>
+                </a:cubicBezTo>
+                <a:cubicBezTo>
+                  <a:pt x="9569" y="2216"/>
+                  <a:pt x="9488" y="2193"/>
+                  <a:pt x="9430" y="2148"/>
+                </a:cubicBezTo>
+                <a:cubicBezTo>
+                  <a:pt x="9372" y="2102"/>
+                  <a:pt x="9343" y="2038"/>
+                  <a:pt x="9343" y="1957"/>
+                </a:cubicBezTo>
+                <a:cubicBezTo>
+                  <a:pt x="9343" y="1911"/>
+                  <a:pt x="9351" y="1860"/>
+                  <a:pt x="9368" y="1805"/>
+                </a:cubicBezTo>
+                <a:cubicBezTo>
+                  <a:pt x="9385" y="1746"/>
+                  <a:pt x="9402" y="1686"/>
+                  <a:pt x="9419" y="1627"/>
+                </a:cubicBezTo>
+                <a:cubicBezTo>
+                  <a:pt x="9425" y="1607"/>
+                  <a:pt x="9428" y="1588"/>
+                  <a:pt x="9428" y="1571"/>
+                </a:cubicBezTo>
+                <a:cubicBezTo>
+                  <a:pt x="9428" y="1507"/>
+                  <a:pt x="9385" y="1475"/>
+                  <a:pt x="9299" y="1475"/>
+                </a:cubicBezTo>
+                <a:cubicBezTo>
+                  <a:pt x="9226" y="1719"/>
+                  <a:pt x="9153" y="1963"/>
+                  <a:pt x="9080" y="2207"/>
+                </a:cubicBezTo>
+                <a:cubicBezTo>
+                  <a:pt x="8844" y="2207"/>
+                  <a:pt x="8609" y="2207"/>
+                  <a:pt x="8373" y="2207"/>
+                </a:cubicBezTo>
+                <a:cubicBezTo>
+                  <a:pt x="8582" y="1513"/>
+                  <a:pt x="8791" y="819"/>
+                  <a:pt x="8999" y="125"/>
+                </a:cubicBezTo>
+                <a:cubicBezTo>
+                  <a:pt x="8935" y="125"/>
+                  <a:pt x="8871" y="125"/>
+                  <a:pt x="8808" y="125"/>
+                </a:cubicBezTo>
+                <a:cubicBezTo>
+                  <a:pt x="8813" y="103"/>
+                  <a:pt x="8819" y="81"/>
+                  <a:pt x="8825" y="59"/>
+                </a:cubicBezTo>
+                <a:cubicBezTo>
+                  <a:pt x="8832" y="59"/>
+                  <a:pt x="8839" y="59"/>
+                  <a:pt x="8846" y="59"/>
+                </a:cubicBezTo>
+                <a:cubicBezTo>
+                  <a:pt x="8950" y="59"/>
+                  <a:pt x="9100" y="54"/>
+                  <a:pt x="9296" y="44"/>
+                </a:cubicBezTo>
+                <a:cubicBezTo>
+                  <a:pt x="9491" y="34"/>
+                  <a:pt x="9638" y="19"/>
+                  <a:pt x="9737" y="0"/>
+                </a:cubicBezTo>
+                <a:close/>
+                <a:moveTo>
+                  <a:pt x="3462" y="0"/>
+                </a:moveTo>
+                <a:cubicBezTo>
+                  <a:pt x="3339" y="412"/>
+                  <a:pt x="3215" y="824"/>
+                  <a:pt x="3091" y="1236"/>
+                </a:cubicBezTo>
+                <a:cubicBezTo>
+                  <a:pt x="3311" y="963"/>
+                  <a:pt x="3529" y="826"/>
+                  <a:pt x="3743" y="826"/>
+                </a:cubicBezTo>
+                <a:cubicBezTo>
+                  <a:pt x="3830" y="826"/>
+                  <a:pt x="3903" y="852"/>
+                  <a:pt x="3963" y="902"/>
+                </a:cubicBezTo>
+                <a:cubicBezTo>
+                  <a:pt x="4022" y="953"/>
+                  <a:pt x="4052" y="1015"/>
+                  <a:pt x="4052" y="1089"/>
+                </a:cubicBezTo>
+                <a:cubicBezTo>
+                  <a:pt x="4052" y="1146"/>
+                  <a:pt x="4035" y="1235"/>
+                  <a:pt x="3999" y="1355"/>
+                </a:cubicBezTo>
+                <a:cubicBezTo>
+                  <a:pt x="3953" y="1511"/>
+                  <a:pt x="3907" y="1666"/>
+                  <a:pt x="3860" y="1822"/>
+                </a:cubicBezTo>
+                <a:cubicBezTo>
+                  <a:pt x="3849" y="1862"/>
+                  <a:pt x="3843" y="1895"/>
+                  <a:pt x="3843" y="1922"/>
+                </a:cubicBezTo>
+                <a:cubicBezTo>
+                  <a:pt x="3843" y="1931"/>
+                  <a:pt x="3847" y="1940"/>
+                  <a:pt x="3854" y="1948"/>
+                </a:cubicBezTo>
+                <a:cubicBezTo>
+                  <a:pt x="3861" y="1956"/>
+                  <a:pt x="3869" y="1960"/>
+                  <a:pt x="3878" y="1960"/>
+                </a:cubicBezTo>
+                <a:cubicBezTo>
+                  <a:pt x="3905" y="1960"/>
+                  <a:pt x="3938" y="1932"/>
+                  <a:pt x="3977" y="1874"/>
+                </a:cubicBezTo>
+                <a:cubicBezTo>
+                  <a:pt x="4015" y="1817"/>
+                  <a:pt x="4049" y="1743"/>
+                  <a:pt x="4077" y="1653"/>
+                </a:cubicBezTo>
+                <a:cubicBezTo>
+                  <a:pt x="4099" y="1661"/>
+                  <a:pt x="4121" y="1670"/>
+                  <a:pt x="4143" y="1678"/>
+                </a:cubicBezTo>
+                <a:cubicBezTo>
+                  <a:pt x="4034" y="2037"/>
+                  <a:pt x="3829" y="2216"/>
+                  <a:pt x="3528" y="2216"/>
+                </a:cubicBezTo>
+                <a:cubicBezTo>
+                  <a:pt x="3416" y="2216"/>
+                  <a:pt x="3326" y="2191"/>
+                  <a:pt x="3258" y="2139"/>
+                </a:cubicBezTo>
+                <a:cubicBezTo>
+                  <a:pt x="3190" y="2087"/>
+                  <a:pt x="3157" y="2019"/>
+                  <a:pt x="3157" y="1935"/>
+                </a:cubicBezTo>
+                <a:cubicBezTo>
+                  <a:pt x="3157" y="1890"/>
+                  <a:pt x="3164" y="1841"/>
+                  <a:pt x="3179" y="1787"/>
+                </a:cubicBezTo>
+                <a:cubicBezTo>
+                  <a:pt x="3228" y="1618"/>
+                  <a:pt x="3278" y="1450"/>
+                  <a:pt x="3328" y="1281"/>
+                </a:cubicBezTo>
+                <a:cubicBezTo>
+                  <a:pt x="3341" y="1235"/>
+                  <a:pt x="3348" y="1201"/>
+                  <a:pt x="3348" y="1180"/>
+                </a:cubicBezTo>
+                <a:cubicBezTo>
+                  <a:pt x="3348" y="1153"/>
+                  <a:pt x="3337" y="1140"/>
+                  <a:pt x="3315" y="1140"/>
+                </a:cubicBezTo>
+                <a:cubicBezTo>
+                  <a:pt x="3303" y="1140"/>
+                  <a:pt x="3289" y="1145"/>
+                  <a:pt x="3271" y="1155"/>
+                </a:cubicBezTo>
+                <a:cubicBezTo>
+                  <a:pt x="3254" y="1165"/>
+                  <a:pt x="3235" y="1180"/>
+                  <a:pt x="3214" y="1199"/>
+                </a:cubicBezTo>
+                <a:cubicBezTo>
+                  <a:pt x="3193" y="1219"/>
+                  <a:pt x="3170" y="1243"/>
+                  <a:pt x="3144" y="1271"/>
+                </a:cubicBezTo>
+                <a:cubicBezTo>
+                  <a:pt x="3118" y="1300"/>
+                  <a:pt x="3089" y="1334"/>
+                  <a:pt x="3056" y="1374"/>
+                </a:cubicBezTo>
+                <a:cubicBezTo>
+                  <a:pt x="3053" y="1378"/>
+                  <a:pt x="3025" y="1469"/>
+                  <a:pt x="2972" y="1646"/>
+                </a:cubicBezTo>
+                <a:cubicBezTo>
+                  <a:pt x="2917" y="1833"/>
+                  <a:pt x="2861" y="2020"/>
+                  <a:pt x="2805" y="2207"/>
+                </a:cubicBezTo>
+                <a:cubicBezTo>
+                  <a:pt x="2570" y="2207"/>
+                  <a:pt x="2334" y="2207"/>
+                  <a:pt x="2099" y="2207"/>
+                </a:cubicBezTo>
+                <a:cubicBezTo>
+                  <a:pt x="2307" y="1513"/>
+                  <a:pt x="2516" y="819"/>
+                  <a:pt x="2725" y="125"/>
+                </a:cubicBezTo>
+                <a:cubicBezTo>
+                  <a:pt x="2661" y="125"/>
+                  <a:pt x="2597" y="125"/>
+                  <a:pt x="2533" y="125"/>
+                </a:cubicBezTo>
+                <a:cubicBezTo>
+                  <a:pt x="2539" y="103"/>
+                  <a:pt x="2545" y="81"/>
+                  <a:pt x="2551" y="59"/>
+                </a:cubicBezTo>
+                <a:cubicBezTo>
+                  <a:pt x="2558" y="59"/>
+                  <a:pt x="2564" y="59"/>
+                  <a:pt x="2571" y="59"/>
+                </a:cubicBezTo>
+                <a:cubicBezTo>
+                  <a:pt x="2676" y="59"/>
+                  <a:pt x="2826" y="54"/>
+                  <a:pt x="3021" y="44"/>
+                </a:cubicBezTo>
+                <a:cubicBezTo>
+                  <a:pt x="3217" y="34"/>
+                  <a:pt x="3364" y="19"/>
+                  <a:pt x="3462" y="0"/>
+                </a:cubicBezTo>
+                <a:close/>
+              </a:path>
+            </a:pathLst>
+          </a:custGeom>
+          <a:solidFill>
+            <a:srgbClr val="FFFFFF"/>
+          </a:solidFill>
+          <a:ln>
+            <a:noFill/>
+          </a:ln>
+          <a:extLst>
+            <a:ext uri="{91240B29-F687-4F45-9708-019B960494DF}">
+              <a14:hiddenLine xmlns:a14="http://schemas.microsoft.com/office/drawing/2010/main" w="9525">
+                <a:solidFill>
+                  <a:srgbClr val="000000"/>
+                </a:solidFill>
+                <a:round/>
+                <a:headEnd/>
+                <a:tailEnd/>
+              </a14:hiddenLine>
+            </a:ext>
+          </a:extLst>
+        </p:spPr>
+        <p:txBody>
+          <a:bodyPr/>
+          <a:lstStyle/>
+          <a:p>
+            <a:endParaRPr lang="zh-CN" altLang="en-US"/>
+          </a:p>
+        </p:txBody>
+      </p:sp>
+    </p:spTree>
+    <p:custDataLst>
+      <p:tags r:id="rId1"/>
+    </p:custDataLst>
+    <p:extLst>
+      <p:ext uri="{BB962C8B-B14F-4D97-AF65-F5344CB8AC3E}">
+        <p14:creationId xmlns:p14="http://schemas.microsoft.com/office/powerpoint/2010/main" val="1972532285"/>
+      </p:ext>
+    </p:extLst>
+  </p:cSld>
+  <p:clrMapOvr>
+    <a:masterClrMapping/>
+  </p:clrMapOvr>
+  <p:timing>
+    <p:tnLst>
+      <p:par>
+        <p:cTn id="1" dur="indefinite" restart="never" nodeType="tmRoot"/>
+      </p:par>
+    </p:tnLst>
+  </p:timing>
 </p:sld>
 </file>
 
@@ -14285,6 +17230,13 @@
   <p:clrMapOvr>
     <a:masterClrMapping/>
   </p:clrMapOvr>
+  <p:timing>
+    <p:tnLst>
+      <p:par>
+        <p:cTn id="1" dur="indefinite" restart="never" nodeType="tmRoot"/>
+      </p:par>
+    </p:tnLst>
+  </p:timing>
 </p:sld>
 </file>
 
@@ -14619,6 +17571,13 @@
   <p:clrMapOvr>
     <a:masterClrMapping/>
   </p:clrMapOvr>
+  <p:timing>
+    <p:tnLst>
+      <p:par>
+        <p:cTn id="1" dur="indefinite" restart="never" nodeType="tmRoot"/>
+      </p:par>
+    </p:tnLst>
+  </p:timing>
 </p:sld>
 </file>
 
@@ -14778,6 +17737,13 @@
   <p:clrMapOvr>
     <a:masterClrMapping/>
   </p:clrMapOvr>
+  <p:timing>
+    <p:tnLst>
+      <p:par>
+        <p:cTn id="1" dur="indefinite" restart="never" nodeType="tmRoot"/>
+      </p:par>
+    </p:tnLst>
+  </p:timing>
 </p:sld>
 </file>
 
@@ -16291,13 +19257,17 @@
               <a:rPr lang="en-US" altLang="zh-CN" dirty="0">
                 <a:hlinkClick r:id="rId2"/>
               </a:rPr>
-              <a:t>https://10.88.22.18/svn</a:t>
+              <a:t>https://</a:t>
             </a:r>
             <a:r>
               <a:rPr lang="en-US" altLang="zh-CN" dirty="0" smtClean="0">
                 <a:hlinkClick r:id="rId2"/>
               </a:rPr>
-              <a:t>/</a:t>
+              <a:t>10.88.22.18/svn/</a:t>
+            </a:r>
+            <a:r>
+              <a:rPr lang="zh-CN" altLang="en-US" dirty="0"/>
+              <a:t>具体</a:t>
             </a:r>
             <a:r>
               <a:rPr lang="zh-CN" altLang="en-US" dirty="0" smtClean="0"/>
@@ -16425,6 +19395,13 @@
   <p:clrMapOvr>
     <a:masterClrMapping/>
   </p:clrMapOvr>
+  <p:timing>
+    <p:tnLst>
+      <p:par>
+        <p:cTn id="1" dur="indefinite" restart="never" nodeType="tmRoot"/>
+      </p:par>
+    </p:tnLst>
+  </p:timing>
 </p:sld>
 </file>
 
@@ -16615,6 +19592,13 @@
   <p:clrMapOvr>
     <a:masterClrMapping/>
   </p:clrMapOvr>
+  <p:timing>
+    <p:tnLst>
+      <p:par>
+        <p:cTn id="1" dur="indefinite" restart="never" nodeType="tmRoot"/>
+      </p:par>
+    </p:tnLst>
+  </p:timing>
 </p:sld>
 </file>
 
@@ -16652,6 +19636,53 @@
   <p:tag name="MH_TYPE" val="NUMBER"/>
   <p:tag name="ID" val="626782"/>
   <p:tag name="MH_ORDER" val="4"/>
+</p:tagLst>
+</file>
+
+<file path=ppt/tags/tag102.xml><?xml version="1.0" encoding="utf-8"?>
+<p:tagLst xmlns:a="http://schemas.openxmlformats.org/drawingml/2006/main" xmlns:r="http://schemas.openxmlformats.org/officeDocument/2006/relationships" xmlns:p="http://schemas.openxmlformats.org/presentationml/2006/main">
+  <p:tag name="MH" val="20180425153242"/>
+  <p:tag name="MH_LIBRARY" val="GRAPHIC"/>
+</p:tagLst>
+</file>
+
+<file path=ppt/tags/tag103.xml><?xml version="1.0" encoding="utf-8"?>
+<p:tagLst xmlns:a="http://schemas.openxmlformats.org/drawingml/2006/main" xmlns:r="http://schemas.openxmlformats.org/officeDocument/2006/relationships" xmlns:p="http://schemas.openxmlformats.org/presentationml/2006/main">
+  <p:tag name="MH" val="20180425153242"/>
+  <p:tag name="MH_LIBRARY" val="GRAPHIC"/>
+  <p:tag name="MH_ORDER" val="Freeform 2"/>
+</p:tagLst>
+</file>
+
+<file path=ppt/tags/tag104.xml><?xml version="1.0" encoding="utf-8"?>
+<p:tagLst xmlns:a="http://schemas.openxmlformats.org/drawingml/2006/main" xmlns:r="http://schemas.openxmlformats.org/officeDocument/2006/relationships" xmlns:p="http://schemas.openxmlformats.org/presentationml/2006/main">
+  <p:tag name="MH" val="20180425153242"/>
+  <p:tag name="MH_LIBRARY" val="GRAPHIC"/>
+  <p:tag name="MH_ORDER" val="Freeform 3"/>
+</p:tagLst>
+</file>
+
+<file path=ppt/tags/tag105.xml><?xml version="1.0" encoding="utf-8"?>
+<p:tagLst xmlns:a="http://schemas.openxmlformats.org/drawingml/2006/main" xmlns:r="http://schemas.openxmlformats.org/officeDocument/2006/relationships" xmlns:p="http://schemas.openxmlformats.org/presentationml/2006/main">
+  <p:tag name="MH" val="20180425153242"/>
+  <p:tag name="MH_LIBRARY" val="GRAPHIC"/>
+  <p:tag name="MH_ORDER" val="Freeform 4"/>
+</p:tagLst>
+</file>
+
+<file path=ppt/tags/tag106.xml><?xml version="1.0" encoding="utf-8"?>
+<p:tagLst xmlns:a="http://schemas.openxmlformats.org/drawingml/2006/main" xmlns:r="http://schemas.openxmlformats.org/officeDocument/2006/relationships" xmlns:p="http://schemas.openxmlformats.org/presentationml/2006/main">
+  <p:tag name="MH" val="20180425153242"/>
+  <p:tag name="MH_LIBRARY" val="GRAPHIC"/>
+  <p:tag name="MH_ORDER" val="文本框 6"/>
+</p:tagLst>
+</file>
+
+<file path=ppt/tags/tag107.xml><?xml version="1.0" encoding="utf-8"?>
+<p:tagLst xmlns:a="http://schemas.openxmlformats.org/drawingml/2006/main" xmlns:r="http://schemas.openxmlformats.org/officeDocument/2006/relationships" xmlns:p="http://schemas.openxmlformats.org/presentationml/2006/main">
+  <p:tag name="MH" val="20180425153242"/>
+  <p:tag name="MH_LIBRARY" val="GRAPHIC"/>
+  <p:tag name="MH_ORDER" val="Freeform 5"/>
 </p:tagLst>
 </file>
 

--- a/新员工入职指引/信息技术部常用管理平台使用.pptx
+++ b/新员工入职指引/信息技术部常用管理平台使用.pptx
@@ -5,7 +5,7 @@
     <p:sldMasterId id="2147483924" r:id="rId1"/>
   </p:sldMasterIdLst>
   <p:notesMasterIdLst>
-    <p:notesMasterId r:id="rId25"/>
+    <p:notesMasterId r:id="rId26"/>
   </p:notesMasterIdLst>
   <p:sldIdLst>
     <p:sldId id="256" r:id="rId2"/>
@@ -18,24 +18,25 @@
     <p:sldId id="258" r:id="rId9"/>
     <p:sldId id="264" r:id="rId10"/>
     <p:sldId id="265" r:id="rId11"/>
-    <p:sldId id="289" r:id="rId12"/>
-    <p:sldId id="267" r:id="rId13"/>
-    <p:sldId id="269" r:id="rId14"/>
-    <p:sldId id="274" r:id="rId15"/>
-    <p:sldId id="273" r:id="rId16"/>
-    <p:sldId id="275" r:id="rId17"/>
-    <p:sldId id="272" r:id="rId18"/>
-    <p:sldId id="287" r:id="rId19"/>
-    <p:sldId id="290" r:id="rId20"/>
-    <p:sldId id="268" r:id="rId21"/>
-    <p:sldId id="276" r:id="rId22"/>
-    <p:sldId id="278" r:id="rId23"/>
-    <p:sldId id="292" r:id="rId24"/>
+    <p:sldId id="293" r:id="rId12"/>
+    <p:sldId id="289" r:id="rId13"/>
+    <p:sldId id="267" r:id="rId14"/>
+    <p:sldId id="269" r:id="rId15"/>
+    <p:sldId id="274" r:id="rId16"/>
+    <p:sldId id="273" r:id="rId17"/>
+    <p:sldId id="275" r:id="rId18"/>
+    <p:sldId id="272" r:id="rId19"/>
+    <p:sldId id="287" r:id="rId20"/>
+    <p:sldId id="290" r:id="rId21"/>
+    <p:sldId id="268" r:id="rId22"/>
+    <p:sldId id="276" r:id="rId23"/>
+    <p:sldId id="278" r:id="rId24"/>
+    <p:sldId id="292" r:id="rId25"/>
   </p:sldIdLst>
   <p:sldSz cx="9144000" cy="6858000" type="screen4x3"/>
   <p:notesSz cx="6858000" cy="9144000"/>
   <p:custDataLst>
-    <p:tags r:id="rId26"/>
+    <p:tags r:id="rId27"/>
   </p:custDataLst>
   <p:defaultTextStyle>
     <a:defPPr>
@@ -132,6 +133,22 @@
       </a:defRPr>
     </a:lvl9pPr>
   </p:defaultTextStyle>
+  <p:extLst>
+    <p:ext uri="{EFAFB233-063F-42B5-8137-9DF3F51BA10A}">
+      <p15:sldGuideLst xmlns:p15="http://schemas.microsoft.com/office/powerpoint/2012/main">
+        <p15:guide id="1" orient="horz" pos="2160">
+          <p15:clr>
+            <a:srgbClr val="A4A3A4"/>
+          </p15:clr>
+        </p15:guide>
+        <p15:guide id="2" pos="2880">
+          <p15:clr>
+            <a:srgbClr val="A4A3A4"/>
+          </p15:clr>
+        </p15:guide>
+      </p15:sldGuideLst>
+    </p:ext>
+  </p:extLst>
 </p:presentation>
 </file>
 
@@ -217,7 +234,7 @@
           <a:p>
             <a:fld id="{05441B68-3155-403E-A18E-2C14500C6CF1}" type="datetimeFigureOut">
               <a:rPr lang="zh-CN" altLang="en-US" smtClean="0"/>
-              <a:t>2018/4/25</a:t>
+              <a:t>2018/4/27</a:t>
             </a:fld>
             <a:endParaRPr lang="zh-CN" altLang="en-US"/>
           </a:p>
@@ -634,7 +651,7 @@
           <a:p>
             <a:fld id="{57B089A3-E649-42FB-A5DC-423AA32FCB87}" type="slidenum">
               <a:rPr lang="zh-CN" altLang="en-US" smtClean="0"/>
-              <a:t>16</a:t>
+              <a:t>17</a:t>
             </a:fld>
             <a:endParaRPr lang="zh-CN" altLang="en-US"/>
           </a:p>
@@ -906,7 +923,7 @@
                 <a:ea typeface="宋体" charset="-122"/>
               </a:rPr>
               <a:pPr/>
-              <a:t>23</a:t>
+              <a:t>24</a:t>
             </a:fld>
             <a:endParaRPr lang="zh-CN" altLang="en-US">
               <a:latin typeface="Calibri" pitchFamily="34" charset="0"/>
@@ -1028,7 +1045,7 @@
           <a:p>
             <a:fld id="{530820CF-B880-4189-942D-D702A7CBA730}" type="datetimeFigureOut">
               <a:rPr lang="zh-CN" altLang="en-US" smtClean="0"/>
-              <a:t>2018/4/25</a:t>
+              <a:t>2018/4/27</a:t>
             </a:fld>
             <a:endParaRPr lang="zh-CN" altLang="en-US"/>
           </a:p>
@@ -1811,7 +1828,7 @@
   </p:timing>
   <p:extLst mod="1">
     <p:ext uri="{DCECCB84-F9BA-43D5-87BE-67443E8EF086}">
-      <p15:sldGuideLst xmlns:p15="http://schemas.microsoft.com/office/powerpoint/2012/main" xmlns="">
+      <p15:sldGuideLst xmlns:p15="http://schemas.microsoft.com/office/powerpoint/2012/main">
         <p15:guide id="1" pos="4967">
           <p15:clr>
             <a:srgbClr val="FBAE40"/>
@@ -1920,7 +1937,7 @@
           <a:p>
             <a:fld id="{530820CF-B880-4189-942D-D702A7CBA730}" type="datetimeFigureOut">
               <a:rPr lang="zh-CN" altLang="en-US" smtClean="0"/>
-              <a:t>2018/4/25</a:t>
+              <a:t>2018/4/27</a:t>
             </a:fld>
             <a:endParaRPr lang="zh-CN" altLang="en-US"/>
           </a:p>
@@ -2078,7 +2095,7 @@
           <a:p>
             <a:fld id="{530820CF-B880-4189-942D-D702A7CBA730}" type="datetimeFigureOut">
               <a:rPr lang="zh-CN" altLang="en-US" smtClean="0"/>
-              <a:t>2018/4/25</a:t>
+              <a:t>2018/4/27</a:t>
             </a:fld>
             <a:endParaRPr lang="zh-CN" altLang="en-US"/>
           </a:p>
@@ -2245,7 +2262,7 @@
           <a:p>
             <a:fld id="{530820CF-B880-4189-942D-D702A7CBA730}" type="datetimeFigureOut">
               <a:rPr lang="zh-CN" altLang="en-US" smtClean="0"/>
-              <a:t>2018/4/25</a:t>
+              <a:t>2018/4/27</a:t>
             </a:fld>
             <a:endParaRPr lang="zh-CN" altLang="en-US"/>
           </a:p>
@@ -2506,7 +2523,7 @@
           <a:p>
             <a:fld id="{530820CF-B880-4189-942D-D702A7CBA730}" type="datetimeFigureOut">
               <a:rPr lang="zh-CN" altLang="en-US" smtClean="0"/>
-              <a:t>2018/4/25</a:t>
+              <a:t>2018/4/27</a:t>
             </a:fld>
             <a:endParaRPr lang="zh-CN" altLang="en-US"/>
           </a:p>
@@ -2566,7 +2583,7 @@
   </p:clrMapOvr>
   <p:extLst mod="1">
     <p:ext uri="{DCECCB84-F9BA-43D5-87BE-67443E8EF086}">
-      <p15:sldGuideLst xmlns:p15="http://schemas.microsoft.com/office/powerpoint/2012/main" xmlns=""/>
+      <p15:sldGuideLst xmlns:p15="http://schemas.microsoft.com/office/powerpoint/2012/main"/>
     </p:ext>
   </p:extLst>
 </p:sldLayout>
@@ -2699,7 +2716,7 @@
           <a:p>
             <a:fld id="{530820CF-B880-4189-942D-D702A7CBA730}" type="datetimeFigureOut">
               <a:rPr lang="zh-CN" altLang="en-US" smtClean="0"/>
-              <a:t>2018/4/25</a:t>
+              <a:t>2018/4/27</a:t>
             </a:fld>
             <a:endParaRPr lang="zh-CN" altLang="en-US"/>
           </a:p>
@@ -3026,7 +3043,7 @@
           <a:p>
             <a:fld id="{530820CF-B880-4189-942D-D702A7CBA730}" type="datetimeFigureOut">
               <a:rPr lang="zh-CN" altLang="en-US" smtClean="0"/>
-              <a:t>2018/4/25</a:t>
+              <a:t>2018/4/27</a:t>
             </a:fld>
             <a:endParaRPr lang="zh-CN" altLang="en-US"/>
           </a:p>
@@ -3144,7 +3161,7 @@
           <a:p>
             <a:fld id="{530820CF-B880-4189-942D-D702A7CBA730}" type="datetimeFigureOut">
               <a:rPr lang="zh-CN" altLang="en-US" smtClean="0"/>
-              <a:t>2018/4/25</a:t>
+              <a:t>2018/4/27</a:t>
             </a:fld>
             <a:endParaRPr lang="zh-CN" altLang="en-US"/>
           </a:p>
@@ -3269,7 +3286,7 @@
           <a:p>
             <a:fld id="{530820CF-B880-4189-942D-D702A7CBA730}" type="datetimeFigureOut">
               <a:rPr lang="zh-CN" altLang="en-US" smtClean="0"/>
-              <a:t>2018/4/25</a:t>
+              <a:t>2018/4/27</a:t>
             </a:fld>
             <a:endParaRPr lang="zh-CN" altLang="en-US"/>
           </a:p>
@@ -3526,7 +3543,7 @@
           <a:p>
             <a:fld id="{530820CF-B880-4189-942D-D702A7CBA730}" type="datetimeFigureOut">
               <a:rPr lang="zh-CN" altLang="en-US" smtClean="0"/>
-              <a:t>2018/4/25</a:t>
+              <a:t>2018/4/27</a:t>
             </a:fld>
             <a:endParaRPr lang="zh-CN" altLang="en-US"/>
           </a:p>
@@ -3783,7 +3800,7 @@
           <a:p>
             <a:fld id="{530820CF-B880-4189-942D-D702A7CBA730}" type="datetimeFigureOut">
               <a:rPr lang="zh-CN" altLang="en-US" smtClean="0"/>
-              <a:t>2018/4/25</a:t>
+              <a:t>2018/4/27</a:t>
             </a:fld>
             <a:endParaRPr lang="zh-CN" altLang="en-US"/>
           </a:p>
@@ -3972,7 +3989,7 @@
           <a:p>
             <a:fld id="{530820CF-B880-4189-942D-D702A7CBA730}" type="datetimeFigureOut">
               <a:rPr lang="zh-CN" altLang="en-US" smtClean="0"/>
-              <a:t>2018/4/25</a:t>
+              <a:t>2018/4/27</a:t>
             </a:fld>
             <a:endParaRPr lang="zh-CN" altLang="en-US"/>
           </a:p>
@@ -4449,7 +4466,7 @@
   </p:txStyles>
   <p:extLst mod="1">
     <p:ext uri="{27BBF7A9-308A-43DC-89C8-2F10F3537804}">
-      <p15:sldGuideLst xmlns:p15="http://schemas.microsoft.com/office/powerpoint/2012/main" xmlns=""/>
+      <p15:sldGuideLst xmlns:p15="http://schemas.microsoft.com/office/powerpoint/2012/main"/>
     </p:ext>
   </p:extLst>
 </p:sldMaster>
@@ -4918,6 +4935,116 @@
       </p:grpSpPr>
       <p:sp>
         <p:nvSpPr>
+          <p:cNvPr id="2" name="标题 1"/>
+          <p:cNvSpPr>
+            <a:spLocks noGrp="1"/>
+          </p:cNvSpPr>
+          <p:nvPr>
+            <p:ph type="title"/>
+          </p:nvPr>
+        </p:nvSpPr>
+        <p:spPr/>
+        <p:txBody>
+          <a:bodyPr/>
+          <a:lstStyle/>
+          <a:p>
+            <a:r>
+              <a:rPr lang="zh-CN" altLang="en-US" dirty="0"/>
+              <a:t>账</a:t>
+            </a:r>
+            <a:r>
+              <a:rPr lang="zh-CN" altLang="en-US" dirty="0" smtClean="0"/>
+              <a:t>号与权限申请</a:t>
+            </a:r>
+            <a:endParaRPr lang="zh-CN" altLang="en-US" dirty="0"/>
+          </a:p>
+        </p:txBody>
+      </p:sp>
+      <p:sp>
+        <p:nvSpPr>
+          <p:cNvPr id="3" name="内容占位符 2"/>
+          <p:cNvSpPr>
+            <a:spLocks noGrp="1"/>
+          </p:cNvSpPr>
+          <p:nvPr>
+            <p:ph idx="1"/>
+          </p:nvPr>
+        </p:nvSpPr>
+        <p:spPr/>
+        <p:txBody>
+          <a:bodyPr/>
+          <a:lstStyle/>
+          <a:p>
+            <a:r>
+              <a:rPr lang="en-US" altLang="zh-CN" dirty="0" err="1" smtClean="0"/>
+              <a:t>Git</a:t>
+            </a:r>
+            <a:r>
+              <a:rPr lang="en-US" altLang="zh-CN" dirty="0" smtClean="0"/>
+              <a:t> </a:t>
+            </a:r>
+            <a:r>
+              <a:rPr lang="zh-CN" altLang="en-US" dirty="0" smtClean="0"/>
+              <a:t>综合产品组和航务产品组使用</a:t>
+            </a:r>
+            <a:endParaRPr lang="en-US" altLang="zh-CN" dirty="0" smtClean="0"/>
+          </a:p>
+          <a:p>
+            <a:r>
+              <a:rPr lang="zh-CN" altLang="en-US" dirty="0"/>
+              <a:t>账</a:t>
+            </a:r>
+            <a:r>
+              <a:rPr lang="zh-CN" altLang="en-US" dirty="0" smtClean="0"/>
+              <a:t>号与权限目前由黄京负责</a:t>
+            </a:r>
+            <a:endParaRPr lang="en-US" altLang="zh-CN" dirty="0" smtClean="0"/>
+          </a:p>
+          <a:p>
+            <a:r>
+              <a:rPr lang="zh-CN" altLang="en-US" dirty="0"/>
+              <a:t>后</a:t>
+            </a:r>
+            <a:r>
+              <a:rPr lang="zh-CN" altLang="en-US" dirty="0" smtClean="0"/>
+              <a:t>续如果统一管理另行通知</a:t>
+            </a:r>
+            <a:endParaRPr lang="zh-CN" altLang="en-US" dirty="0"/>
+          </a:p>
+        </p:txBody>
+      </p:sp>
+    </p:spTree>
+    <p:extLst>
+      <p:ext uri="{BB962C8B-B14F-4D97-AF65-F5344CB8AC3E}">
+        <p14:creationId xmlns:p14="http://schemas.microsoft.com/office/powerpoint/2010/main" val="811887280"/>
+      </p:ext>
+    </p:extLst>
+  </p:cSld>
+  <p:clrMapOvr>
+    <a:masterClrMapping/>
+  </p:clrMapOvr>
+</p:sld>
+</file>
+
+<file path=ppt/slides/slide12.xml><?xml version="1.0" encoding="utf-8"?>
+<p:sld xmlns:a="http://schemas.openxmlformats.org/drawingml/2006/main" xmlns:r="http://schemas.openxmlformats.org/officeDocument/2006/relationships" xmlns:p="http://schemas.openxmlformats.org/presentationml/2006/main">
+  <p:cSld>
+    <p:spTree>
+      <p:nvGrpSpPr>
+        <p:cNvPr id="1" name=""/>
+        <p:cNvGrpSpPr/>
+        <p:nvPr/>
+      </p:nvGrpSpPr>
+      <p:grpSpPr>
+        <a:xfrm>
+          <a:off x="0" y="0"/>
+          <a:ext cx="0" cy="0"/>
+          <a:chOff x="0" y="0"/>
+          <a:chExt cx="0" cy="0"/>
+        </a:xfrm>
+      </p:grpSpPr>
+      <p:sp>
+        <p:nvSpPr>
           <p:cNvPr id="5" name="MH_Others_10"/>
           <p:cNvSpPr txBox="1"/>
           <p:nvPr>
@@ -6274,7 +6401,7 @@
 </p:sld>
 </file>
 
-<file path=ppt/slides/slide12.xml><?xml version="1.0" encoding="utf-8"?>
+<file path=ppt/slides/slide13.xml><?xml version="1.0" encoding="utf-8"?>
 <p:sld xmlns:a="http://schemas.openxmlformats.org/drawingml/2006/main" xmlns:r="http://schemas.openxmlformats.org/officeDocument/2006/relationships" xmlns:p="http://schemas.openxmlformats.org/presentationml/2006/main">
   <p:cSld>
     <p:spTree>
@@ -8816,7 +8943,7 @@
 </p:sld>
 </file>
 
-<file path=ppt/slides/slide13.xml><?xml version="1.0" encoding="utf-8"?>
+<file path=ppt/slides/slide14.xml><?xml version="1.0" encoding="utf-8"?>
 <p:sld xmlns:a="http://schemas.openxmlformats.org/drawingml/2006/main" xmlns:r="http://schemas.openxmlformats.org/officeDocument/2006/relationships" xmlns:p="http://schemas.openxmlformats.org/presentationml/2006/main">
   <p:cSld>
     <p:spTree>
@@ -8996,7 +9123,7 @@
 </p:sld>
 </file>
 
-<file path=ppt/slides/slide14.xml><?xml version="1.0" encoding="utf-8"?>
+<file path=ppt/slides/slide15.xml><?xml version="1.0" encoding="utf-8"?>
 <p:sld xmlns:a="http://schemas.openxmlformats.org/drawingml/2006/main" xmlns:r="http://schemas.openxmlformats.org/officeDocument/2006/relationships" xmlns:p="http://schemas.openxmlformats.org/presentationml/2006/main">
   <p:cSld>
     <p:spTree>
@@ -9270,7 +9397,7 @@
 </p:sld>
 </file>
 
-<file path=ppt/slides/slide15.xml><?xml version="1.0" encoding="utf-8"?>
+<file path=ppt/slides/slide16.xml><?xml version="1.0" encoding="utf-8"?>
 <p:sld xmlns:a="http://schemas.openxmlformats.org/drawingml/2006/main" xmlns:r="http://schemas.openxmlformats.org/officeDocument/2006/relationships" xmlns:p="http://schemas.openxmlformats.org/presentationml/2006/main">
   <p:cSld>
     <p:spTree>
@@ -9509,7 +9636,7 @@
 </p:sld>
 </file>
 
-<file path=ppt/slides/slide16.xml><?xml version="1.0" encoding="utf-8"?>
+<file path=ppt/slides/slide17.xml><?xml version="1.0" encoding="utf-8"?>
 <p:sld xmlns:a="http://schemas.openxmlformats.org/drawingml/2006/main" xmlns:r="http://schemas.openxmlformats.org/officeDocument/2006/relationships" xmlns:p="http://schemas.openxmlformats.org/presentationml/2006/main">
   <p:cSld>
     <p:spTree>
@@ -9650,7 +9777,7 @@
 </p:sld>
 </file>
 
-<file path=ppt/slides/slide17.xml><?xml version="1.0" encoding="utf-8"?>
+<file path=ppt/slides/slide18.xml><?xml version="1.0" encoding="utf-8"?>
 <p:sld xmlns:a="http://schemas.openxmlformats.org/drawingml/2006/main" xmlns:r="http://schemas.openxmlformats.org/officeDocument/2006/relationships" xmlns:p="http://schemas.openxmlformats.org/presentationml/2006/main">
   <p:cSld>
     <p:spTree>
@@ -9835,7 +9962,7 @@
 </p:sld>
 </file>
 
-<file path=ppt/slides/slide18.xml><?xml version="1.0" encoding="utf-8"?>
+<file path=ppt/slides/slide19.xml><?xml version="1.0" encoding="utf-8"?>
 <p:sld xmlns:a="http://schemas.openxmlformats.org/drawingml/2006/main" xmlns:r="http://schemas.openxmlformats.org/officeDocument/2006/relationships" xmlns:p="http://schemas.openxmlformats.org/presentationml/2006/main">
   <p:cSld>
     <p:spTree>
@@ -10238,1385 +10365,6 @@
 </p:sld>
 </file>
 
-<file path=ppt/slides/slide19.xml><?xml version="1.0" encoding="utf-8"?>
-<p:sld xmlns:a="http://schemas.openxmlformats.org/drawingml/2006/main" xmlns:r="http://schemas.openxmlformats.org/officeDocument/2006/relationships" xmlns:p="http://schemas.openxmlformats.org/presentationml/2006/main">
-  <p:cSld>
-    <p:spTree>
-      <p:nvGrpSpPr>
-        <p:cNvPr id="1" name=""/>
-        <p:cNvGrpSpPr/>
-        <p:nvPr/>
-      </p:nvGrpSpPr>
-      <p:grpSpPr>
-        <a:xfrm>
-          <a:off x="0" y="0"/>
-          <a:ext cx="0" cy="0"/>
-          <a:chOff x="0" y="0"/>
-          <a:chExt cx="0" cy="0"/>
-        </a:xfrm>
-      </p:grpSpPr>
-      <p:sp>
-        <p:nvSpPr>
-          <p:cNvPr id="5" name="MH_Others_10"/>
-          <p:cNvSpPr txBox="1"/>
-          <p:nvPr>
-            <p:custDataLst>
-              <p:tags r:id="rId2"/>
-            </p:custDataLst>
-          </p:nvPr>
-        </p:nvSpPr>
-        <p:spPr>
-          <a:xfrm>
-            <a:off x="558800" y="571055"/>
-            <a:ext cx="1460500" cy="646331"/>
-          </a:xfrm>
-          <a:prstGeom prst="rect">
-            <a:avLst/>
-          </a:prstGeom>
-          <a:noFill/>
-          <a:ln>
-            <a:noFill/>
-          </a:ln>
-        </p:spPr>
-        <p:txBody>
-          <a:bodyPr wrap="square" lIns="0" tIns="0" rIns="0" bIns="0" rtlCol="0" anchor="ctr" anchorCtr="0">
-            <a:noAutofit/>
-          </a:bodyPr>
-          <a:lstStyle/>
-          <a:p>
-            <a:pPr algn="ctr"/>
-            <a:r>
-              <a:rPr lang="zh-CN" altLang="en-US" sz="4800" b="1" smtClean="0">
-                <a:latin typeface="微软雅黑" panose="020B0503020204020204" pitchFamily="34" charset="-122"/>
-                <a:ea typeface="微软雅黑" panose="020B0503020204020204" pitchFamily="34" charset="-122"/>
-              </a:rPr>
-              <a:t>目录</a:t>
-            </a:r>
-            <a:endParaRPr lang="zh-CN" altLang="en-US" sz="4800" b="1">
-              <a:latin typeface="微软雅黑" panose="020B0503020204020204" pitchFamily="34" charset="-122"/>
-              <a:ea typeface="微软雅黑" panose="020B0503020204020204" pitchFamily="34" charset="-122"/>
-            </a:endParaRPr>
-          </a:p>
-        </p:txBody>
-      </p:sp>
-      <p:sp>
-        <p:nvSpPr>
-          <p:cNvPr id="40" name="MH_Others_1"/>
-          <p:cNvSpPr/>
-          <p:nvPr>
-            <p:custDataLst>
-              <p:tags r:id="rId3"/>
-            </p:custDataLst>
-          </p:nvPr>
-        </p:nvSpPr>
-        <p:spPr>
-          <a:xfrm>
-            <a:off x="2425699" y="2116352"/>
-            <a:ext cx="317500" cy="492528"/>
-          </a:xfrm>
-          <a:custGeom>
-            <a:avLst/>
-            <a:gdLst>
-              <a:gd name="connsiteX0" fmla="*/ 203199 w 203199"/>
-              <a:gd name="connsiteY0" fmla="*/ 0 h 210018"/>
-              <a:gd name="connsiteX1" fmla="*/ 203199 w 203199"/>
-              <a:gd name="connsiteY1" fmla="*/ 210018 h 210018"/>
-              <a:gd name="connsiteX2" fmla="*/ 0 w 203199"/>
-              <a:gd name="connsiteY2" fmla="*/ 210018 h 210018"/>
-              <a:gd name="connsiteX3" fmla="*/ 0 w 203199"/>
-              <a:gd name="connsiteY3" fmla="*/ 209707 h 210018"/>
-            </a:gdLst>
-            <a:ahLst/>
-            <a:cxnLst>
-              <a:cxn ang="0">
-                <a:pos x="connsiteX0" y="connsiteY0"/>
-              </a:cxn>
-              <a:cxn ang="0">
-                <a:pos x="connsiteX1" y="connsiteY1"/>
-              </a:cxn>
-              <a:cxn ang="0">
-                <a:pos x="connsiteX2" y="connsiteY2"/>
-              </a:cxn>
-              <a:cxn ang="0">
-                <a:pos x="connsiteX3" y="connsiteY3"/>
-              </a:cxn>
-            </a:cxnLst>
-            <a:rect l="l" t="t" r="r" b="b"/>
-            <a:pathLst>
-              <a:path w="203199" h="210018">
-                <a:moveTo>
-                  <a:pt x="203199" y="0"/>
-                </a:moveTo>
-                <a:lnTo>
-                  <a:pt x="203199" y="210018"/>
-                </a:lnTo>
-                <a:lnTo>
-                  <a:pt x="0" y="210018"/>
-                </a:lnTo>
-                <a:lnTo>
-                  <a:pt x="0" y="209707"/>
-                </a:lnTo>
-                <a:close/>
-              </a:path>
-            </a:pathLst>
-          </a:custGeom>
-          <a:solidFill>
-            <a:srgbClr val="E4E4E4"/>
-          </a:solidFill>
-          <a:ln>
-            <a:noFill/>
-          </a:ln>
-        </p:spPr>
-        <p:style>
-          <a:lnRef idx="2">
-            <a:schemeClr val="accent1">
-              <a:shade val="50000"/>
-            </a:schemeClr>
-          </a:lnRef>
-          <a:fillRef idx="1">
-            <a:schemeClr val="accent1"/>
-          </a:fillRef>
-          <a:effectRef idx="0">
-            <a:schemeClr val="accent1"/>
-          </a:effectRef>
-          <a:fontRef idx="minor">
-            <a:schemeClr val="lt1"/>
-          </a:fontRef>
-        </p:style>
-        <p:txBody>
-          <a:bodyPr rot="0" spcFirstLastPara="0" vertOverflow="overflow" horzOverflow="overflow" vert="horz" wrap="square" lIns="108000" tIns="0" rIns="0" bIns="0" numCol="1" spcCol="0" rtlCol="0" fromWordArt="0" anchor="ctr" anchorCtr="0" forceAA="0" compatLnSpc="1">
-            <a:noAutofit/>
-          </a:bodyPr>
-          <a:lstStyle/>
-          <a:p>
-            <a:pPr algn="ctr"/>
-            <a:endParaRPr lang="zh-CN" altLang="en-US"/>
-          </a:p>
-        </p:txBody>
-      </p:sp>
-      <p:sp>
-        <p:nvSpPr>
-          <p:cNvPr id="49" name="MH_Others_2"/>
-          <p:cNvSpPr/>
-          <p:nvPr>
-            <p:custDataLst>
-              <p:tags r:id="rId4"/>
-            </p:custDataLst>
-          </p:nvPr>
-        </p:nvSpPr>
-        <p:spPr>
-          <a:xfrm>
-            <a:off x="2425699" y="2968670"/>
-            <a:ext cx="317500" cy="492528"/>
-          </a:xfrm>
-          <a:custGeom>
-            <a:avLst/>
-            <a:gdLst>
-              <a:gd name="connsiteX0" fmla="*/ 203199 w 203199"/>
-              <a:gd name="connsiteY0" fmla="*/ 0 h 210018"/>
-              <a:gd name="connsiteX1" fmla="*/ 203199 w 203199"/>
-              <a:gd name="connsiteY1" fmla="*/ 210018 h 210018"/>
-              <a:gd name="connsiteX2" fmla="*/ 0 w 203199"/>
-              <a:gd name="connsiteY2" fmla="*/ 210018 h 210018"/>
-              <a:gd name="connsiteX3" fmla="*/ 0 w 203199"/>
-              <a:gd name="connsiteY3" fmla="*/ 209707 h 210018"/>
-            </a:gdLst>
-            <a:ahLst/>
-            <a:cxnLst>
-              <a:cxn ang="0">
-                <a:pos x="connsiteX0" y="connsiteY0"/>
-              </a:cxn>
-              <a:cxn ang="0">
-                <a:pos x="connsiteX1" y="connsiteY1"/>
-              </a:cxn>
-              <a:cxn ang="0">
-                <a:pos x="connsiteX2" y="connsiteY2"/>
-              </a:cxn>
-              <a:cxn ang="0">
-                <a:pos x="connsiteX3" y="connsiteY3"/>
-              </a:cxn>
-            </a:cxnLst>
-            <a:rect l="l" t="t" r="r" b="b"/>
-            <a:pathLst>
-              <a:path w="203199" h="210018">
-                <a:moveTo>
-                  <a:pt x="203199" y="0"/>
-                </a:moveTo>
-                <a:lnTo>
-                  <a:pt x="203199" y="210018"/>
-                </a:lnTo>
-                <a:lnTo>
-                  <a:pt x="0" y="210018"/>
-                </a:lnTo>
-                <a:lnTo>
-                  <a:pt x="0" y="209707"/>
-                </a:lnTo>
-                <a:close/>
-              </a:path>
-            </a:pathLst>
-          </a:custGeom>
-          <a:solidFill>
-            <a:srgbClr val="E4E4E4"/>
-          </a:solidFill>
-          <a:ln>
-            <a:noFill/>
-          </a:ln>
-        </p:spPr>
-        <p:style>
-          <a:lnRef idx="2">
-            <a:schemeClr val="accent1">
-              <a:shade val="50000"/>
-            </a:schemeClr>
-          </a:lnRef>
-          <a:fillRef idx="1">
-            <a:schemeClr val="accent1"/>
-          </a:fillRef>
-          <a:effectRef idx="0">
-            <a:schemeClr val="accent1"/>
-          </a:effectRef>
-          <a:fontRef idx="minor">
-            <a:schemeClr val="lt1"/>
-          </a:fontRef>
-        </p:style>
-        <p:txBody>
-          <a:bodyPr rot="0" spcFirstLastPara="0" vertOverflow="overflow" horzOverflow="overflow" vert="horz" wrap="square" lIns="108000" tIns="0" rIns="0" bIns="0" numCol="1" spcCol="0" rtlCol="0" fromWordArt="0" anchor="ctr" anchorCtr="0" forceAA="0" compatLnSpc="1">
-            <a:noAutofit/>
-          </a:bodyPr>
-          <a:lstStyle/>
-          <a:p>
-            <a:pPr algn="ctr"/>
-            <a:endParaRPr lang="zh-CN" altLang="en-US"/>
-          </a:p>
-        </p:txBody>
-      </p:sp>
-      <p:sp>
-        <p:nvSpPr>
-          <p:cNvPr id="61" name="MH_Others_3"/>
-          <p:cNvSpPr/>
-          <p:nvPr>
-            <p:custDataLst>
-              <p:tags r:id="rId5"/>
-            </p:custDataLst>
-          </p:nvPr>
-        </p:nvSpPr>
-        <p:spPr>
-          <a:xfrm>
-            <a:off x="2425699" y="3820990"/>
-            <a:ext cx="317500" cy="492528"/>
-          </a:xfrm>
-          <a:custGeom>
-            <a:avLst/>
-            <a:gdLst>
-              <a:gd name="connsiteX0" fmla="*/ 203199 w 203199"/>
-              <a:gd name="connsiteY0" fmla="*/ 0 h 210018"/>
-              <a:gd name="connsiteX1" fmla="*/ 203199 w 203199"/>
-              <a:gd name="connsiteY1" fmla="*/ 210018 h 210018"/>
-              <a:gd name="connsiteX2" fmla="*/ 0 w 203199"/>
-              <a:gd name="connsiteY2" fmla="*/ 210018 h 210018"/>
-              <a:gd name="connsiteX3" fmla="*/ 0 w 203199"/>
-              <a:gd name="connsiteY3" fmla="*/ 209707 h 210018"/>
-            </a:gdLst>
-            <a:ahLst/>
-            <a:cxnLst>
-              <a:cxn ang="0">
-                <a:pos x="connsiteX0" y="connsiteY0"/>
-              </a:cxn>
-              <a:cxn ang="0">
-                <a:pos x="connsiteX1" y="connsiteY1"/>
-              </a:cxn>
-              <a:cxn ang="0">
-                <a:pos x="connsiteX2" y="connsiteY2"/>
-              </a:cxn>
-              <a:cxn ang="0">
-                <a:pos x="connsiteX3" y="connsiteY3"/>
-              </a:cxn>
-            </a:cxnLst>
-            <a:rect l="l" t="t" r="r" b="b"/>
-            <a:pathLst>
-              <a:path w="203199" h="210018">
-                <a:moveTo>
-                  <a:pt x="203199" y="0"/>
-                </a:moveTo>
-                <a:lnTo>
-                  <a:pt x="203199" y="210018"/>
-                </a:lnTo>
-                <a:lnTo>
-                  <a:pt x="0" y="210018"/>
-                </a:lnTo>
-                <a:lnTo>
-                  <a:pt x="0" y="209707"/>
-                </a:lnTo>
-                <a:close/>
-              </a:path>
-            </a:pathLst>
-          </a:custGeom>
-          <a:solidFill>
-            <a:srgbClr val="E4E4E4"/>
-          </a:solidFill>
-          <a:ln>
-            <a:noFill/>
-          </a:ln>
-        </p:spPr>
-        <p:style>
-          <a:lnRef idx="2">
-            <a:schemeClr val="accent1">
-              <a:shade val="50000"/>
-            </a:schemeClr>
-          </a:lnRef>
-          <a:fillRef idx="1">
-            <a:schemeClr val="accent1"/>
-          </a:fillRef>
-          <a:effectRef idx="0">
-            <a:schemeClr val="accent1"/>
-          </a:effectRef>
-          <a:fontRef idx="minor">
-            <a:schemeClr val="lt1"/>
-          </a:fontRef>
-        </p:style>
-        <p:txBody>
-          <a:bodyPr rot="0" spcFirstLastPara="0" vertOverflow="overflow" horzOverflow="overflow" vert="horz" wrap="square" lIns="108000" tIns="0" rIns="0" bIns="0" numCol="1" spcCol="0" rtlCol="0" fromWordArt="0" anchor="ctr" anchorCtr="0" forceAA="0" compatLnSpc="1">
-            <a:noAutofit/>
-          </a:bodyPr>
-          <a:lstStyle/>
-          <a:p>
-            <a:pPr algn="ctr"/>
-            <a:endParaRPr lang="zh-CN" altLang="en-US"/>
-          </a:p>
-        </p:txBody>
-      </p:sp>
-      <p:sp>
-        <p:nvSpPr>
-          <p:cNvPr id="73" name="MH_Others_4"/>
-          <p:cNvSpPr/>
-          <p:nvPr>
-            <p:custDataLst>
-              <p:tags r:id="rId6"/>
-            </p:custDataLst>
-          </p:nvPr>
-        </p:nvSpPr>
-        <p:spPr>
-          <a:xfrm>
-            <a:off x="2425699" y="4673309"/>
-            <a:ext cx="317500" cy="492528"/>
-          </a:xfrm>
-          <a:custGeom>
-            <a:avLst/>
-            <a:gdLst>
-              <a:gd name="connsiteX0" fmla="*/ 203199 w 203199"/>
-              <a:gd name="connsiteY0" fmla="*/ 0 h 210018"/>
-              <a:gd name="connsiteX1" fmla="*/ 203199 w 203199"/>
-              <a:gd name="connsiteY1" fmla="*/ 210018 h 210018"/>
-              <a:gd name="connsiteX2" fmla="*/ 0 w 203199"/>
-              <a:gd name="connsiteY2" fmla="*/ 210018 h 210018"/>
-              <a:gd name="connsiteX3" fmla="*/ 0 w 203199"/>
-              <a:gd name="connsiteY3" fmla="*/ 209707 h 210018"/>
-            </a:gdLst>
-            <a:ahLst/>
-            <a:cxnLst>
-              <a:cxn ang="0">
-                <a:pos x="connsiteX0" y="connsiteY0"/>
-              </a:cxn>
-              <a:cxn ang="0">
-                <a:pos x="connsiteX1" y="connsiteY1"/>
-              </a:cxn>
-              <a:cxn ang="0">
-                <a:pos x="connsiteX2" y="connsiteY2"/>
-              </a:cxn>
-              <a:cxn ang="0">
-                <a:pos x="connsiteX3" y="connsiteY3"/>
-              </a:cxn>
-            </a:cxnLst>
-            <a:rect l="l" t="t" r="r" b="b"/>
-            <a:pathLst>
-              <a:path w="203199" h="210018">
-                <a:moveTo>
-                  <a:pt x="203199" y="0"/>
-                </a:moveTo>
-                <a:lnTo>
-                  <a:pt x="203199" y="210018"/>
-                </a:lnTo>
-                <a:lnTo>
-                  <a:pt x="0" y="210018"/>
-                </a:lnTo>
-                <a:lnTo>
-                  <a:pt x="0" y="209707"/>
-                </a:lnTo>
-                <a:close/>
-              </a:path>
-            </a:pathLst>
-          </a:custGeom>
-          <a:solidFill>
-            <a:srgbClr val="E4E4E4"/>
-          </a:solidFill>
-          <a:ln>
-            <a:noFill/>
-          </a:ln>
-        </p:spPr>
-        <p:style>
-          <a:lnRef idx="2">
-            <a:schemeClr val="accent1">
-              <a:shade val="50000"/>
-            </a:schemeClr>
-          </a:lnRef>
-          <a:fillRef idx="1">
-            <a:schemeClr val="accent1"/>
-          </a:fillRef>
-          <a:effectRef idx="0">
-            <a:schemeClr val="accent1"/>
-          </a:effectRef>
-          <a:fontRef idx="minor">
-            <a:schemeClr val="lt1"/>
-          </a:fontRef>
-        </p:style>
-        <p:txBody>
-          <a:bodyPr rot="0" spcFirstLastPara="0" vertOverflow="overflow" horzOverflow="overflow" vert="horz" wrap="square" lIns="108000" tIns="0" rIns="0" bIns="0" numCol="1" spcCol="0" rtlCol="0" fromWordArt="0" anchor="ctr" anchorCtr="0" forceAA="0" compatLnSpc="1">
-            <a:noAutofit/>
-          </a:bodyPr>
-          <a:lstStyle/>
-          <a:p>
-            <a:pPr algn="ctr"/>
-            <a:endParaRPr lang="zh-CN" altLang="en-US"/>
-          </a:p>
-        </p:txBody>
-      </p:sp>
-      <p:sp>
-        <p:nvSpPr>
-          <p:cNvPr id="41" name="MH_Entry_1">
-            <a:hlinkClick r:id="rId16" action="ppaction://hlinksldjump"/>
-          </p:cNvPr>
-          <p:cNvSpPr/>
-          <p:nvPr>
-            <p:custDataLst>
-              <p:tags r:id="rId7"/>
-            </p:custDataLst>
-          </p:nvPr>
-        </p:nvSpPr>
-        <p:spPr>
-          <a:xfrm>
-            <a:off x="2514600" y="2064263"/>
-            <a:ext cx="6629400" cy="544613"/>
-          </a:xfrm>
-          <a:custGeom>
-            <a:avLst/>
-            <a:gdLst>
-              <a:gd name="connsiteX0" fmla="*/ 228599 w 6629400"/>
-              <a:gd name="connsiteY0" fmla="*/ 126626 h 362857"/>
-              <a:gd name="connsiteX1" fmla="*/ 228599 w 6629400"/>
-              <a:gd name="connsiteY1" fmla="*/ 362857 h 362857"/>
-              <a:gd name="connsiteX2" fmla="*/ 0 w 6629400"/>
-              <a:gd name="connsiteY2" fmla="*/ 362857 h 362857"/>
-              <a:gd name="connsiteX3" fmla="*/ 0 w 6629400"/>
-              <a:gd name="connsiteY3" fmla="*/ 362546 h 362857"/>
-              <a:gd name="connsiteX4" fmla="*/ 838200 w 6629400"/>
-              <a:gd name="connsiteY4" fmla="*/ 0 h 362857"/>
-              <a:gd name="connsiteX5" fmla="*/ 5791200 w 6629400"/>
-              <a:gd name="connsiteY5" fmla="*/ 0 h 362857"/>
-              <a:gd name="connsiteX6" fmla="*/ 6629400 w 6629400"/>
-              <a:gd name="connsiteY6" fmla="*/ 0 h 362857"/>
-              <a:gd name="connsiteX7" fmla="*/ 6629400 w 6629400"/>
-              <a:gd name="connsiteY7" fmla="*/ 362857 h 362857"/>
-              <a:gd name="connsiteX8" fmla="*/ 5791200 w 6629400"/>
-              <a:gd name="connsiteY8" fmla="*/ 362857 h 362857"/>
-              <a:gd name="connsiteX9" fmla="*/ 838200 w 6629400"/>
-              <a:gd name="connsiteY9" fmla="*/ 362857 h 362857"/>
-            </a:gdLst>
-            <a:ahLst/>
-            <a:cxnLst>
-              <a:cxn ang="0">
-                <a:pos x="connsiteX0" y="connsiteY0"/>
-              </a:cxn>
-              <a:cxn ang="0">
-                <a:pos x="connsiteX1" y="connsiteY1"/>
-              </a:cxn>
-              <a:cxn ang="0">
-                <a:pos x="connsiteX2" y="connsiteY2"/>
-              </a:cxn>
-              <a:cxn ang="0">
-                <a:pos x="connsiteX3" y="connsiteY3"/>
-              </a:cxn>
-              <a:cxn ang="0">
-                <a:pos x="connsiteX4" y="connsiteY4"/>
-              </a:cxn>
-              <a:cxn ang="0">
-                <a:pos x="connsiteX5" y="connsiteY5"/>
-              </a:cxn>
-              <a:cxn ang="0">
-                <a:pos x="connsiteX6" y="connsiteY6"/>
-              </a:cxn>
-              <a:cxn ang="0">
-                <a:pos x="connsiteX7" y="connsiteY7"/>
-              </a:cxn>
-              <a:cxn ang="0">
-                <a:pos x="connsiteX8" y="connsiteY8"/>
-              </a:cxn>
-              <a:cxn ang="0">
-                <a:pos x="connsiteX9" y="connsiteY9"/>
-              </a:cxn>
-            </a:cxnLst>
-            <a:rect l="l" t="t" r="r" b="b"/>
-            <a:pathLst>
-              <a:path w="6629400" h="362857">
-                <a:moveTo>
-                  <a:pt x="228599" y="126626"/>
-                </a:moveTo>
-                <a:lnTo>
-                  <a:pt x="228599" y="362857"/>
-                </a:lnTo>
-                <a:lnTo>
-                  <a:pt x="0" y="362857"/>
-                </a:lnTo>
-                <a:lnTo>
-                  <a:pt x="0" y="362546"/>
-                </a:lnTo>
-                <a:close/>
-                <a:moveTo>
-                  <a:pt x="838200" y="0"/>
-                </a:moveTo>
-                <a:lnTo>
-                  <a:pt x="5791200" y="0"/>
-                </a:lnTo>
-                <a:lnTo>
-                  <a:pt x="6629400" y="0"/>
-                </a:lnTo>
-                <a:lnTo>
-                  <a:pt x="6629400" y="362857"/>
-                </a:lnTo>
-                <a:lnTo>
-                  <a:pt x="5791200" y="362857"/>
-                </a:lnTo>
-                <a:lnTo>
-                  <a:pt x="838200" y="362857"/>
-                </a:lnTo>
-                <a:close/>
-              </a:path>
-            </a:pathLst>
-          </a:custGeom>
-          <a:solidFill>
-            <a:srgbClr val="E4E4E4"/>
-          </a:solidFill>
-          <a:ln>
-            <a:noFill/>
-          </a:ln>
-        </p:spPr>
-        <p:style>
-          <a:lnRef idx="2">
-            <a:schemeClr val="accent1">
-              <a:shade val="50000"/>
-            </a:schemeClr>
-          </a:lnRef>
-          <a:fillRef idx="1">
-            <a:schemeClr val="accent1"/>
-          </a:fillRef>
-          <a:effectRef idx="0">
-            <a:schemeClr val="accent1"/>
-          </a:effectRef>
-          <a:fontRef idx="minor">
-            <a:schemeClr val="lt1"/>
-          </a:fontRef>
-        </p:style>
-        <p:txBody>
-          <a:bodyPr rot="0" spcFirstLastPara="0" vertOverflow="overflow" horzOverflow="overflow" vert="horz" wrap="square" lIns="900000" tIns="0" rIns="0" bIns="0" numCol="1" spcCol="0" rtlCol="0" fromWordArt="0" anchor="ctr" anchorCtr="0" forceAA="0" compatLnSpc="1">
-            <a:normAutofit/>
-          </a:bodyPr>
-          <a:lstStyle/>
-          <a:p>
-            <a:r>
-              <a:rPr lang="zh-CN" altLang="en-US" spc="200">
-                <a:solidFill>
-                  <a:srgbClr val="FFFFFF"/>
-                </a:solidFill>
-              </a:rPr>
-              <a:t>岗位工作模板</a:t>
-            </a:r>
-            <a:r>
-              <a:rPr lang="en-US" altLang="zh-CN" spc="200">
-                <a:solidFill>
-                  <a:srgbClr val="FFFFFF"/>
-                </a:solidFill>
-              </a:rPr>
-              <a:t>-ECP</a:t>
-            </a:r>
-            <a:endParaRPr lang="zh-CN" altLang="en-US" spc="200">
-              <a:solidFill>
-                <a:srgbClr val="FFFFFF"/>
-              </a:solidFill>
-            </a:endParaRPr>
-          </a:p>
-        </p:txBody>
-      </p:sp>
-      <p:sp>
-        <p:nvSpPr>
-          <p:cNvPr id="39" name="MH_Number_1">
-            <a:hlinkClick r:id="rId16" action="ppaction://hlinksldjump"/>
-          </p:cNvPr>
-          <p:cNvSpPr/>
-          <p:nvPr>
-            <p:custDataLst>
-              <p:tags r:id="rId8"/>
-            </p:custDataLst>
-          </p:nvPr>
-        </p:nvSpPr>
-        <p:spPr>
-          <a:xfrm>
-            <a:off x="2743199" y="2064262"/>
-            <a:ext cx="609601" cy="544615"/>
-          </a:xfrm>
-          <a:prstGeom prst="rect">
-            <a:avLst/>
-          </a:prstGeom>
-          <a:noFill/>
-          <a:ln>
-            <a:noFill/>
-          </a:ln>
-        </p:spPr>
-        <p:style>
-          <a:lnRef idx="2">
-            <a:schemeClr val="accent1">
-              <a:shade val="50000"/>
-            </a:schemeClr>
-          </a:lnRef>
-          <a:fillRef idx="1">
-            <a:schemeClr val="accent1"/>
-          </a:fillRef>
-          <a:effectRef idx="0">
-            <a:schemeClr val="accent1"/>
-          </a:effectRef>
-          <a:fontRef idx="minor">
-            <a:schemeClr val="lt1"/>
-          </a:fontRef>
-        </p:style>
-        <p:txBody>
-          <a:bodyPr wrap="square" lIns="0" tIns="0" rIns="0" bIns="0" rtlCol="0" anchor="ctr">
-            <a:normAutofit/>
-          </a:bodyPr>
-          <a:lstStyle/>
-          <a:p>
-            <a:pPr algn="ctr"/>
-            <a:r>
-              <a:rPr lang="en-US" altLang="zh-CN" sz="2400">
-                <a:solidFill>
-                  <a:srgbClr val="B2B2B2"/>
-                </a:solidFill>
-                <a:cs typeface="Times New Roman" panose="02020603050405020304" pitchFamily="18" charset="0"/>
-              </a:rPr>
-              <a:t>01</a:t>
-            </a:r>
-            <a:endParaRPr lang="zh-CN" altLang="en-US" sz="2400">
-              <a:solidFill>
-                <a:srgbClr val="B2B2B2"/>
-              </a:solidFill>
-              <a:cs typeface="Times New Roman" panose="02020603050405020304" pitchFamily="18" charset="0"/>
-            </a:endParaRPr>
-          </a:p>
-        </p:txBody>
-      </p:sp>
-      <p:sp>
-        <p:nvSpPr>
-          <p:cNvPr id="53" name="MH_Entry_2">
-            <a:hlinkClick r:id="rId17" action="ppaction://hlinksldjump"/>
-          </p:cNvPr>
-          <p:cNvSpPr/>
-          <p:nvPr>
-            <p:custDataLst>
-              <p:tags r:id="rId9"/>
-            </p:custDataLst>
-          </p:nvPr>
-        </p:nvSpPr>
-        <p:spPr>
-          <a:xfrm>
-            <a:off x="2514600" y="2916583"/>
-            <a:ext cx="6629400" cy="544613"/>
-          </a:xfrm>
-          <a:custGeom>
-            <a:avLst/>
-            <a:gdLst>
-              <a:gd name="connsiteX0" fmla="*/ 228599 w 6629400"/>
-              <a:gd name="connsiteY0" fmla="*/ 126626 h 362857"/>
-              <a:gd name="connsiteX1" fmla="*/ 228599 w 6629400"/>
-              <a:gd name="connsiteY1" fmla="*/ 362857 h 362857"/>
-              <a:gd name="connsiteX2" fmla="*/ 0 w 6629400"/>
-              <a:gd name="connsiteY2" fmla="*/ 362857 h 362857"/>
-              <a:gd name="connsiteX3" fmla="*/ 0 w 6629400"/>
-              <a:gd name="connsiteY3" fmla="*/ 362546 h 362857"/>
-              <a:gd name="connsiteX4" fmla="*/ 838200 w 6629400"/>
-              <a:gd name="connsiteY4" fmla="*/ 0 h 362857"/>
-              <a:gd name="connsiteX5" fmla="*/ 5791200 w 6629400"/>
-              <a:gd name="connsiteY5" fmla="*/ 0 h 362857"/>
-              <a:gd name="connsiteX6" fmla="*/ 6629400 w 6629400"/>
-              <a:gd name="connsiteY6" fmla="*/ 0 h 362857"/>
-              <a:gd name="connsiteX7" fmla="*/ 6629400 w 6629400"/>
-              <a:gd name="connsiteY7" fmla="*/ 362857 h 362857"/>
-              <a:gd name="connsiteX8" fmla="*/ 5791200 w 6629400"/>
-              <a:gd name="connsiteY8" fmla="*/ 362857 h 362857"/>
-              <a:gd name="connsiteX9" fmla="*/ 838200 w 6629400"/>
-              <a:gd name="connsiteY9" fmla="*/ 362857 h 362857"/>
-            </a:gdLst>
-            <a:ahLst/>
-            <a:cxnLst>
-              <a:cxn ang="0">
-                <a:pos x="connsiteX0" y="connsiteY0"/>
-              </a:cxn>
-              <a:cxn ang="0">
-                <a:pos x="connsiteX1" y="connsiteY1"/>
-              </a:cxn>
-              <a:cxn ang="0">
-                <a:pos x="connsiteX2" y="connsiteY2"/>
-              </a:cxn>
-              <a:cxn ang="0">
-                <a:pos x="connsiteX3" y="connsiteY3"/>
-              </a:cxn>
-              <a:cxn ang="0">
-                <a:pos x="connsiteX4" y="connsiteY4"/>
-              </a:cxn>
-              <a:cxn ang="0">
-                <a:pos x="connsiteX5" y="connsiteY5"/>
-              </a:cxn>
-              <a:cxn ang="0">
-                <a:pos x="connsiteX6" y="connsiteY6"/>
-              </a:cxn>
-              <a:cxn ang="0">
-                <a:pos x="connsiteX7" y="connsiteY7"/>
-              </a:cxn>
-              <a:cxn ang="0">
-                <a:pos x="connsiteX8" y="connsiteY8"/>
-              </a:cxn>
-              <a:cxn ang="0">
-                <a:pos x="connsiteX9" y="connsiteY9"/>
-              </a:cxn>
-            </a:cxnLst>
-            <a:rect l="l" t="t" r="r" b="b"/>
-            <a:pathLst>
-              <a:path w="6629400" h="362857">
-                <a:moveTo>
-                  <a:pt x="228599" y="126626"/>
-                </a:moveTo>
-                <a:lnTo>
-                  <a:pt x="228599" y="362857"/>
-                </a:lnTo>
-                <a:lnTo>
-                  <a:pt x="0" y="362857"/>
-                </a:lnTo>
-                <a:lnTo>
-                  <a:pt x="0" y="362546"/>
-                </a:lnTo>
-                <a:close/>
-                <a:moveTo>
-                  <a:pt x="838200" y="0"/>
-                </a:moveTo>
-                <a:lnTo>
-                  <a:pt x="5791200" y="0"/>
-                </a:lnTo>
-                <a:lnTo>
-                  <a:pt x="6629400" y="0"/>
-                </a:lnTo>
-                <a:lnTo>
-                  <a:pt x="6629400" y="362857"/>
-                </a:lnTo>
-                <a:lnTo>
-                  <a:pt x="5791200" y="362857"/>
-                </a:lnTo>
-                <a:lnTo>
-                  <a:pt x="838200" y="362857"/>
-                </a:lnTo>
-                <a:close/>
-              </a:path>
-            </a:pathLst>
-          </a:custGeom>
-          <a:solidFill>
-            <a:srgbClr val="E4E4E4"/>
-          </a:solidFill>
-          <a:ln>
-            <a:noFill/>
-          </a:ln>
-        </p:spPr>
-        <p:style>
-          <a:lnRef idx="2">
-            <a:schemeClr val="accent1">
-              <a:shade val="50000"/>
-            </a:schemeClr>
-          </a:lnRef>
-          <a:fillRef idx="1">
-            <a:schemeClr val="accent1"/>
-          </a:fillRef>
-          <a:effectRef idx="0">
-            <a:schemeClr val="accent1"/>
-          </a:effectRef>
-          <a:fontRef idx="minor">
-            <a:schemeClr val="lt1"/>
-          </a:fontRef>
-        </p:style>
-        <p:txBody>
-          <a:bodyPr rot="0" spcFirstLastPara="0" vertOverflow="overflow" horzOverflow="overflow" vert="horz" wrap="square" lIns="900000" tIns="0" rIns="0" bIns="0" numCol="1" spcCol="0" rtlCol="0" fromWordArt="0" anchor="ctr" anchorCtr="0" forceAA="0" compatLnSpc="1">
-            <a:normAutofit/>
-          </a:bodyPr>
-          <a:lstStyle/>
-          <a:p>
-            <a:r>
-              <a:rPr lang="en-US" altLang="zh-CN" spc="200">
-                <a:solidFill>
-                  <a:srgbClr val="FFFFFF"/>
-                </a:solidFill>
-              </a:rPr>
-              <a:t>SVN&amp;Git</a:t>
-            </a:r>
-            <a:endParaRPr lang="zh-CN" altLang="en-US" spc="200">
-              <a:solidFill>
-                <a:srgbClr val="FFFFFF"/>
-              </a:solidFill>
-            </a:endParaRPr>
-          </a:p>
-        </p:txBody>
-      </p:sp>
-      <p:sp>
-        <p:nvSpPr>
-          <p:cNvPr id="57" name="MH_Number_2">
-            <a:hlinkClick r:id="rId17" action="ppaction://hlinksldjump"/>
-          </p:cNvPr>
-          <p:cNvSpPr/>
-          <p:nvPr>
-            <p:custDataLst>
-              <p:tags r:id="rId10"/>
-            </p:custDataLst>
-          </p:nvPr>
-        </p:nvSpPr>
-        <p:spPr>
-          <a:xfrm>
-            <a:off x="2743199" y="2916582"/>
-            <a:ext cx="609601" cy="544615"/>
-          </a:xfrm>
-          <a:prstGeom prst="rect">
-            <a:avLst/>
-          </a:prstGeom>
-          <a:noFill/>
-          <a:ln>
-            <a:noFill/>
-          </a:ln>
-        </p:spPr>
-        <p:style>
-          <a:lnRef idx="2">
-            <a:schemeClr val="accent1">
-              <a:shade val="50000"/>
-            </a:schemeClr>
-          </a:lnRef>
-          <a:fillRef idx="1">
-            <a:schemeClr val="accent1"/>
-          </a:fillRef>
-          <a:effectRef idx="0">
-            <a:schemeClr val="accent1"/>
-          </a:effectRef>
-          <a:fontRef idx="minor">
-            <a:schemeClr val="lt1"/>
-          </a:fontRef>
-        </p:style>
-        <p:txBody>
-          <a:bodyPr wrap="square" lIns="0" tIns="0" rIns="0" bIns="0" rtlCol="0" anchor="ctr">
-            <a:normAutofit/>
-          </a:bodyPr>
-          <a:lstStyle/>
-          <a:p>
-            <a:pPr algn="ctr"/>
-            <a:r>
-              <a:rPr lang="en-US" altLang="zh-CN" sz="2400">
-                <a:solidFill>
-                  <a:srgbClr val="B2B2B2"/>
-                </a:solidFill>
-                <a:cs typeface="Times New Roman" panose="02020603050405020304" pitchFamily="18" charset="0"/>
-              </a:rPr>
-              <a:t>02</a:t>
-            </a:r>
-            <a:endParaRPr lang="zh-CN" altLang="en-US" sz="2400">
-              <a:solidFill>
-                <a:srgbClr val="B2B2B2"/>
-              </a:solidFill>
-              <a:cs typeface="Times New Roman" panose="02020603050405020304" pitchFamily="18" charset="0"/>
-            </a:endParaRPr>
-          </a:p>
-        </p:txBody>
-      </p:sp>
-      <p:sp>
-        <p:nvSpPr>
-          <p:cNvPr id="65" name="MH_Entry_3">
-            <a:hlinkClick r:id="rId18" action="ppaction://hlinksldjump"/>
-          </p:cNvPr>
-          <p:cNvSpPr/>
-          <p:nvPr>
-            <p:custDataLst>
-              <p:tags r:id="rId11"/>
-            </p:custDataLst>
-          </p:nvPr>
-        </p:nvSpPr>
-        <p:spPr>
-          <a:xfrm>
-            <a:off x="2514600" y="3768903"/>
-            <a:ext cx="6629400" cy="544613"/>
-          </a:xfrm>
-          <a:custGeom>
-            <a:avLst/>
-            <a:gdLst>
-              <a:gd name="connsiteX0" fmla="*/ 228599 w 6629400"/>
-              <a:gd name="connsiteY0" fmla="*/ 126626 h 362857"/>
-              <a:gd name="connsiteX1" fmla="*/ 228599 w 6629400"/>
-              <a:gd name="connsiteY1" fmla="*/ 362857 h 362857"/>
-              <a:gd name="connsiteX2" fmla="*/ 0 w 6629400"/>
-              <a:gd name="connsiteY2" fmla="*/ 362857 h 362857"/>
-              <a:gd name="connsiteX3" fmla="*/ 0 w 6629400"/>
-              <a:gd name="connsiteY3" fmla="*/ 362546 h 362857"/>
-              <a:gd name="connsiteX4" fmla="*/ 838200 w 6629400"/>
-              <a:gd name="connsiteY4" fmla="*/ 0 h 362857"/>
-              <a:gd name="connsiteX5" fmla="*/ 5791200 w 6629400"/>
-              <a:gd name="connsiteY5" fmla="*/ 0 h 362857"/>
-              <a:gd name="connsiteX6" fmla="*/ 6629400 w 6629400"/>
-              <a:gd name="connsiteY6" fmla="*/ 0 h 362857"/>
-              <a:gd name="connsiteX7" fmla="*/ 6629400 w 6629400"/>
-              <a:gd name="connsiteY7" fmla="*/ 362857 h 362857"/>
-              <a:gd name="connsiteX8" fmla="*/ 5791200 w 6629400"/>
-              <a:gd name="connsiteY8" fmla="*/ 362857 h 362857"/>
-              <a:gd name="connsiteX9" fmla="*/ 838200 w 6629400"/>
-              <a:gd name="connsiteY9" fmla="*/ 362857 h 362857"/>
-            </a:gdLst>
-            <a:ahLst/>
-            <a:cxnLst>
-              <a:cxn ang="0">
-                <a:pos x="connsiteX0" y="connsiteY0"/>
-              </a:cxn>
-              <a:cxn ang="0">
-                <a:pos x="connsiteX1" y="connsiteY1"/>
-              </a:cxn>
-              <a:cxn ang="0">
-                <a:pos x="connsiteX2" y="connsiteY2"/>
-              </a:cxn>
-              <a:cxn ang="0">
-                <a:pos x="connsiteX3" y="connsiteY3"/>
-              </a:cxn>
-              <a:cxn ang="0">
-                <a:pos x="connsiteX4" y="connsiteY4"/>
-              </a:cxn>
-              <a:cxn ang="0">
-                <a:pos x="connsiteX5" y="connsiteY5"/>
-              </a:cxn>
-              <a:cxn ang="0">
-                <a:pos x="connsiteX6" y="connsiteY6"/>
-              </a:cxn>
-              <a:cxn ang="0">
-                <a:pos x="connsiteX7" y="connsiteY7"/>
-              </a:cxn>
-              <a:cxn ang="0">
-                <a:pos x="connsiteX8" y="connsiteY8"/>
-              </a:cxn>
-              <a:cxn ang="0">
-                <a:pos x="connsiteX9" y="connsiteY9"/>
-              </a:cxn>
-            </a:cxnLst>
-            <a:rect l="l" t="t" r="r" b="b"/>
-            <a:pathLst>
-              <a:path w="6629400" h="362857">
-                <a:moveTo>
-                  <a:pt x="228599" y="126626"/>
-                </a:moveTo>
-                <a:lnTo>
-                  <a:pt x="228599" y="362857"/>
-                </a:lnTo>
-                <a:lnTo>
-                  <a:pt x="0" y="362857"/>
-                </a:lnTo>
-                <a:lnTo>
-                  <a:pt x="0" y="362546"/>
-                </a:lnTo>
-                <a:close/>
-                <a:moveTo>
-                  <a:pt x="838200" y="0"/>
-                </a:moveTo>
-                <a:lnTo>
-                  <a:pt x="5791200" y="0"/>
-                </a:lnTo>
-                <a:lnTo>
-                  <a:pt x="6629400" y="0"/>
-                </a:lnTo>
-                <a:lnTo>
-                  <a:pt x="6629400" y="362857"/>
-                </a:lnTo>
-                <a:lnTo>
-                  <a:pt x="5791200" y="362857"/>
-                </a:lnTo>
-                <a:lnTo>
-                  <a:pt x="838200" y="362857"/>
-                </a:lnTo>
-                <a:close/>
-              </a:path>
-            </a:pathLst>
-          </a:custGeom>
-          <a:solidFill>
-            <a:srgbClr val="E4E4E4"/>
-          </a:solidFill>
-          <a:ln>
-            <a:noFill/>
-          </a:ln>
-        </p:spPr>
-        <p:style>
-          <a:lnRef idx="2">
-            <a:schemeClr val="accent1">
-              <a:shade val="50000"/>
-            </a:schemeClr>
-          </a:lnRef>
-          <a:fillRef idx="1">
-            <a:schemeClr val="accent1"/>
-          </a:fillRef>
-          <a:effectRef idx="0">
-            <a:schemeClr val="accent1"/>
-          </a:effectRef>
-          <a:fontRef idx="minor">
-            <a:schemeClr val="lt1"/>
-          </a:fontRef>
-        </p:style>
-        <p:txBody>
-          <a:bodyPr rot="0" spcFirstLastPara="0" vertOverflow="overflow" horzOverflow="overflow" vert="horz" wrap="square" lIns="900000" tIns="0" rIns="0" bIns="0" numCol="1" spcCol="0" rtlCol="0" fromWordArt="0" anchor="ctr" anchorCtr="0" forceAA="0" compatLnSpc="1">
-            <a:normAutofit/>
-          </a:bodyPr>
-          <a:lstStyle/>
-          <a:p>
-            <a:r>
-              <a:rPr lang="zh-CN" altLang="en-US" spc="200">
-                <a:solidFill>
-                  <a:srgbClr val="FFFFFF"/>
-                </a:solidFill>
-              </a:rPr>
-              <a:t>项目管理工具</a:t>
-            </a:r>
-            <a:r>
-              <a:rPr lang="en-US" altLang="zh-CN" spc="200">
-                <a:solidFill>
-                  <a:srgbClr val="FFFFFF"/>
-                </a:solidFill>
-              </a:rPr>
-              <a:t>-JIRA</a:t>
-            </a:r>
-            <a:endParaRPr lang="zh-CN" altLang="en-US" spc="200">
-              <a:solidFill>
-                <a:srgbClr val="FFFFFF"/>
-              </a:solidFill>
-            </a:endParaRPr>
-          </a:p>
-        </p:txBody>
-      </p:sp>
-      <p:sp>
-        <p:nvSpPr>
-          <p:cNvPr id="69" name="MH_Number_3">
-            <a:hlinkClick r:id="rId18" action="ppaction://hlinksldjump"/>
-          </p:cNvPr>
-          <p:cNvSpPr/>
-          <p:nvPr>
-            <p:custDataLst>
-              <p:tags r:id="rId12"/>
-            </p:custDataLst>
-          </p:nvPr>
-        </p:nvSpPr>
-        <p:spPr>
-          <a:xfrm>
-            <a:off x="2743199" y="3768901"/>
-            <a:ext cx="609601" cy="544615"/>
-          </a:xfrm>
-          <a:prstGeom prst="rect">
-            <a:avLst/>
-          </a:prstGeom>
-          <a:noFill/>
-          <a:ln>
-            <a:noFill/>
-          </a:ln>
-        </p:spPr>
-        <p:style>
-          <a:lnRef idx="2">
-            <a:schemeClr val="accent1">
-              <a:shade val="50000"/>
-            </a:schemeClr>
-          </a:lnRef>
-          <a:fillRef idx="1">
-            <a:schemeClr val="accent1"/>
-          </a:fillRef>
-          <a:effectRef idx="0">
-            <a:schemeClr val="accent1"/>
-          </a:effectRef>
-          <a:fontRef idx="minor">
-            <a:schemeClr val="lt1"/>
-          </a:fontRef>
-        </p:style>
-        <p:txBody>
-          <a:bodyPr wrap="square" lIns="0" tIns="0" rIns="0" bIns="0" rtlCol="0" anchor="ctr">
-            <a:normAutofit/>
-          </a:bodyPr>
-          <a:lstStyle/>
-          <a:p>
-            <a:pPr algn="ctr"/>
-            <a:r>
-              <a:rPr lang="en-US" altLang="zh-CN" sz="2400">
-                <a:solidFill>
-                  <a:srgbClr val="B2B2B2"/>
-                </a:solidFill>
-                <a:cs typeface="Times New Roman" panose="02020603050405020304" pitchFamily="18" charset="0"/>
-              </a:rPr>
-              <a:t>03</a:t>
-            </a:r>
-            <a:endParaRPr lang="zh-CN" altLang="en-US" sz="2400">
-              <a:solidFill>
-                <a:srgbClr val="B2B2B2"/>
-              </a:solidFill>
-              <a:cs typeface="Times New Roman" panose="02020603050405020304" pitchFamily="18" charset="0"/>
-            </a:endParaRPr>
-          </a:p>
-        </p:txBody>
-      </p:sp>
-      <p:sp>
-        <p:nvSpPr>
-          <p:cNvPr id="77" name="MH_Entry_4"/>
-          <p:cNvSpPr/>
-          <p:nvPr>
-            <p:custDataLst>
-              <p:tags r:id="rId13"/>
-            </p:custDataLst>
-          </p:nvPr>
-        </p:nvSpPr>
-        <p:spPr>
-          <a:xfrm>
-            <a:off x="2514600" y="4621223"/>
-            <a:ext cx="6629400" cy="544613"/>
-          </a:xfrm>
-          <a:custGeom>
-            <a:avLst/>
-            <a:gdLst>
-              <a:gd name="connsiteX0" fmla="*/ 228599 w 6629400"/>
-              <a:gd name="connsiteY0" fmla="*/ 126626 h 362857"/>
-              <a:gd name="connsiteX1" fmla="*/ 228599 w 6629400"/>
-              <a:gd name="connsiteY1" fmla="*/ 362857 h 362857"/>
-              <a:gd name="connsiteX2" fmla="*/ 0 w 6629400"/>
-              <a:gd name="connsiteY2" fmla="*/ 362857 h 362857"/>
-              <a:gd name="connsiteX3" fmla="*/ 0 w 6629400"/>
-              <a:gd name="connsiteY3" fmla="*/ 362546 h 362857"/>
-              <a:gd name="connsiteX4" fmla="*/ 838200 w 6629400"/>
-              <a:gd name="connsiteY4" fmla="*/ 0 h 362857"/>
-              <a:gd name="connsiteX5" fmla="*/ 5791200 w 6629400"/>
-              <a:gd name="connsiteY5" fmla="*/ 0 h 362857"/>
-              <a:gd name="connsiteX6" fmla="*/ 6629400 w 6629400"/>
-              <a:gd name="connsiteY6" fmla="*/ 0 h 362857"/>
-              <a:gd name="connsiteX7" fmla="*/ 6629400 w 6629400"/>
-              <a:gd name="connsiteY7" fmla="*/ 362857 h 362857"/>
-              <a:gd name="connsiteX8" fmla="*/ 5791200 w 6629400"/>
-              <a:gd name="connsiteY8" fmla="*/ 362857 h 362857"/>
-              <a:gd name="connsiteX9" fmla="*/ 838200 w 6629400"/>
-              <a:gd name="connsiteY9" fmla="*/ 362857 h 362857"/>
-            </a:gdLst>
-            <a:ahLst/>
-            <a:cxnLst>
-              <a:cxn ang="0">
-                <a:pos x="connsiteX0" y="connsiteY0"/>
-              </a:cxn>
-              <a:cxn ang="0">
-                <a:pos x="connsiteX1" y="connsiteY1"/>
-              </a:cxn>
-              <a:cxn ang="0">
-                <a:pos x="connsiteX2" y="connsiteY2"/>
-              </a:cxn>
-              <a:cxn ang="0">
-                <a:pos x="connsiteX3" y="connsiteY3"/>
-              </a:cxn>
-              <a:cxn ang="0">
-                <a:pos x="connsiteX4" y="connsiteY4"/>
-              </a:cxn>
-              <a:cxn ang="0">
-                <a:pos x="connsiteX5" y="connsiteY5"/>
-              </a:cxn>
-              <a:cxn ang="0">
-                <a:pos x="connsiteX6" y="connsiteY6"/>
-              </a:cxn>
-              <a:cxn ang="0">
-                <a:pos x="connsiteX7" y="connsiteY7"/>
-              </a:cxn>
-              <a:cxn ang="0">
-                <a:pos x="connsiteX8" y="connsiteY8"/>
-              </a:cxn>
-              <a:cxn ang="0">
-                <a:pos x="connsiteX9" y="connsiteY9"/>
-              </a:cxn>
-            </a:cxnLst>
-            <a:rect l="l" t="t" r="r" b="b"/>
-            <a:pathLst>
-              <a:path w="6629400" h="362857">
-                <a:moveTo>
-                  <a:pt x="228599" y="126626"/>
-                </a:moveTo>
-                <a:lnTo>
-                  <a:pt x="228599" y="362857"/>
-                </a:lnTo>
-                <a:lnTo>
-                  <a:pt x="0" y="362857"/>
-                </a:lnTo>
-                <a:lnTo>
-                  <a:pt x="0" y="362546"/>
-                </a:lnTo>
-                <a:close/>
-                <a:moveTo>
-                  <a:pt x="838200" y="0"/>
-                </a:moveTo>
-                <a:lnTo>
-                  <a:pt x="5791200" y="0"/>
-                </a:lnTo>
-                <a:lnTo>
-                  <a:pt x="6629400" y="0"/>
-                </a:lnTo>
-                <a:lnTo>
-                  <a:pt x="6629400" y="362857"/>
-                </a:lnTo>
-                <a:lnTo>
-                  <a:pt x="5791200" y="362857"/>
-                </a:lnTo>
-                <a:lnTo>
-                  <a:pt x="838200" y="362857"/>
-                </a:lnTo>
-                <a:close/>
-              </a:path>
-            </a:pathLst>
-          </a:custGeom>
-          <a:solidFill>
-            <a:schemeClr val="accent1"/>
-          </a:solidFill>
-          <a:ln>
-            <a:noFill/>
-          </a:ln>
-        </p:spPr>
-        <p:style>
-          <a:lnRef idx="2">
-            <a:schemeClr val="accent1">
-              <a:shade val="50000"/>
-            </a:schemeClr>
-          </a:lnRef>
-          <a:fillRef idx="1">
-            <a:schemeClr val="accent1"/>
-          </a:fillRef>
-          <a:effectRef idx="0">
-            <a:schemeClr val="accent1"/>
-          </a:effectRef>
-          <a:fontRef idx="minor">
-            <a:schemeClr val="lt1"/>
-          </a:fontRef>
-        </p:style>
-        <p:txBody>
-          <a:bodyPr rot="0" spcFirstLastPara="0" vertOverflow="overflow" horzOverflow="overflow" vert="horz" wrap="square" lIns="900000" tIns="0" rIns="0" bIns="0" numCol="1" spcCol="0" rtlCol="0" fromWordArt="0" anchor="ctr" anchorCtr="0" forceAA="0" compatLnSpc="1">
-            <a:normAutofit/>
-          </a:bodyPr>
-          <a:lstStyle/>
-          <a:p>
-            <a:r>
-              <a:rPr lang="zh-CN" altLang="en-US" spc="200">
-                <a:solidFill>
-                  <a:srgbClr val="FFFFFF"/>
-                </a:solidFill>
-              </a:rPr>
-              <a:t>项目管理工具</a:t>
-            </a:r>
-            <a:r>
-              <a:rPr lang="en-US" altLang="zh-CN" spc="200">
-                <a:solidFill>
-                  <a:srgbClr val="FFFFFF"/>
-                </a:solidFill>
-              </a:rPr>
-              <a:t>-</a:t>
-            </a:r>
-            <a:r>
-              <a:rPr lang="zh-CN" altLang="en-US" spc="200">
-                <a:solidFill>
-                  <a:srgbClr val="FFFFFF"/>
-                </a:solidFill>
-              </a:rPr>
-              <a:t>禅道</a:t>
-            </a:r>
-          </a:p>
-        </p:txBody>
-      </p:sp>
-      <p:sp>
-        <p:nvSpPr>
-          <p:cNvPr id="78" name="MH_Number_4"/>
-          <p:cNvSpPr/>
-          <p:nvPr>
-            <p:custDataLst>
-              <p:tags r:id="rId14"/>
-            </p:custDataLst>
-          </p:nvPr>
-        </p:nvSpPr>
-        <p:spPr>
-          <a:xfrm>
-            <a:off x="2743199" y="4621221"/>
-            <a:ext cx="609601" cy="544615"/>
-          </a:xfrm>
-          <a:prstGeom prst="rect">
-            <a:avLst/>
-          </a:prstGeom>
-          <a:noFill/>
-          <a:ln>
-            <a:noFill/>
-          </a:ln>
-        </p:spPr>
-        <p:style>
-          <a:lnRef idx="2">
-            <a:schemeClr val="accent1">
-              <a:shade val="50000"/>
-            </a:schemeClr>
-          </a:lnRef>
-          <a:fillRef idx="1">
-            <a:schemeClr val="accent1"/>
-          </a:fillRef>
-          <a:effectRef idx="0">
-            <a:schemeClr val="accent1"/>
-          </a:effectRef>
-          <a:fontRef idx="minor">
-            <a:schemeClr val="lt1"/>
-          </a:fontRef>
-        </p:style>
-        <p:txBody>
-          <a:bodyPr wrap="square" lIns="0" tIns="0" rIns="0" bIns="0" rtlCol="0" anchor="ctr">
-            <a:normAutofit/>
-          </a:bodyPr>
-          <a:lstStyle/>
-          <a:p>
-            <a:pPr algn="ctr"/>
-            <a:r>
-              <a:rPr lang="en-US" altLang="zh-CN" sz="2800">
-                <a:solidFill>
-                  <a:schemeClr val="tx1"/>
-                </a:solidFill>
-                <a:cs typeface="Times New Roman" panose="02020603050405020304" pitchFamily="18" charset="0"/>
-              </a:rPr>
-              <a:t>04</a:t>
-            </a:r>
-            <a:endParaRPr lang="zh-CN" altLang="en-US" sz="2800">
-              <a:solidFill>
-                <a:schemeClr val="tx1"/>
-              </a:solidFill>
-              <a:cs typeface="Times New Roman" panose="02020603050405020304" pitchFamily="18" charset="0"/>
-            </a:endParaRPr>
-          </a:p>
-        </p:txBody>
-      </p:sp>
-    </p:spTree>
-    <p:custDataLst>
-      <p:tags r:id="rId1"/>
-    </p:custDataLst>
-    <p:extLst>
-      <p:ext uri="{BB962C8B-B14F-4D97-AF65-F5344CB8AC3E}">
-        <p14:creationId xmlns:p14="http://schemas.microsoft.com/office/powerpoint/2010/main" val="3535865033"/>
-      </p:ext>
-    </p:extLst>
-  </p:cSld>
-  <p:clrMapOvr>
-    <a:masterClrMapping/>
-  </p:clrMapOvr>
-  <p:timing>
-    <p:tnLst>
-      <p:par>
-        <p:cTn id="1" dur="indefinite" restart="never" nodeType="tmRoot"/>
-      </p:par>
-    </p:tnLst>
-  </p:timing>
-</p:sld>
-</file>
-
 <file path=ppt/slides/slide2.xml><?xml version="1.0" encoding="utf-8"?>
 <p:sld xmlns:a="http://schemas.openxmlformats.org/drawingml/2006/main" xmlns:r="http://schemas.openxmlformats.org/officeDocument/2006/relationships" xmlns:p="http://schemas.openxmlformats.org/presentationml/2006/main">
   <p:cSld>
@@ -13024,82 +11772,1350 @@
       </p:grpSpPr>
       <p:sp>
         <p:nvSpPr>
-          <p:cNvPr id="2" name="标题 1"/>
-          <p:cNvSpPr>
-            <a:spLocks noGrp="1"/>
-          </p:cNvSpPr>
+          <p:cNvPr id="5" name="MH_Others_10"/>
+          <p:cNvSpPr txBox="1"/>
           <p:nvPr>
-            <p:ph type="title"/>
+            <p:custDataLst>
+              <p:tags r:id="rId2"/>
+            </p:custDataLst>
           </p:nvPr>
         </p:nvSpPr>
-        <p:spPr/>
+        <p:spPr>
+          <a:xfrm>
+            <a:off x="558800" y="571055"/>
+            <a:ext cx="1460500" cy="646331"/>
+          </a:xfrm>
+          <a:prstGeom prst="rect">
+            <a:avLst/>
+          </a:prstGeom>
+          <a:noFill/>
+          <a:ln>
+            <a:noFill/>
+          </a:ln>
+        </p:spPr>
         <p:txBody>
-          <a:bodyPr/>
+          <a:bodyPr wrap="square" lIns="0" tIns="0" rIns="0" bIns="0" rtlCol="0" anchor="ctr" anchorCtr="0">
+            <a:noAutofit/>
+          </a:bodyPr>
           <a:lstStyle/>
           <a:p>
-            <a:r>
-              <a:rPr lang="zh-CN" altLang="en-US" dirty="0" smtClean="0"/>
+            <a:pPr algn="ctr"/>
+            <a:r>
+              <a:rPr lang="zh-CN" altLang="en-US" sz="4800" b="1" smtClean="0">
+                <a:latin typeface="微软雅黑" panose="020B0503020204020204" pitchFamily="34" charset="-122"/>
+                <a:ea typeface="微软雅黑" panose="020B0503020204020204" pitchFamily="34" charset="-122"/>
+              </a:rPr>
+              <a:t>目录</a:t>
+            </a:r>
+            <a:endParaRPr lang="zh-CN" altLang="en-US" sz="4800" b="1">
+              <a:latin typeface="微软雅黑" panose="020B0503020204020204" pitchFamily="34" charset="-122"/>
+              <a:ea typeface="微软雅黑" panose="020B0503020204020204" pitchFamily="34" charset="-122"/>
+            </a:endParaRPr>
+          </a:p>
+        </p:txBody>
+      </p:sp>
+      <p:sp>
+        <p:nvSpPr>
+          <p:cNvPr id="40" name="MH_Others_1"/>
+          <p:cNvSpPr/>
+          <p:nvPr>
+            <p:custDataLst>
+              <p:tags r:id="rId3"/>
+            </p:custDataLst>
+          </p:nvPr>
+        </p:nvSpPr>
+        <p:spPr>
+          <a:xfrm>
+            <a:off x="2425699" y="2116352"/>
+            <a:ext cx="317500" cy="492528"/>
+          </a:xfrm>
+          <a:custGeom>
+            <a:avLst/>
+            <a:gdLst>
+              <a:gd name="connsiteX0" fmla="*/ 203199 w 203199"/>
+              <a:gd name="connsiteY0" fmla="*/ 0 h 210018"/>
+              <a:gd name="connsiteX1" fmla="*/ 203199 w 203199"/>
+              <a:gd name="connsiteY1" fmla="*/ 210018 h 210018"/>
+              <a:gd name="connsiteX2" fmla="*/ 0 w 203199"/>
+              <a:gd name="connsiteY2" fmla="*/ 210018 h 210018"/>
+              <a:gd name="connsiteX3" fmla="*/ 0 w 203199"/>
+              <a:gd name="connsiteY3" fmla="*/ 209707 h 210018"/>
+            </a:gdLst>
+            <a:ahLst/>
+            <a:cxnLst>
+              <a:cxn ang="0">
+                <a:pos x="connsiteX0" y="connsiteY0"/>
+              </a:cxn>
+              <a:cxn ang="0">
+                <a:pos x="connsiteX1" y="connsiteY1"/>
+              </a:cxn>
+              <a:cxn ang="0">
+                <a:pos x="connsiteX2" y="connsiteY2"/>
+              </a:cxn>
+              <a:cxn ang="0">
+                <a:pos x="connsiteX3" y="connsiteY3"/>
+              </a:cxn>
+            </a:cxnLst>
+            <a:rect l="l" t="t" r="r" b="b"/>
+            <a:pathLst>
+              <a:path w="203199" h="210018">
+                <a:moveTo>
+                  <a:pt x="203199" y="0"/>
+                </a:moveTo>
+                <a:lnTo>
+                  <a:pt x="203199" y="210018"/>
+                </a:lnTo>
+                <a:lnTo>
+                  <a:pt x="0" y="210018"/>
+                </a:lnTo>
+                <a:lnTo>
+                  <a:pt x="0" y="209707"/>
+                </a:lnTo>
+                <a:close/>
+              </a:path>
+            </a:pathLst>
+          </a:custGeom>
+          <a:solidFill>
+            <a:srgbClr val="E4E4E4"/>
+          </a:solidFill>
+          <a:ln>
+            <a:noFill/>
+          </a:ln>
+        </p:spPr>
+        <p:style>
+          <a:lnRef idx="2">
+            <a:schemeClr val="accent1">
+              <a:shade val="50000"/>
+            </a:schemeClr>
+          </a:lnRef>
+          <a:fillRef idx="1">
+            <a:schemeClr val="accent1"/>
+          </a:fillRef>
+          <a:effectRef idx="0">
+            <a:schemeClr val="accent1"/>
+          </a:effectRef>
+          <a:fontRef idx="minor">
+            <a:schemeClr val="lt1"/>
+          </a:fontRef>
+        </p:style>
+        <p:txBody>
+          <a:bodyPr rot="0" spcFirstLastPara="0" vertOverflow="overflow" horzOverflow="overflow" vert="horz" wrap="square" lIns="108000" tIns="0" rIns="0" bIns="0" numCol="1" spcCol="0" rtlCol="0" fromWordArt="0" anchor="ctr" anchorCtr="0" forceAA="0" compatLnSpc="1">
+            <a:noAutofit/>
+          </a:bodyPr>
+          <a:lstStyle/>
+          <a:p>
+            <a:pPr algn="ctr"/>
+            <a:endParaRPr lang="zh-CN" altLang="en-US"/>
+          </a:p>
+        </p:txBody>
+      </p:sp>
+      <p:sp>
+        <p:nvSpPr>
+          <p:cNvPr id="49" name="MH_Others_2"/>
+          <p:cNvSpPr/>
+          <p:nvPr>
+            <p:custDataLst>
+              <p:tags r:id="rId4"/>
+            </p:custDataLst>
+          </p:nvPr>
+        </p:nvSpPr>
+        <p:spPr>
+          <a:xfrm>
+            <a:off x="2425699" y="2968670"/>
+            <a:ext cx="317500" cy="492528"/>
+          </a:xfrm>
+          <a:custGeom>
+            <a:avLst/>
+            <a:gdLst>
+              <a:gd name="connsiteX0" fmla="*/ 203199 w 203199"/>
+              <a:gd name="connsiteY0" fmla="*/ 0 h 210018"/>
+              <a:gd name="connsiteX1" fmla="*/ 203199 w 203199"/>
+              <a:gd name="connsiteY1" fmla="*/ 210018 h 210018"/>
+              <a:gd name="connsiteX2" fmla="*/ 0 w 203199"/>
+              <a:gd name="connsiteY2" fmla="*/ 210018 h 210018"/>
+              <a:gd name="connsiteX3" fmla="*/ 0 w 203199"/>
+              <a:gd name="connsiteY3" fmla="*/ 209707 h 210018"/>
+            </a:gdLst>
+            <a:ahLst/>
+            <a:cxnLst>
+              <a:cxn ang="0">
+                <a:pos x="connsiteX0" y="connsiteY0"/>
+              </a:cxn>
+              <a:cxn ang="0">
+                <a:pos x="connsiteX1" y="connsiteY1"/>
+              </a:cxn>
+              <a:cxn ang="0">
+                <a:pos x="connsiteX2" y="connsiteY2"/>
+              </a:cxn>
+              <a:cxn ang="0">
+                <a:pos x="connsiteX3" y="connsiteY3"/>
+              </a:cxn>
+            </a:cxnLst>
+            <a:rect l="l" t="t" r="r" b="b"/>
+            <a:pathLst>
+              <a:path w="203199" h="210018">
+                <a:moveTo>
+                  <a:pt x="203199" y="0"/>
+                </a:moveTo>
+                <a:lnTo>
+                  <a:pt x="203199" y="210018"/>
+                </a:lnTo>
+                <a:lnTo>
+                  <a:pt x="0" y="210018"/>
+                </a:lnTo>
+                <a:lnTo>
+                  <a:pt x="0" y="209707"/>
+                </a:lnTo>
+                <a:close/>
+              </a:path>
+            </a:pathLst>
+          </a:custGeom>
+          <a:solidFill>
+            <a:srgbClr val="E4E4E4"/>
+          </a:solidFill>
+          <a:ln>
+            <a:noFill/>
+          </a:ln>
+        </p:spPr>
+        <p:style>
+          <a:lnRef idx="2">
+            <a:schemeClr val="accent1">
+              <a:shade val="50000"/>
+            </a:schemeClr>
+          </a:lnRef>
+          <a:fillRef idx="1">
+            <a:schemeClr val="accent1"/>
+          </a:fillRef>
+          <a:effectRef idx="0">
+            <a:schemeClr val="accent1"/>
+          </a:effectRef>
+          <a:fontRef idx="minor">
+            <a:schemeClr val="lt1"/>
+          </a:fontRef>
+        </p:style>
+        <p:txBody>
+          <a:bodyPr rot="0" spcFirstLastPara="0" vertOverflow="overflow" horzOverflow="overflow" vert="horz" wrap="square" lIns="108000" tIns="0" rIns="0" bIns="0" numCol="1" spcCol="0" rtlCol="0" fromWordArt="0" anchor="ctr" anchorCtr="0" forceAA="0" compatLnSpc="1">
+            <a:noAutofit/>
+          </a:bodyPr>
+          <a:lstStyle/>
+          <a:p>
+            <a:pPr algn="ctr"/>
+            <a:endParaRPr lang="zh-CN" altLang="en-US"/>
+          </a:p>
+        </p:txBody>
+      </p:sp>
+      <p:sp>
+        <p:nvSpPr>
+          <p:cNvPr id="61" name="MH_Others_3"/>
+          <p:cNvSpPr/>
+          <p:nvPr>
+            <p:custDataLst>
+              <p:tags r:id="rId5"/>
+            </p:custDataLst>
+          </p:nvPr>
+        </p:nvSpPr>
+        <p:spPr>
+          <a:xfrm>
+            <a:off x="2425699" y="3820990"/>
+            <a:ext cx="317500" cy="492528"/>
+          </a:xfrm>
+          <a:custGeom>
+            <a:avLst/>
+            <a:gdLst>
+              <a:gd name="connsiteX0" fmla="*/ 203199 w 203199"/>
+              <a:gd name="connsiteY0" fmla="*/ 0 h 210018"/>
+              <a:gd name="connsiteX1" fmla="*/ 203199 w 203199"/>
+              <a:gd name="connsiteY1" fmla="*/ 210018 h 210018"/>
+              <a:gd name="connsiteX2" fmla="*/ 0 w 203199"/>
+              <a:gd name="connsiteY2" fmla="*/ 210018 h 210018"/>
+              <a:gd name="connsiteX3" fmla="*/ 0 w 203199"/>
+              <a:gd name="connsiteY3" fmla="*/ 209707 h 210018"/>
+            </a:gdLst>
+            <a:ahLst/>
+            <a:cxnLst>
+              <a:cxn ang="0">
+                <a:pos x="connsiteX0" y="connsiteY0"/>
+              </a:cxn>
+              <a:cxn ang="0">
+                <a:pos x="connsiteX1" y="connsiteY1"/>
+              </a:cxn>
+              <a:cxn ang="0">
+                <a:pos x="connsiteX2" y="connsiteY2"/>
+              </a:cxn>
+              <a:cxn ang="0">
+                <a:pos x="connsiteX3" y="connsiteY3"/>
+              </a:cxn>
+            </a:cxnLst>
+            <a:rect l="l" t="t" r="r" b="b"/>
+            <a:pathLst>
+              <a:path w="203199" h="210018">
+                <a:moveTo>
+                  <a:pt x="203199" y="0"/>
+                </a:moveTo>
+                <a:lnTo>
+                  <a:pt x="203199" y="210018"/>
+                </a:lnTo>
+                <a:lnTo>
+                  <a:pt x="0" y="210018"/>
+                </a:lnTo>
+                <a:lnTo>
+                  <a:pt x="0" y="209707"/>
+                </a:lnTo>
+                <a:close/>
+              </a:path>
+            </a:pathLst>
+          </a:custGeom>
+          <a:solidFill>
+            <a:srgbClr val="E4E4E4"/>
+          </a:solidFill>
+          <a:ln>
+            <a:noFill/>
+          </a:ln>
+        </p:spPr>
+        <p:style>
+          <a:lnRef idx="2">
+            <a:schemeClr val="accent1">
+              <a:shade val="50000"/>
+            </a:schemeClr>
+          </a:lnRef>
+          <a:fillRef idx="1">
+            <a:schemeClr val="accent1"/>
+          </a:fillRef>
+          <a:effectRef idx="0">
+            <a:schemeClr val="accent1"/>
+          </a:effectRef>
+          <a:fontRef idx="minor">
+            <a:schemeClr val="lt1"/>
+          </a:fontRef>
+        </p:style>
+        <p:txBody>
+          <a:bodyPr rot="0" spcFirstLastPara="0" vertOverflow="overflow" horzOverflow="overflow" vert="horz" wrap="square" lIns="108000" tIns="0" rIns="0" bIns="0" numCol="1" spcCol="0" rtlCol="0" fromWordArt="0" anchor="ctr" anchorCtr="0" forceAA="0" compatLnSpc="1">
+            <a:noAutofit/>
+          </a:bodyPr>
+          <a:lstStyle/>
+          <a:p>
+            <a:pPr algn="ctr"/>
+            <a:endParaRPr lang="zh-CN" altLang="en-US"/>
+          </a:p>
+        </p:txBody>
+      </p:sp>
+      <p:sp>
+        <p:nvSpPr>
+          <p:cNvPr id="73" name="MH_Others_4"/>
+          <p:cNvSpPr/>
+          <p:nvPr>
+            <p:custDataLst>
+              <p:tags r:id="rId6"/>
+            </p:custDataLst>
+          </p:nvPr>
+        </p:nvSpPr>
+        <p:spPr>
+          <a:xfrm>
+            <a:off x="2425699" y="4673309"/>
+            <a:ext cx="317500" cy="492528"/>
+          </a:xfrm>
+          <a:custGeom>
+            <a:avLst/>
+            <a:gdLst>
+              <a:gd name="connsiteX0" fmla="*/ 203199 w 203199"/>
+              <a:gd name="connsiteY0" fmla="*/ 0 h 210018"/>
+              <a:gd name="connsiteX1" fmla="*/ 203199 w 203199"/>
+              <a:gd name="connsiteY1" fmla="*/ 210018 h 210018"/>
+              <a:gd name="connsiteX2" fmla="*/ 0 w 203199"/>
+              <a:gd name="connsiteY2" fmla="*/ 210018 h 210018"/>
+              <a:gd name="connsiteX3" fmla="*/ 0 w 203199"/>
+              <a:gd name="connsiteY3" fmla="*/ 209707 h 210018"/>
+            </a:gdLst>
+            <a:ahLst/>
+            <a:cxnLst>
+              <a:cxn ang="0">
+                <a:pos x="connsiteX0" y="connsiteY0"/>
+              </a:cxn>
+              <a:cxn ang="0">
+                <a:pos x="connsiteX1" y="connsiteY1"/>
+              </a:cxn>
+              <a:cxn ang="0">
+                <a:pos x="connsiteX2" y="connsiteY2"/>
+              </a:cxn>
+              <a:cxn ang="0">
+                <a:pos x="connsiteX3" y="connsiteY3"/>
+              </a:cxn>
+            </a:cxnLst>
+            <a:rect l="l" t="t" r="r" b="b"/>
+            <a:pathLst>
+              <a:path w="203199" h="210018">
+                <a:moveTo>
+                  <a:pt x="203199" y="0"/>
+                </a:moveTo>
+                <a:lnTo>
+                  <a:pt x="203199" y="210018"/>
+                </a:lnTo>
+                <a:lnTo>
+                  <a:pt x="0" y="210018"/>
+                </a:lnTo>
+                <a:lnTo>
+                  <a:pt x="0" y="209707"/>
+                </a:lnTo>
+                <a:close/>
+              </a:path>
+            </a:pathLst>
+          </a:custGeom>
+          <a:solidFill>
+            <a:srgbClr val="E4E4E4"/>
+          </a:solidFill>
+          <a:ln>
+            <a:noFill/>
+          </a:ln>
+        </p:spPr>
+        <p:style>
+          <a:lnRef idx="2">
+            <a:schemeClr val="accent1">
+              <a:shade val="50000"/>
+            </a:schemeClr>
+          </a:lnRef>
+          <a:fillRef idx="1">
+            <a:schemeClr val="accent1"/>
+          </a:fillRef>
+          <a:effectRef idx="0">
+            <a:schemeClr val="accent1"/>
+          </a:effectRef>
+          <a:fontRef idx="minor">
+            <a:schemeClr val="lt1"/>
+          </a:fontRef>
+        </p:style>
+        <p:txBody>
+          <a:bodyPr rot="0" spcFirstLastPara="0" vertOverflow="overflow" horzOverflow="overflow" vert="horz" wrap="square" lIns="108000" tIns="0" rIns="0" bIns="0" numCol="1" spcCol="0" rtlCol="0" fromWordArt="0" anchor="ctr" anchorCtr="0" forceAA="0" compatLnSpc="1">
+            <a:noAutofit/>
+          </a:bodyPr>
+          <a:lstStyle/>
+          <a:p>
+            <a:pPr algn="ctr"/>
+            <a:endParaRPr lang="zh-CN" altLang="en-US"/>
+          </a:p>
+        </p:txBody>
+      </p:sp>
+      <p:sp>
+        <p:nvSpPr>
+          <p:cNvPr id="41" name="MH_Entry_1">
+            <a:hlinkClick r:id="rId16" action="ppaction://hlinksldjump"/>
+          </p:cNvPr>
+          <p:cNvSpPr/>
+          <p:nvPr>
+            <p:custDataLst>
+              <p:tags r:id="rId7"/>
+            </p:custDataLst>
+          </p:nvPr>
+        </p:nvSpPr>
+        <p:spPr>
+          <a:xfrm>
+            <a:off x="2514600" y="2064263"/>
+            <a:ext cx="6629400" cy="544613"/>
+          </a:xfrm>
+          <a:custGeom>
+            <a:avLst/>
+            <a:gdLst>
+              <a:gd name="connsiteX0" fmla="*/ 228599 w 6629400"/>
+              <a:gd name="connsiteY0" fmla="*/ 126626 h 362857"/>
+              <a:gd name="connsiteX1" fmla="*/ 228599 w 6629400"/>
+              <a:gd name="connsiteY1" fmla="*/ 362857 h 362857"/>
+              <a:gd name="connsiteX2" fmla="*/ 0 w 6629400"/>
+              <a:gd name="connsiteY2" fmla="*/ 362857 h 362857"/>
+              <a:gd name="connsiteX3" fmla="*/ 0 w 6629400"/>
+              <a:gd name="connsiteY3" fmla="*/ 362546 h 362857"/>
+              <a:gd name="connsiteX4" fmla="*/ 838200 w 6629400"/>
+              <a:gd name="connsiteY4" fmla="*/ 0 h 362857"/>
+              <a:gd name="connsiteX5" fmla="*/ 5791200 w 6629400"/>
+              <a:gd name="connsiteY5" fmla="*/ 0 h 362857"/>
+              <a:gd name="connsiteX6" fmla="*/ 6629400 w 6629400"/>
+              <a:gd name="connsiteY6" fmla="*/ 0 h 362857"/>
+              <a:gd name="connsiteX7" fmla="*/ 6629400 w 6629400"/>
+              <a:gd name="connsiteY7" fmla="*/ 362857 h 362857"/>
+              <a:gd name="connsiteX8" fmla="*/ 5791200 w 6629400"/>
+              <a:gd name="connsiteY8" fmla="*/ 362857 h 362857"/>
+              <a:gd name="connsiteX9" fmla="*/ 838200 w 6629400"/>
+              <a:gd name="connsiteY9" fmla="*/ 362857 h 362857"/>
+            </a:gdLst>
+            <a:ahLst/>
+            <a:cxnLst>
+              <a:cxn ang="0">
+                <a:pos x="connsiteX0" y="connsiteY0"/>
+              </a:cxn>
+              <a:cxn ang="0">
+                <a:pos x="connsiteX1" y="connsiteY1"/>
+              </a:cxn>
+              <a:cxn ang="0">
+                <a:pos x="connsiteX2" y="connsiteY2"/>
+              </a:cxn>
+              <a:cxn ang="0">
+                <a:pos x="connsiteX3" y="connsiteY3"/>
+              </a:cxn>
+              <a:cxn ang="0">
+                <a:pos x="connsiteX4" y="connsiteY4"/>
+              </a:cxn>
+              <a:cxn ang="0">
+                <a:pos x="connsiteX5" y="connsiteY5"/>
+              </a:cxn>
+              <a:cxn ang="0">
+                <a:pos x="connsiteX6" y="connsiteY6"/>
+              </a:cxn>
+              <a:cxn ang="0">
+                <a:pos x="connsiteX7" y="connsiteY7"/>
+              </a:cxn>
+              <a:cxn ang="0">
+                <a:pos x="connsiteX8" y="connsiteY8"/>
+              </a:cxn>
+              <a:cxn ang="0">
+                <a:pos x="connsiteX9" y="connsiteY9"/>
+              </a:cxn>
+            </a:cxnLst>
+            <a:rect l="l" t="t" r="r" b="b"/>
+            <a:pathLst>
+              <a:path w="6629400" h="362857">
+                <a:moveTo>
+                  <a:pt x="228599" y="126626"/>
+                </a:moveTo>
+                <a:lnTo>
+                  <a:pt x="228599" y="362857"/>
+                </a:lnTo>
+                <a:lnTo>
+                  <a:pt x="0" y="362857"/>
+                </a:lnTo>
+                <a:lnTo>
+                  <a:pt x="0" y="362546"/>
+                </a:lnTo>
+                <a:close/>
+                <a:moveTo>
+                  <a:pt x="838200" y="0"/>
+                </a:moveTo>
+                <a:lnTo>
+                  <a:pt x="5791200" y="0"/>
+                </a:lnTo>
+                <a:lnTo>
+                  <a:pt x="6629400" y="0"/>
+                </a:lnTo>
+                <a:lnTo>
+                  <a:pt x="6629400" y="362857"/>
+                </a:lnTo>
+                <a:lnTo>
+                  <a:pt x="5791200" y="362857"/>
+                </a:lnTo>
+                <a:lnTo>
+                  <a:pt x="838200" y="362857"/>
+                </a:lnTo>
+                <a:close/>
+              </a:path>
+            </a:pathLst>
+          </a:custGeom>
+          <a:solidFill>
+            <a:srgbClr val="E4E4E4"/>
+          </a:solidFill>
+          <a:ln>
+            <a:noFill/>
+          </a:ln>
+        </p:spPr>
+        <p:style>
+          <a:lnRef idx="2">
+            <a:schemeClr val="accent1">
+              <a:shade val="50000"/>
+            </a:schemeClr>
+          </a:lnRef>
+          <a:fillRef idx="1">
+            <a:schemeClr val="accent1"/>
+          </a:fillRef>
+          <a:effectRef idx="0">
+            <a:schemeClr val="accent1"/>
+          </a:effectRef>
+          <a:fontRef idx="minor">
+            <a:schemeClr val="lt1"/>
+          </a:fontRef>
+        </p:style>
+        <p:txBody>
+          <a:bodyPr rot="0" spcFirstLastPara="0" vertOverflow="overflow" horzOverflow="overflow" vert="horz" wrap="square" lIns="900000" tIns="0" rIns="0" bIns="0" numCol="1" spcCol="0" rtlCol="0" fromWordArt="0" anchor="ctr" anchorCtr="0" forceAA="0" compatLnSpc="1">
+            <a:normAutofit/>
+          </a:bodyPr>
+          <a:lstStyle/>
+          <a:p>
+            <a:r>
+              <a:rPr lang="zh-CN" altLang="en-US" spc="200">
+                <a:solidFill>
+                  <a:srgbClr val="FFFFFF"/>
+                </a:solidFill>
+              </a:rPr>
+              <a:t>岗位工作模板</a:t>
+            </a:r>
+            <a:r>
+              <a:rPr lang="en-US" altLang="zh-CN" spc="200">
+                <a:solidFill>
+                  <a:srgbClr val="FFFFFF"/>
+                </a:solidFill>
+              </a:rPr>
+              <a:t>-ECP</a:t>
+            </a:r>
+            <a:endParaRPr lang="zh-CN" altLang="en-US" spc="200">
+              <a:solidFill>
+                <a:srgbClr val="FFFFFF"/>
+              </a:solidFill>
+            </a:endParaRPr>
+          </a:p>
+        </p:txBody>
+      </p:sp>
+      <p:sp>
+        <p:nvSpPr>
+          <p:cNvPr id="39" name="MH_Number_1">
+            <a:hlinkClick r:id="rId16" action="ppaction://hlinksldjump"/>
+          </p:cNvPr>
+          <p:cNvSpPr/>
+          <p:nvPr>
+            <p:custDataLst>
+              <p:tags r:id="rId8"/>
+            </p:custDataLst>
+          </p:nvPr>
+        </p:nvSpPr>
+        <p:spPr>
+          <a:xfrm>
+            <a:off x="2743199" y="2064262"/>
+            <a:ext cx="609601" cy="544615"/>
+          </a:xfrm>
+          <a:prstGeom prst="rect">
+            <a:avLst/>
+          </a:prstGeom>
+          <a:noFill/>
+          <a:ln>
+            <a:noFill/>
+          </a:ln>
+        </p:spPr>
+        <p:style>
+          <a:lnRef idx="2">
+            <a:schemeClr val="accent1">
+              <a:shade val="50000"/>
+            </a:schemeClr>
+          </a:lnRef>
+          <a:fillRef idx="1">
+            <a:schemeClr val="accent1"/>
+          </a:fillRef>
+          <a:effectRef idx="0">
+            <a:schemeClr val="accent1"/>
+          </a:effectRef>
+          <a:fontRef idx="minor">
+            <a:schemeClr val="lt1"/>
+          </a:fontRef>
+        </p:style>
+        <p:txBody>
+          <a:bodyPr wrap="square" lIns="0" tIns="0" rIns="0" bIns="0" rtlCol="0" anchor="ctr">
+            <a:normAutofit/>
+          </a:bodyPr>
+          <a:lstStyle/>
+          <a:p>
+            <a:pPr algn="ctr"/>
+            <a:r>
+              <a:rPr lang="en-US" altLang="zh-CN" sz="2400">
+                <a:solidFill>
+                  <a:srgbClr val="B2B2B2"/>
+                </a:solidFill>
+                <a:cs typeface="Times New Roman" panose="02020603050405020304" pitchFamily="18" charset="0"/>
+              </a:rPr>
+              <a:t>01</a:t>
+            </a:r>
+            <a:endParaRPr lang="zh-CN" altLang="en-US" sz="2400">
+              <a:solidFill>
+                <a:srgbClr val="B2B2B2"/>
+              </a:solidFill>
+              <a:cs typeface="Times New Roman" panose="02020603050405020304" pitchFamily="18" charset="0"/>
+            </a:endParaRPr>
+          </a:p>
+        </p:txBody>
+      </p:sp>
+      <p:sp>
+        <p:nvSpPr>
+          <p:cNvPr id="53" name="MH_Entry_2">
+            <a:hlinkClick r:id="rId17" action="ppaction://hlinksldjump"/>
+          </p:cNvPr>
+          <p:cNvSpPr/>
+          <p:nvPr>
+            <p:custDataLst>
+              <p:tags r:id="rId9"/>
+            </p:custDataLst>
+          </p:nvPr>
+        </p:nvSpPr>
+        <p:spPr>
+          <a:xfrm>
+            <a:off x="2514600" y="2916583"/>
+            <a:ext cx="6629400" cy="544613"/>
+          </a:xfrm>
+          <a:custGeom>
+            <a:avLst/>
+            <a:gdLst>
+              <a:gd name="connsiteX0" fmla="*/ 228599 w 6629400"/>
+              <a:gd name="connsiteY0" fmla="*/ 126626 h 362857"/>
+              <a:gd name="connsiteX1" fmla="*/ 228599 w 6629400"/>
+              <a:gd name="connsiteY1" fmla="*/ 362857 h 362857"/>
+              <a:gd name="connsiteX2" fmla="*/ 0 w 6629400"/>
+              <a:gd name="connsiteY2" fmla="*/ 362857 h 362857"/>
+              <a:gd name="connsiteX3" fmla="*/ 0 w 6629400"/>
+              <a:gd name="connsiteY3" fmla="*/ 362546 h 362857"/>
+              <a:gd name="connsiteX4" fmla="*/ 838200 w 6629400"/>
+              <a:gd name="connsiteY4" fmla="*/ 0 h 362857"/>
+              <a:gd name="connsiteX5" fmla="*/ 5791200 w 6629400"/>
+              <a:gd name="connsiteY5" fmla="*/ 0 h 362857"/>
+              <a:gd name="connsiteX6" fmla="*/ 6629400 w 6629400"/>
+              <a:gd name="connsiteY6" fmla="*/ 0 h 362857"/>
+              <a:gd name="connsiteX7" fmla="*/ 6629400 w 6629400"/>
+              <a:gd name="connsiteY7" fmla="*/ 362857 h 362857"/>
+              <a:gd name="connsiteX8" fmla="*/ 5791200 w 6629400"/>
+              <a:gd name="connsiteY8" fmla="*/ 362857 h 362857"/>
+              <a:gd name="connsiteX9" fmla="*/ 838200 w 6629400"/>
+              <a:gd name="connsiteY9" fmla="*/ 362857 h 362857"/>
+            </a:gdLst>
+            <a:ahLst/>
+            <a:cxnLst>
+              <a:cxn ang="0">
+                <a:pos x="connsiteX0" y="connsiteY0"/>
+              </a:cxn>
+              <a:cxn ang="0">
+                <a:pos x="connsiteX1" y="connsiteY1"/>
+              </a:cxn>
+              <a:cxn ang="0">
+                <a:pos x="connsiteX2" y="connsiteY2"/>
+              </a:cxn>
+              <a:cxn ang="0">
+                <a:pos x="connsiteX3" y="connsiteY3"/>
+              </a:cxn>
+              <a:cxn ang="0">
+                <a:pos x="connsiteX4" y="connsiteY4"/>
+              </a:cxn>
+              <a:cxn ang="0">
+                <a:pos x="connsiteX5" y="connsiteY5"/>
+              </a:cxn>
+              <a:cxn ang="0">
+                <a:pos x="connsiteX6" y="connsiteY6"/>
+              </a:cxn>
+              <a:cxn ang="0">
+                <a:pos x="connsiteX7" y="connsiteY7"/>
+              </a:cxn>
+              <a:cxn ang="0">
+                <a:pos x="connsiteX8" y="connsiteY8"/>
+              </a:cxn>
+              <a:cxn ang="0">
+                <a:pos x="connsiteX9" y="connsiteY9"/>
+              </a:cxn>
+            </a:cxnLst>
+            <a:rect l="l" t="t" r="r" b="b"/>
+            <a:pathLst>
+              <a:path w="6629400" h="362857">
+                <a:moveTo>
+                  <a:pt x="228599" y="126626"/>
+                </a:moveTo>
+                <a:lnTo>
+                  <a:pt x="228599" y="362857"/>
+                </a:lnTo>
+                <a:lnTo>
+                  <a:pt x="0" y="362857"/>
+                </a:lnTo>
+                <a:lnTo>
+                  <a:pt x="0" y="362546"/>
+                </a:lnTo>
+                <a:close/>
+                <a:moveTo>
+                  <a:pt x="838200" y="0"/>
+                </a:moveTo>
+                <a:lnTo>
+                  <a:pt x="5791200" y="0"/>
+                </a:lnTo>
+                <a:lnTo>
+                  <a:pt x="6629400" y="0"/>
+                </a:lnTo>
+                <a:lnTo>
+                  <a:pt x="6629400" y="362857"/>
+                </a:lnTo>
+                <a:lnTo>
+                  <a:pt x="5791200" y="362857"/>
+                </a:lnTo>
+                <a:lnTo>
+                  <a:pt x="838200" y="362857"/>
+                </a:lnTo>
+                <a:close/>
+              </a:path>
+            </a:pathLst>
+          </a:custGeom>
+          <a:solidFill>
+            <a:srgbClr val="E4E4E4"/>
+          </a:solidFill>
+          <a:ln>
+            <a:noFill/>
+          </a:ln>
+        </p:spPr>
+        <p:style>
+          <a:lnRef idx="2">
+            <a:schemeClr val="accent1">
+              <a:shade val="50000"/>
+            </a:schemeClr>
+          </a:lnRef>
+          <a:fillRef idx="1">
+            <a:schemeClr val="accent1"/>
+          </a:fillRef>
+          <a:effectRef idx="0">
+            <a:schemeClr val="accent1"/>
+          </a:effectRef>
+          <a:fontRef idx="minor">
+            <a:schemeClr val="lt1"/>
+          </a:fontRef>
+        </p:style>
+        <p:txBody>
+          <a:bodyPr rot="0" spcFirstLastPara="0" vertOverflow="overflow" horzOverflow="overflow" vert="horz" wrap="square" lIns="900000" tIns="0" rIns="0" bIns="0" numCol="1" spcCol="0" rtlCol="0" fromWordArt="0" anchor="ctr" anchorCtr="0" forceAA="0" compatLnSpc="1">
+            <a:normAutofit/>
+          </a:bodyPr>
+          <a:lstStyle/>
+          <a:p>
+            <a:r>
+              <a:rPr lang="en-US" altLang="zh-CN" spc="200">
+                <a:solidFill>
+                  <a:srgbClr val="FFFFFF"/>
+                </a:solidFill>
+              </a:rPr>
+              <a:t>SVN&amp;Git</a:t>
+            </a:r>
+            <a:endParaRPr lang="zh-CN" altLang="en-US" spc="200">
+              <a:solidFill>
+                <a:srgbClr val="FFFFFF"/>
+              </a:solidFill>
+            </a:endParaRPr>
+          </a:p>
+        </p:txBody>
+      </p:sp>
+      <p:sp>
+        <p:nvSpPr>
+          <p:cNvPr id="57" name="MH_Number_2">
+            <a:hlinkClick r:id="rId17" action="ppaction://hlinksldjump"/>
+          </p:cNvPr>
+          <p:cNvSpPr/>
+          <p:nvPr>
+            <p:custDataLst>
+              <p:tags r:id="rId10"/>
+            </p:custDataLst>
+          </p:nvPr>
+        </p:nvSpPr>
+        <p:spPr>
+          <a:xfrm>
+            <a:off x="2743199" y="2916582"/>
+            <a:ext cx="609601" cy="544615"/>
+          </a:xfrm>
+          <a:prstGeom prst="rect">
+            <a:avLst/>
+          </a:prstGeom>
+          <a:noFill/>
+          <a:ln>
+            <a:noFill/>
+          </a:ln>
+        </p:spPr>
+        <p:style>
+          <a:lnRef idx="2">
+            <a:schemeClr val="accent1">
+              <a:shade val="50000"/>
+            </a:schemeClr>
+          </a:lnRef>
+          <a:fillRef idx="1">
+            <a:schemeClr val="accent1"/>
+          </a:fillRef>
+          <a:effectRef idx="0">
+            <a:schemeClr val="accent1"/>
+          </a:effectRef>
+          <a:fontRef idx="minor">
+            <a:schemeClr val="lt1"/>
+          </a:fontRef>
+        </p:style>
+        <p:txBody>
+          <a:bodyPr wrap="square" lIns="0" tIns="0" rIns="0" bIns="0" rtlCol="0" anchor="ctr">
+            <a:normAutofit/>
+          </a:bodyPr>
+          <a:lstStyle/>
+          <a:p>
+            <a:pPr algn="ctr"/>
+            <a:r>
+              <a:rPr lang="en-US" altLang="zh-CN" sz="2400">
+                <a:solidFill>
+                  <a:srgbClr val="B2B2B2"/>
+                </a:solidFill>
+                <a:cs typeface="Times New Roman" panose="02020603050405020304" pitchFamily="18" charset="0"/>
+              </a:rPr>
+              <a:t>02</a:t>
+            </a:r>
+            <a:endParaRPr lang="zh-CN" altLang="en-US" sz="2400">
+              <a:solidFill>
+                <a:srgbClr val="B2B2B2"/>
+              </a:solidFill>
+              <a:cs typeface="Times New Roman" panose="02020603050405020304" pitchFamily="18" charset="0"/>
+            </a:endParaRPr>
+          </a:p>
+        </p:txBody>
+      </p:sp>
+      <p:sp>
+        <p:nvSpPr>
+          <p:cNvPr id="65" name="MH_Entry_3">
+            <a:hlinkClick r:id="rId18" action="ppaction://hlinksldjump"/>
+          </p:cNvPr>
+          <p:cNvSpPr/>
+          <p:nvPr>
+            <p:custDataLst>
+              <p:tags r:id="rId11"/>
+            </p:custDataLst>
+          </p:nvPr>
+        </p:nvSpPr>
+        <p:spPr>
+          <a:xfrm>
+            <a:off x="2514600" y="3768903"/>
+            <a:ext cx="6629400" cy="544613"/>
+          </a:xfrm>
+          <a:custGeom>
+            <a:avLst/>
+            <a:gdLst>
+              <a:gd name="connsiteX0" fmla="*/ 228599 w 6629400"/>
+              <a:gd name="connsiteY0" fmla="*/ 126626 h 362857"/>
+              <a:gd name="connsiteX1" fmla="*/ 228599 w 6629400"/>
+              <a:gd name="connsiteY1" fmla="*/ 362857 h 362857"/>
+              <a:gd name="connsiteX2" fmla="*/ 0 w 6629400"/>
+              <a:gd name="connsiteY2" fmla="*/ 362857 h 362857"/>
+              <a:gd name="connsiteX3" fmla="*/ 0 w 6629400"/>
+              <a:gd name="connsiteY3" fmla="*/ 362546 h 362857"/>
+              <a:gd name="connsiteX4" fmla="*/ 838200 w 6629400"/>
+              <a:gd name="connsiteY4" fmla="*/ 0 h 362857"/>
+              <a:gd name="connsiteX5" fmla="*/ 5791200 w 6629400"/>
+              <a:gd name="connsiteY5" fmla="*/ 0 h 362857"/>
+              <a:gd name="connsiteX6" fmla="*/ 6629400 w 6629400"/>
+              <a:gd name="connsiteY6" fmla="*/ 0 h 362857"/>
+              <a:gd name="connsiteX7" fmla="*/ 6629400 w 6629400"/>
+              <a:gd name="connsiteY7" fmla="*/ 362857 h 362857"/>
+              <a:gd name="connsiteX8" fmla="*/ 5791200 w 6629400"/>
+              <a:gd name="connsiteY8" fmla="*/ 362857 h 362857"/>
+              <a:gd name="connsiteX9" fmla="*/ 838200 w 6629400"/>
+              <a:gd name="connsiteY9" fmla="*/ 362857 h 362857"/>
+            </a:gdLst>
+            <a:ahLst/>
+            <a:cxnLst>
+              <a:cxn ang="0">
+                <a:pos x="connsiteX0" y="connsiteY0"/>
+              </a:cxn>
+              <a:cxn ang="0">
+                <a:pos x="connsiteX1" y="connsiteY1"/>
+              </a:cxn>
+              <a:cxn ang="0">
+                <a:pos x="connsiteX2" y="connsiteY2"/>
+              </a:cxn>
+              <a:cxn ang="0">
+                <a:pos x="connsiteX3" y="connsiteY3"/>
+              </a:cxn>
+              <a:cxn ang="0">
+                <a:pos x="connsiteX4" y="connsiteY4"/>
+              </a:cxn>
+              <a:cxn ang="0">
+                <a:pos x="connsiteX5" y="connsiteY5"/>
+              </a:cxn>
+              <a:cxn ang="0">
+                <a:pos x="connsiteX6" y="connsiteY6"/>
+              </a:cxn>
+              <a:cxn ang="0">
+                <a:pos x="connsiteX7" y="connsiteY7"/>
+              </a:cxn>
+              <a:cxn ang="0">
+                <a:pos x="connsiteX8" y="connsiteY8"/>
+              </a:cxn>
+              <a:cxn ang="0">
+                <a:pos x="connsiteX9" y="connsiteY9"/>
+              </a:cxn>
+            </a:cxnLst>
+            <a:rect l="l" t="t" r="r" b="b"/>
+            <a:pathLst>
+              <a:path w="6629400" h="362857">
+                <a:moveTo>
+                  <a:pt x="228599" y="126626"/>
+                </a:moveTo>
+                <a:lnTo>
+                  <a:pt x="228599" y="362857"/>
+                </a:lnTo>
+                <a:lnTo>
+                  <a:pt x="0" y="362857"/>
+                </a:lnTo>
+                <a:lnTo>
+                  <a:pt x="0" y="362546"/>
+                </a:lnTo>
+                <a:close/>
+                <a:moveTo>
+                  <a:pt x="838200" y="0"/>
+                </a:moveTo>
+                <a:lnTo>
+                  <a:pt x="5791200" y="0"/>
+                </a:lnTo>
+                <a:lnTo>
+                  <a:pt x="6629400" y="0"/>
+                </a:lnTo>
+                <a:lnTo>
+                  <a:pt x="6629400" y="362857"/>
+                </a:lnTo>
+                <a:lnTo>
+                  <a:pt x="5791200" y="362857"/>
+                </a:lnTo>
+                <a:lnTo>
+                  <a:pt x="838200" y="362857"/>
+                </a:lnTo>
+                <a:close/>
+              </a:path>
+            </a:pathLst>
+          </a:custGeom>
+          <a:solidFill>
+            <a:srgbClr val="E4E4E4"/>
+          </a:solidFill>
+          <a:ln>
+            <a:noFill/>
+          </a:ln>
+        </p:spPr>
+        <p:style>
+          <a:lnRef idx="2">
+            <a:schemeClr val="accent1">
+              <a:shade val="50000"/>
+            </a:schemeClr>
+          </a:lnRef>
+          <a:fillRef idx="1">
+            <a:schemeClr val="accent1"/>
+          </a:fillRef>
+          <a:effectRef idx="0">
+            <a:schemeClr val="accent1"/>
+          </a:effectRef>
+          <a:fontRef idx="minor">
+            <a:schemeClr val="lt1"/>
+          </a:fontRef>
+        </p:style>
+        <p:txBody>
+          <a:bodyPr rot="0" spcFirstLastPara="0" vertOverflow="overflow" horzOverflow="overflow" vert="horz" wrap="square" lIns="900000" tIns="0" rIns="0" bIns="0" numCol="1" spcCol="0" rtlCol="0" fromWordArt="0" anchor="ctr" anchorCtr="0" forceAA="0" compatLnSpc="1">
+            <a:normAutofit/>
+          </a:bodyPr>
+          <a:lstStyle/>
+          <a:p>
+            <a:r>
+              <a:rPr lang="zh-CN" altLang="en-US" spc="200">
+                <a:solidFill>
+                  <a:srgbClr val="FFFFFF"/>
+                </a:solidFill>
+              </a:rPr>
+              <a:t>项目管理工具</a:t>
+            </a:r>
+            <a:r>
+              <a:rPr lang="en-US" altLang="zh-CN" spc="200">
+                <a:solidFill>
+                  <a:srgbClr val="FFFFFF"/>
+                </a:solidFill>
+              </a:rPr>
+              <a:t>-JIRA</a:t>
+            </a:r>
+            <a:endParaRPr lang="zh-CN" altLang="en-US" spc="200">
+              <a:solidFill>
+                <a:srgbClr val="FFFFFF"/>
+              </a:solidFill>
+            </a:endParaRPr>
+          </a:p>
+        </p:txBody>
+      </p:sp>
+      <p:sp>
+        <p:nvSpPr>
+          <p:cNvPr id="69" name="MH_Number_3">
+            <a:hlinkClick r:id="rId18" action="ppaction://hlinksldjump"/>
+          </p:cNvPr>
+          <p:cNvSpPr/>
+          <p:nvPr>
+            <p:custDataLst>
+              <p:tags r:id="rId12"/>
+            </p:custDataLst>
+          </p:nvPr>
+        </p:nvSpPr>
+        <p:spPr>
+          <a:xfrm>
+            <a:off x="2743199" y="3768901"/>
+            <a:ext cx="609601" cy="544615"/>
+          </a:xfrm>
+          <a:prstGeom prst="rect">
+            <a:avLst/>
+          </a:prstGeom>
+          <a:noFill/>
+          <a:ln>
+            <a:noFill/>
+          </a:ln>
+        </p:spPr>
+        <p:style>
+          <a:lnRef idx="2">
+            <a:schemeClr val="accent1">
+              <a:shade val="50000"/>
+            </a:schemeClr>
+          </a:lnRef>
+          <a:fillRef idx="1">
+            <a:schemeClr val="accent1"/>
+          </a:fillRef>
+          <a:effectRef idx="0">
+            <a:schemeClr val="accent1"/>
+          </a:effectRef>
+          <a:fontRef idx="minor">
+            <a:schemeClr val="lt1"/>
+          </a:fontRef>
+        </p:style>
+        <p:txBody>
+          <a:bodyPr wrap="square" lIns="0" tIns="0" rIns="0" bIns="0" rtlCol="0" anchor="ctr">
+            <a:normAutofit/>
+          </a:bodyPr>
+          <a:lstStyle/>
+          <a:p>
+            <a:pPr algn="ctr"/>
+            <a:r>
+              <a:rPr lang="en-US" altLang="zh-CN" sz="2400">
+                <a:solidFill>
+                  <a:srgbClr val="B2B2B2"/>
+                </a:solidFill>
+                <a:cs typeface="Times New Roman" panose="02020603050405020304" pitchFamily="18" charset="0"/>
+              </a:rPr>
+              <a:t>03</a:t>
+            </a:r>
+            <a:endParaRPr lang="zh-CN" altLang="en-US" sz="2400">
+              <a:solidFill>
+                <a:srgbClr val="B2B2B2"/>
+              </a:solidFill>
+              <a:cs typeface="Times New Roman" panose="02020603050405020304" pitchFamily="18" charset="0"/>
+            </a:endParaRPr>
+          </a:p>
+        </p:txBody>
+      </p:sp>
+      <p:sp>
+        <p:nvSpPr>
+          <p:cNvPr id="77" name="MH_Entry_4"/>
+          <p:cNvSpPr/>
+          <p:nvPr>
+            <p:custDataLst>
+              <p:tags r:id="rId13"/>
+            </p:custDataLst>
+          </p:nvPr>
+        </p:nvSpPr>
+        <p:spPr>
+          <a:xfrm>
+            <a:off x="2514600" y="4621223"/>
+            <a:ext cx="6629400" cy="544613"/>
+          </a:xfrm>
+          <a:custGeom>
+            <a:avLst/>
+            <a:gdLst>
+              <a:gd name="connsiteX0" fmla="*/ 228599 w 6629400"/>
+              <a:gd name="connsiteY0" fmla="*/ 126626 h 362857"/>
+              <a:gd name="connsiteX1" fmla="*/ 228599 w 6629400"/>
+              <a:gd name="connsiteY1" fmla="*/ 362857 h 362857"/>
+              <a:gd name="connsiteX2" fmla="*/ 0 w 6629400"/>
+              <a:gd name="connsiteY2" fmla="*/ 362857 h 362857"/>
+              <a:gd name="connsiteX3" fmla="*/ 0 w 6629400"/>
+              <a:gd name="connsiteY3" fmla="*/ 362546 h 362857"/>
+              <a:gd name="connsiteX4" fmla="*/ 838200 w 6629400"/>
+              <a:gd name="connsiteY4" fmla="*/ 0 h 362857"/>
+              <a:gd name="connsiteX5" fmla="*/ 5791200 w 6629400"/>
+              <a:gd name="connsiteY5" fmla="*/ 0 h 362857"/>
+              <a:gd name="connsiteX6" fmla="*/ 6629400 w 6629400"/>
+              <a:gd name="connsiteY6" fmla="*/ 0 h 362857"/>
+              <a:gd name="connsiteX7" fmla="*/ 6629400 w 6629400"/>
+              <a:gd name="connsiteY7" fmla="*/ 362857 h 362857"/>
+              <a:gd name="connsiteX8" fmla="*/ 5791200 w 6629400"/>
+              <a:gd name="connsiteY8" fmla="*/ 362857 h 362857"/>
+              <a:gd name="connsiteX9" fmla="*/ 838200 w 6629400"/>
+              <a:gd name="connsiteY9" fmla="*/ 362857 h 362857"/>
+            </a:gdLst>
+            <a:ahLst/>
+            <a:cxnLst>
+              <a:cxn ang="0">
+                <a:pos x="connsiteX0" y="connsiteY0"/>
+              </a:cxn>
+              <a:cxn ang="0">
+                <a:pos x="connsiteX1" y="connsiteY1"/>
+              </a:cxn>
+              <a:cxn ang="0">
+                <a:pos x="connsiteX2" y="connsiteY2"/>
+              </a:cxn>
+              <a:cxn ang="0">
+                <a:pos x="connsiteX3" y="connsiteY3"/>
+              </a:cxn>
+              <a:cxn ang="0">
+                <a:pos x="connsiteX4" y="connsiteY4"/>
+              </a:cxn>
+              <a:cxn ang="0">
+                <a:pos x="connsiteX5" y="connsiteY5"/>
+              </a:cxn>
+              <a:cxn ang="0">
+                <a:pos x="connsiteX6" y="connsiteY6"/>
+              </a:cxn>
+              <a:cxn ang="0">
+                <a:pos x="connsiteX7" y="connsiteY7"/>
+              </a:cxn>
+              <a:cxn ang="0">
+                <a:pos x="connsiteX8" y="connsiteY8"/>
+              </a:cxn>
+              <a:cxn ang="0">
+                <a:pos x="connsiteX9" y="connsiteY9"/>
+              </a:cxn>
+            </a:cxnLst>
+            <a:rect l="l" t="t" r="r" b="b"/>
+            <a:pathLst>
+              <a:path w="6629400" h="362857">
+                <a:moveTo>
+                  <a:pt x="228599" y="126626"/>
+                </a:moveTo>
+                <a:lnTo>
+                  <a:pt x="228599" y="362857"/>
+                </a:lnTo>
+                <a:lnTo>
+                  <a:pt x="0" y="362857"/>
+                </a:lnTo>
+                <a:lnTo>
+                  <a:pt x="0" y="362546"/>
+                </a:lnTo>
+                <a:close/>
+                <a:moveTo>
+                  <a:pt x="838200" y="0"/>
+                </a:moveTo>
+                <a:lnTo>
+                  <a:pt x="5791200" y="0"/>
+                </a:lnTo>
+                <a:lnTo>
+                  <a:pt x="6629400" y="0"/>
+                </a:lnTo>
+                <a:lnTo>
+                  <a:pt x="6629400" y="362857"/>
+                </a:lnTo>
+                <a:lnTo>
+                  <a:pt x="5791200" y="362857"/>
+                </a:lnTo>
+                <a:lnTo>
+                  <a:pt x="838200" y="362857"/>
+                </a:lnTo>
+                <a:close/>
+              </a:path>
+            </a:pathLst>
+          </a:custGeom>
+          <a:solidFill>
+            <a:schemeClr val="accent1"/>
+          </a:solidFill>
+          <a:ln>
+            <a:noFill/>
+          </a:ln>
+        </p:spPr>
+        <p:style>
+          <a:lnRef idx="2">
+            <a:schemeClr val="accent1">
+              <a:shade val="50000"/>
+            </a:schemeClr>
+          </a:lnRef>
+          <a:fillRef idx="1">
+            <a:schemeClr val="accent1"/>
+          </a:fillRef>
+          <a:effectRef idx="0">
+            <a:schemeClr val="accent1"/>
+          </a:effectRef>
+          <a:fontRef idx="minor">
+            <a:schemeClr val="lt1"/>
+          </a:fontRef>
+        </p:style>
+        <p:txBody>
+          <a:bodyPr rot="0" spcFirstLastPara="0" vertOverflow="overflow" horzOverflow="overflow" vert="horz" wrap="square" lIns="900000" tIns="0" rIns="0" bIns="0" numCol="1" spcCol="0" rtlCol="0" fromWordArt="0" anchor="ctr" anchorCtr="0" forceAA="0" compatLnSpc="1">
+            <a:normAutofit/>
+          </a:bodyPr>
+          <a:lstStyle/>
+          <a:p>
+            <a:r>
+              <a:rPr lang="zh-CN" altLang="en-US" spc="200">
+                <a:solidFill>
+                  <a:srgbClr val="FFFFFF"/>
+                </a:solidFill>
+              </a:rPr>
+              <a:t>项目管理工具</a:t>
+            </a:r>
+            <a:r>
+              <a:rPr lang="en-US" altLang="zh-CN" spc="200">
+                <a:solidFill>
+                  <a:srgbClr val="FFFFFF"/>
+                </a:solidFill>
+              </a:rPr>
+              <a:t>-</a:t>
+            </a:r>
+            <a:r>
+              <a:rPr lang="zh-CN" altLang="en-US" spc="200">
+                <a:solidFill>
+                  <a:srgbClr val="FFFFFF"/>
+                </a:solidFill>
+              </a:rPr>
               <a:t>禅道</a:t>
             </a:r>
-            <a:endParaRPr lang="zh-CN" altLang="en-US" dirty="0"/>
           </a:p>
         </p:txBody>
       </p:sp>
       <p:sp>
         <p:nvSpPr>
-          <p:cNvPr id="3" name="内容占位符 2"/>
-          <p:cNvSpPr>
-            <a:spLocks noGrp="1"/>
-          </p:cNvSpPr>
+          <p:cNvPr id="78" name="MH_Number_4"/>
+          <p:cNvSpPr/>
           <p:nvPr>
-            <p:ph idx="1"/>
+            <p:custDataLst>
+              <p:tags r:id="rId14"/>
+            </p:custDataLst>
           </p:nvPr>
         </p:nvSpPr>
-        <p:spPr/>
+        <p:spPr>
+          <a:xfrm>
+            <a:off x="2743199" y="4621221"/>
+            <a:ext cx="609601" cy="544615"/>
+          </a:xfrm>
+          <a:prstGeom prst="rect">
+            <a:avLst/>
+          </a:prstGeom>
+          <a:noFill/>
+          <a:ln>
+            <a:noFill/>
+          </a:ln>
+        </p:spPr>
+        <p:style>
+          <a:lnRef idx="2">
+            <a:schemeClr val="accent1">
+              <a:shade val="50000"/>
+            </a:schemeClr>
+          </a:lnRef>
+          <a:fillRef idx="1">
+            <a:schemeClr val="accent1"/>
+          </a:fillRef>
+          <a:effectRef idx="0">
+            <a:schemeClr val="accent1"/>
+          </a:effectRef>
+          <a:fontRef idx="minor">
+            <a:schemeClr val="lt1"/>
+          </a:fontRef>
+        </p:style>
         <p:txBody>
-          <a:bodyPr/>
+          <a:bodyPr wrap="square" lIns="0" tIns="0" rIns="0" bIns="0" rtlCol="0" anchor="ctr">
+            <a:normAutofit/>
+          </a:bodyPr>
           <a:lstStyle/>
           <a:p>
-            <a:r>
-              <a:rPr lang="zh-CN" altLang="en-US" dirty="0"/>
-              <a:t>禅</a:t>
-            </a:r>
-            <a:r>
-              <a:rPr lang="zh-CN" altLang="en-US" dirty="0" smtClean="0"/>
-              <a:t>道概述</a:t>
-            </a:r>
-            <a:endParaRPr lang="en-US" altLang="zh-CN" dirty="0" smtClean="0"/>
-          </a:p>
-          <a:p>
-            <a:r>
-              <a:rPr lang="zh-CN" altLang="en-US" dirty="0"/>
-              <a:t>机</a:t>
-            </a:r>
-            <a:r>
-              <a:rPr lang="zh-CN" altLang="en-US" dirty="0" smtClean="0"/>
-              <a:t>务产品组使用</a:t>
-            </a:r>
-            <a:endParaRPr lang="en-US" altLang="zh-CN" dirty="0" smtClean="0"/>
-          </a:p>
-          <a:p>
-            <a:r>
-              <a:rPr lang="zh-CN" altLang="en-US" dirty="0"/>
-              <a:t>账号密码</a:t>
-            </a:r>
-          </a:p>
-          <a:p>
-            <a:r>
-              <a:rPr lang="zh-CN" altLang="en-US" dirty="0" smtClean="0"/>
-              <a:t>请联系管理员刘志</a:t>
-            </a:r>
-            <a:endParaRPr lang="zh-CN" altLang="en-US" dirty="0"/>
+            <a:pPr algn="ctr"/>
+            <a:r>
+              <a:rPr lang="en-US" altLang="zh-CN" sz="2800">
+                <a:solidFill>
+                  <a:schemeClr val="tx1"/>
+                </a:solidFill>
+                <a:cs typeface="Times New Roman" panose="02020603050405020304" pitchFamily="18" charset="0"/>
+              </a:rPr>
+              <a:t>04</a:t>
+            </a:r>
+            <a:endParaRPr lang="zh-CN" altLang="en-US" sz="2800">
+              <a:solidFill>
+                <a:schemeClr val="tx1"/>
+              </a:solidFill>
+              <a:cs typeface="Times New Roman" panose="02020603050405020304" pitchFamily="18" charset="0"/>
+            </a:endParaRPr>
           </a:p>
         </p:txBody>
       </p:sp>
     </p:spTree>
+    <p:custDataLst>
+      <p:tags r:id="rId1"/>
+    </p:custDataLst>
     <p:extLst>
       <p:ext uri="{BB962C8B-B14F-4D97-AF65-F5344CB8AC3E}">
-        <p14:creationId xmlns:p14="http://schemas.microsoft.com/office/powerpoint/2010/main" val="2963104977"/>
+        <p14:creationId xmlns:p14="http://schemas.microsoft.com/office/powerpoint/2010/main" val="3535865033"/>
       </p:ext>
     </p:extLst>
   </p:cSld>
@@ -13150,7 +13166,7 @@
           <a:p>
             <a:r>
               <a:rPr lang="zh-CN" altLang="en-US" dirty="0" smtClean="0"/>
-              <a:t>禅道使用</a:t>
+              <a:t>禅道</a:t>
             </a:r>
             <a:endParaRPr lang="zh-CN" altLang="en-US" dirty="0"/>
           </a:p>
@@ -13172,75 +13188,36 @@
           <a:lstStyle/>
           <a:p>
             <a:r>
+              <a:rPr lang="zh-CN" altLang="en-US" dirty="0"/>
+              <a:t>禅</a:t>
+            </a:r>
+            <a:r>
               <a:rPr lang="zh-CN" altLang="en-US" dirty="0" smtClean="0"/>
-              <a:t>产品</a:t>
+              <a:t>道概述</a:t>
             </a:r>
             <a:endParaRPr lang="en-US" altLang="zh-CN" dirty="0" smtClean="0"/>
           </a:p>
           <a:p>
-            <a:pPr marL="0" indent="0">
-              <a:buNone/>
-            </a:pPr>
             <a:r>
               <a:rPr lang="zh-CN" altLang="en-US" dirty="0"/>
-              <a:t>需</a:t>
+              <a:t>机</a:t>
             </a:r>
             <a:r>
               <a:rPr lang="zh-CN" altLang="en-US" dirty="0" smtClean="0"/>
-              <a:t>求 计划 发布</a:t>
+              <a:t>务产品组使用</a:t>
             </a:r>
             <a:endParaRPr lang="en-US" altLang="zh-CN" dirty="0" smtClean="0"/>
           </a:p>
           <a:p>
             <a:r>
               <a:rPr lang="zh-CN" altLang="en-US" dirty="0"/>
-              <a:t>迭</a:t>
-            </a:r>
+              <a:t>账号密码</a:t>
+            </a:r>
+          </a:p>
+          <a:p>
             <a:r>
               <a:rPr lang="zh-CN" altLang="en-US" dirty="0" smtClean="0"/>
-              <a:t>代</a:t>
-            </a:r>
-            <a:endParaRPr lang="en-US" altLang="zh-CN" dirty="0" smtClean="0"/>
-          </a:p>
-          <a:p>
-            <a:pPr marL="0" indent="0">
-              <a:buNone/>
-            </a:pPr>
-            <a:r>
-              <a:rPr lang="zh-CN" altLang="en-US" dirty="0"/>
-              <a:t>任务</a:t>
-            </a:r>
-            <a:endParaRPr lang="en-US" altLang="zh-CN" dirty="0" smtClean="0"/>
-          </a:p>
-          <a:p>
-            <a:r>
-              <a:rPr lang="zh-CN" altLang="en-US" dirty="0"/>
-              <a:t>测</a:t>
-            </a:r>
-            <a:r>
-              <a:rPr lang="zh-CN" altLang="en-US" dirty="0" smtClean="0"/>
-              <a:t>试</a:t>
-            </a:r>
-            <a:endParaRPr lang="en-US" altLang="zh-CN" dirty="0" smtClean="0"/>
-          </a:p>
-          <a:p>
-            <a:pPr marL="0" indent="0">
-              <a:buNone/>
-            </a:pPr>
-            <a:r>
-              <a:rPr lang="en-US" altLang="zh-CN" dirty="0" smtClean="0"/>
-              <a:t>Bug </a:t>
-            </a:r>
-            <a:r>
-              <a:rPr lang="zh-CN" altLang="en-US" dirty="0" smtClean="0"/>
-              <a:t>用例</a:t>
-            </a:r>
-            <a:endParaRPr lang="en-US" altLang="zh-CN" dirty="0" smtClean="0"/>
-          </a:p>
-          <a:p>
-            <a:r>
-              <a:rPr lang="zh-CN" altLang="en-US" dirty="0" smtClean="0"/>
-              <a:t>我的待办</a:t>
+              <a:t>请联系管理员刘志</a:t>
             </a:r>
             <a:endParaRPr lang="zh-CN" altLang="en-US" dirty="0"/>
           </a:p>
@@ -13249,7 +13226,7 @@
     </p:spTree>
     <p:extLst>
       <p:ext uri="{BB962C8B-B14F-4D97-AF65-F5344CB8AC3E}">
-        <p14:creationId xmlns:p14="http://schemas.microsoft.com/office/powerpoint/2010/main" val="3655759686"/>
+        <p14:creationId xmlns:p14="http://schemas.microsoft.com/office/powerpoint/2010/main" val="2963104977"/>
       </p:ext>
     </p:extLst>
   </p:cSld>
@@ -13300,6 +13277,156 @@
           <a:p>
             <a:r>
               <a:rPr lang="zh-CN" altLang="en-US" dirty="0" smtClean="0"/>
+              <a:t>禅道使用</a:t>
+            </a:r>
+            <a:endParaRPr lang="zh-CN" altLang="en-US" dirty="0"/>
+          </a:p>
+        </p:txBody>
+      </p:sp>
+      <p:sp>
+        <p:nvSpPr>
+          <p:cNvPr id="3" name="内容占位符 2"/>
+          <p:cNvSpPr>
+            <a:spLocks noGrp="1"/>
+          </p:cNvSpPr>
+          <p:nvPr>
+            <p:ph idx="1"/>
+          </p:nvPr>
+        </p:nvSpPr>
+        <p:spPr/>
+        <p:txBody>
+          <a:bodyPr/>
+          <a:lstStyle/>
+          <a:p>
+            <a:r>
+              <a:rPr lang="zh-CN" altLang="en-US" dirty="0" smtClean="0"/>
+              <a:t>产品</a:t>
+            </a:r>
+            <a:endParaRPr lang="en-US" altLang="zh-CN" dirty="0" smtClean="0"/>
+          </a:p>
+          <a:p>
+            <a:pPr marL="0" indent="0">
+              <a:buNone/>
+            </a:pPr>
+            <a:r>
+              <a:rPr lang="zh-CN" altLang="en-US" dirty="0"/>
+              <a:t>需</a:t>
+            </a:r>
+            <a:r>
+              <a:rPr lang="zh-CN" altLang="en-US" dirty="0" smtClean="0"/>
+              <a:t>求 计划 发布</a:t>
+            </a:r>
+            <a:endParaRPr lang="en-US" altLang="zh-CN" dirty="0" smtClean="0"/>
+          </a:p>
+          <a:p>
+            <a:r>
+              <a:rPr lang="zh-CN" altLang="en-US" dirty="0"/>
+              <a:t>迭</a:t>
+            </a:r>
+            <a:r>
+              <a:rPr lang="zh-CN" altLang="en-US" dirty="0" smtClean="0"/>
+              <a:t>代</a:t>
+            </a:r>
+            <a:endParaRPr lang="en-US" altLang="zh-CN" dirty="0" smtClean="0"/>
+          </a:p>
+          <a:p>
+            <a:pPr marL="0" indent="0">
+              <a:buNone/>
+            </a:pPr>
+            <a:r>
+              <a:rPr lang="zh-CN" altLang="en-US" dirty="0"/>
+              <a:t>任务</a:t>
+            </a:r>
+            <a:endParaRPr lang="en-US" altLang="zh-CN" dirty="0" smtClean="0"/>
+          </a:p>
+          <a:p>
+            <a:r>
+              <a:rPr lang="zh-CN" altLang="en-US" dirty="0"/>
+              <a:t>测</a:t>
+            </a:r>
+            <a:r>
+              <a:rPr lang="zh-CN" altLang="en-US" dirty="0" smtClean="0"/>
+              <a:t>试</a:t>
+            </a:r>
+            <a:endParaRPr lang="en-US" altLang="zh-CN" dirty="0" smtClean="0"/>
+          </a:p>
+          <a:p>
+            <a:pPr marL="0" indent="0">
+              <a:buNone/>
+            </a:pPr>
+            <a:r>
+              <a:rPr lang="en-US" altLang="zh-CN" dirty="0" smtClean="0"/>
+              <a:t>Bug </a:t>
+            </a:r>
+            <a:r>
+              <a:rPr lang="zh-CN" altLang="en-US" dirty="0" smtClean="0"/>
+              <a:t>用例</a:t>
+            </a:r>
+            <a:endParaRPr lang="en-US" altLang="zh-CN" dirty="0" smtClean="0"/>
+          </a:p>
+          <a:p>
+            <a:r>
+              <a:rPr lang="zh-CN" altLang="en-US" dirty="0" smtClean="0"/>
+              <a:t>我的待办</a:t>
+            </a:r>
+            <a:endParaRPr lang="zh-CN" altLang="en-US" dirty="0"/>
+          </a:p>
+        </p:txBody>
+      </p:sp>
+    </p:spTree>
+    <p:extLst>
+      <p:ext uri="{BB962C8B-B14F-4D97-AF65-F5344CB8AC3E}">
+        <p14:creationId xmlns:p14="http://schemas.microsoft.com/office/powerpoint/2010/main" val="3655759686"/>
+      </p:ext>
+    </p:extLst>
+  </p:cSld>
+  <p:clrMapOvr>
+    <a:masterClrMapping/>
+  </p:clrMapOvr>
+  <p:timing>
+    <p:tnLst>
+      <p:par>
+        <p:cTn id="1" dur="indefinite" restart="never" nodeType="tmRoot"/>
+      </p:par>
+    </p:tnLst>
+  </p:timing>
+</p:sld>
+</file>
+
+<file path=ppt/slides/slide23.xml><?xml version="1.0" encoding="utf-8"?>
+<p:sld xmlns:a="http://schemas.openxmlformats.org/drawingml/2006/main" xmlns:r="http://schemas.openxmlformats.org/officeDocument/2006/relationships" xmlns:p="http://schemas.openxmlformats.org/presentationml/2006/main">
+  <p:cSld>
+    <p:spTree>
+      <p:nvGrpSpPr>
+        <p:cNvPr id="1" name=""/>
+        <p:cNvGrpSpPr/>
+        <p:nvPr/>
+      </p:nvGrpSpPr>
+      <p:grpSpPr>
+        <a:xfrm>
+          <a:off x="0" y="0"/>
+          <a:ext cx="0" cy="0"/>
+          <a:chOff x="0" y="0"/>
+          <a:chExt cx="0" cy="0"/>
+        </a:xfrm>
+      </p:grpSpPr>
+      <p:sp>
+        <p:nvSpPr>
+          <p:cNvPr id="2" name="标题 1"/>
+          <p:cNvSpPr>
+            <a:spLocks noGrp="1"/>
+          </p:cNvSpPr>
+          <p:nvPr>
+            <p:ph type="title"/>
+          </p:nvPr>
+        </p:nvSpPr>
+        <p:spPr/>
+        <p:txBody>
+          <a:bodyPr/>
+          <a:lstStyle/>
+          <a:p>
+            <a:r>
+              <a:rPr lang="zh-CN" altLang="en-US" dirty="0" smtClean="0"/>
               <a:t>禅道报表</a:t>
             </a:r>
             <a:endParaRPr lang="zh-CN" altLang="en-US" dirty="0"/>
@@ -13410,7 +13537,7 @@
 </p:sld>
 </file>
 
-<file path=ppt/slides/slide23.xml><?xml version="1.0" encoding="utf-8"?>
+<file path=ppt/slides/slide24.xml><?xml version="1.0" encoding="utf-8"?>
 <p:sld xmlns:a="http://schemas.openxmlformats.org/drawingml/2006/main" xmlns:r="http://schemas.openxmlformats.org/officeDocument/2006/relationships" xmlns:p="http://schemas.openxmlformats.org/presentationml/2006/main">
   <p:cSld>
     <p:bg>
@@ -19516,9 +19643,52 @@
             </a:pPr>
             <a:r>
               <a:rPr lang="zh-CN" altLang="en-US" dirty="0" smtClean="0"/>
-              <a:t>个人账号和密码请留意配置管理员丰声通知</a:t>
+              <a:t>个人账号和密码请留意配置管理员丰声通</a:t>
+            </a:r>
+            <a:r>
+              <a:rPr lang="zh-CN" altLang="en-US" dirty="0" smtClean="0"/>
+              <a:t>知</a:t>
             </a:r>
             <a:endParaRPr lang="en-US" altLang="zh-CN" dirty="0" smtClean="0"/>
+          </a:p>
+          <a:p>
+            <a:pPr marL="0" indent="0">
+              <a:buNone/>
+            </a:pPr>
+            <a:r>
+              <a:rPr lang="zh-CN" altLang="en-US" dirty="0" smtClean="0"/>
+              <a:t>机务产品组</a:t>
+            </a:r>
+            <a:r>
+              <a:rPr lang="en-US" altLang="zh-CN" dirty="0" smtClean="0"/>
+              <a:t>ME</a:t>
+            </a:r>
+            <a:r>
+              <a:rPr lang="zh-CN" altLang="en-US" dirty="0" smtClean="0"/>
+              <a:t>项目专用</a:t>
+            </a:r>
+            <a:endParaRPr lang="en-US" altLang="zh-CN" dirty="0" smtClean="0"/>
+          </a:p>
+          <a:p>
+            <a:pPr marL="0" indent="0">
+              <a:buNone/>
+            </a:pPr>
+            <a:r>
+              <a:rPr lang="zh-CN" altLang="en-US" dirty="0" smtClean="0"/>
+              <a:t>权限找王</a:t>
+            </a:r>
+            <a:r>
+              <a:rPr lang="zh-CN" altLang="en-US" dirty="0"/>
+              <a:t>祚</a:t>
+            </a:r>
+            <a:r>
+              <a:rPr lang="zh-CN" altLang="en-US" dirty="0" smtClean="0"/>
+              <a:t>勇开通</a:t>
+            </a:r>
+            <a:r>
+              <a:rPr lang="en-US" altLang="zh-CN" dirty="0"/>
+              <a:t>svn://10.88.15.170/</a:t>
+            </a:r>
           </a:p>
           <a:p>
             <a:pPr marL="0" indent="0">
@@ -20845,7 +21015,7 @@
   <a:extraClrSchemeLst/>
   <a:extLst>
     <a:ext uri="{05A4C25C-085E-4340-85A3-A5531E510DB2}">
-      <thm15:themeFamily xmlns:thm15="http://schemas.microsoft.com/office/thememl/2012/main" xmlns="" name="Office Theme" id="{62F939B6-93AF-4DB8-9C6B-D6C7DFDC589F}" vid="{4A3C46E8-61CC-4603-A589-7422A47A8E4A}"/>
+      <thm15:themeFamily xmlns:thm15="http://schemas.microsoft.com/office/thememl/2012/main" name="Office Theme" id="{62F939B6-93AF-4DB8-9C6B-D6C7DFDC589F}" vid="{4A3C46E8-61CC-4603-A589-7422A47A8E4A}"/>
     </a:ext>
   </a:extLst>
 </a:theme>

--- a/新员工入职指引/信息技术部常用管理平台使用.pptx
+++ b/新员工入职指引/信息技术部常用管理平台使用.pptx
@@ -4976,16 +4976,22 @@
           <a:lstStyle/>
           <a:p>
             <a:r>
-              <a:rPr lang="en-US" altLang="zh-CN" dirty="0" err="1" smtClean="0"/>
-              <a:t>Git</a:t>
-            </a:r>
-            <a:r>
-              <a:rPr lang="en-US" altLang="zh-CN" dirty="0" smtClean="0"/>
-              <a:t> </a:t>
-            </a:r>
+              <a:rPr lang="en-US" altLang="zh-CN" u="sng" dirty="0" smtClean="0">
+                <a:solidFill>
+                  <a:srgbClr val="00B0F0"/>
+                </a:solidFill>
+              </a:rPr>
+              <a:t>http://10.88.22.6/dashboard</a:t>
+            </a:r>
+          </a:p>
+          <a:p>
             <a:r>
               <a:rPr lang="zh-CN" altLang="en-US" dirty="0" smtClean="0"/>
-              <a:t>综合产品组和航务产品组使用</a:t>
+              <a:t>综</a:t>
+            </a:r>
+            <a:r>
+              <a:rPr lang="zh-CN" altLang="en-US" dirty="0" smtClean="0"/>
+              <a:t>合产品组和航务产品组使用</a:t>
             </a:r>
             <a:endParaRPr lang="en-US" altLang="zh-CN" dirty="0" smtClean="0"/>
           </a:p>
@@ -5007,7 +5013,15 @@
             </a:r>
             <a:r>
               <a:rPr lang="zh-CN" altLang="en-US" dirty="0" smtClean="0"/>
-              <a:t>续如果统一管理另行通知</a:t>
+              <a:t>续如果统一管</a:t>
+            </a:r>
+            <a:r>
+              <a:rPr lang="zh-CN" altLang="en-US" dirty="0" smtClean="0"/>
+              <a:t>理请留意通</a:t>
+            </a:r>
+            <a:r>
+              <a:rPr lang="zh-CN" altLang="en-US" dirty="0" smtClean="0"/>
+              <a:t>知</a:t>
             </a:r>
             <a:endParaRPr lang="zh-CN" altLang="en-US" dirty="0"/>
           </a:p>
@@ -8999,8 +9013,27 @@
           <a:lstStyle/>
           <a:p>
             <a:r>
+              <a:rPr lang="en-US" altLang="zh-CN" u="sng" dirty="0">
+                <a:solidFill>
+                  <a:srgbClr val="00B0F0"/>
+                </a:solidFill>
+              </a:rPr>
+              <a:t>http://10.88.2.162/secure/Dashboard.jspa</a:t>
+            </a:r>
+            <a:endParaRPr lang="en-US" altLang="zh-CN" u="sng" dirty="0" smtClean="0">
+              <a:solidFill>
+                <a:srgbClr val="00B0F0"/>
+              </a:solidFill>
+            </a:endParaRPr>
+          </a:p>
+          <a:p>
+            <a:r>
               <a:rPr lang="zh-CN" altLang="en-US" dirty="0" smtClean="0"/>
-              <a:t>工号和密码</a:t>
+              <a:t>工</a:t>
+            </a:r>
+            <a:r>
+              <a:rPr lang="zh-CN" altLang="en-US" dirty="0" smtClean="0"/>
+              <a:t>号和密码</a:t>
             </a:r>
             <a:endParaRPr lang="en-US" altLang="zh-CN" dirty="0" smtClean="0"/>
           </a:p>
@@ -9072,7 +9105,7 @@
         </p:blipFill>
         <p:spPr bwMode="auto">
           <a:xfrm>
-            <a:off x="899592" y="1700808"/>
+            <a:off x="2375923" y="2276872"/>
             <a:ext cx="4359348" cy="2264736"/>
           </a:xfrm>
           <a:prstGeom prst="rect">
@@ -13188,7 +13221,30 @@
           <a:lstStyle/>
           <a:p>
             <a:r>
-              <a:rPr lang="zh-CN" altLang="en-US" dirty="0"/>
+              <a:rPr lang="en-US" altLang="zh-CN" u="sng" dirty="0">
+                <a:solidFill>
+                  <a:srgbClr val="00B0F0"/>
+                </a:solidFill>
+              </a:rPr>
+              <a:t>http://</a:t>
+            </a:r>
+            <a:r>
+              <a:rPr lang="en-US" altLang="zh-CN" u="sng" dirty="0" smtClean="0">
+                <a:solidFill>
+                  <a:srgbClr val="00B0F0"/>
+                </a:solidFill>
+              </a:rPr>
+              <a:t>10.88.15.57/zentao/</a:t>
+            </a:r>
+            <a:endParaRPr lang="en-US" altLang="zh-CN" u="sng" dirty="0">
+              <a:solidFill>
+                <a:srgbClr val="00B0F0"/>
+              </a:solidFill>
+            </a:endParaRPr>
+          </a:p>
+          <a:p>
+            <a:r>
+              <a:rPr lang="zh-CN" altLang="en-US" dirty="0" smtClean="0"/>
               <a:t>禅</a:t>
             </a:r>
             <a:r>
@@ -13211,13 +13267,15 @@
           <a:p>
             <a:r>
               <a:rPr lang="zh-CN" altLang="en-US" dirty="0"/>
-              <a:t>账号密码</a:t>
-            </a:r>
-          </a:p>
-          <a:p>
+              <a:t>账号密</a:t>
+            </a:r>
             <a:r>
               <a:rPr lang="zh-CN" altLang="en-US" dirty="0" smtClean="0"/>
-              <a:t>请联系管理员刘志</a:t>
+              <a:t>码请</a:t>
+            </a:r>
+            <a:r>
+              <a:rPr lang="zh-CN" altLang="en-US" dirty="0" smtClean="0"/>
+              <a:t>联系管理员刘志</a:t>
             </a:r>
             <a:endParaRPr lang="zh-CN" altLang="en-US" dirty="0"/>
           </a:p>
@@ -19390,15 +19448,13 @@
               <a:rPr lang="en-US" altLang="zh-CN" dirty="0" smtClean="0">
                 <a:hlinkClick r:id="rId2"/>
               </a:rPr>
-              <a:t>10.88.22.18/svn/</a:t>
-            </a:r>
-            <a:r>
-              <a:rPr lang="zh-CN" altLang="en-US" dirty="0"/>
-              <a:t>具体</a:t>
-            </a:r>
-            <a:r>
-              <a:rPr lang="zh-CN" altLang="en-US" dirty="0" smtClean="0"/>
-              <a:t>目录</a:t>
+              <a:t>10.88.22.18/svn</a:t>
+            </a:r>
+            <a:r>
+              <a:rPr lang="en-US" altLang="zh-CN" dirty="0" smtClean="0">
+                <a:hlinkClick r:id="rId2"/>
+              </a:rPr>
+              <a:t>/</a:t>
             </a:r>
             <a:endParaRPr lang="zh-CN" altLang="en-US" dirty="0"/>
           </a:p>
@@ -19643,11 +19699,7 @@
             </a:pPr>
             <a:r>
               <a:rPr lang="zh-CN" altLang="en-US" dirty="0" smtClean="0"/>
-              <a:t>个人账号和密码请留意配置管理员丰声通</a:t>
-            </a:r>
-            <a:r>
-              <a:rPr lang="zh-CN" altLang="en-US" dirty="0" smtClean="0"/>
-              <a:t>知</a:t>
+              <a:t>个人账号和密码请留意配置管理员丰声通知</a:t>
             </a:r>
             <a:endParaRPr lang="en-US" altLang="zh-CN" dirty="0" smtClean="0"/>
           </a:p>
@@ -19665,7 +19717,27 @@
             </a:r>
             <a:r>
               <a:rPr lang="zh-CN" altLang="en-US" dirty="0" smtClean="0"/>
-              <a:t>项目专用</a:t>
+              <a:t>项目专</a:t>
+            </a:r>
+            <a:r>
+              <a:rPr lang="zh-CN" altLang="en-US" dirty="0" smtClean="0"/>
+              <a:t>用</a:t>
+            </a:r>
+            <a:r>
+              <a:rPr lang="en-US" altLang="zh-CN" dirty="0" smtClean="0"/>
+              <a:t>SVN</a:t>
+            </a:r>
+            <a:r>
+              <a:rPr lang="zh-CN" altLang="en-US" dirty="0" smtClean="0"/>
+              <a:t>库：</a:t>
+            </a:r>
+            <a:r>
+              <a:rPr lang="en-US" altLang="zh-CN" dirty="0"/>
+              <a:t>svn://10.88.15.170</a:t>
+            </a:r>
+            <a:r>
+              <a:rPr lang="en-US" altLang="zh-CN" dirty="0" smtClean="0"/>
+              <a:t>/</a:t>
             </a:r>
             <a:endParaRPr lang="en-US" altLang="zh-CN" dirty="0" smtClean="0"/>
           </a:p>
@@ -19675,7 +19747,19 @@
             </a:pPr>
             <a:r>
               <a:rPr lang="zh-CN" altLang="en-US" dirty="0" smtClean="0"/>
-              <a:t>权限找王</a:t>
+              <a:t>权限</a:t>
+            </a:r>
+            <a:r>
+              <a:rPr lang="zh-CN" altLang="en-US" dirty="0" smtClean="0"/>
+              <a:t>找 </a:t>
+            </a:r>
+            <a:r>
+              <a:rPr lang="en-US" altLang="zh-CN" dirty="0" smtClean="0"/>
+              <a:t>@</a:t>
+            </a:r>
+            <a:r>
+              <a:rPr lang="zh-CN" altLang="en-US" dirty="0" smtClean="0"/>
+              <a:t>王</a:t>
             </a:r>
             <a:r>
               <a:rPr lang="zh-CN" altLang="en-US" dirty="0"/>
@@ -19683,73 +19767,34 @@
             </a:r>
             <a:r>
               <a:rPr lang="zh-CN" altLang="en-US" dirty="0" smtClean="0"/>
-              <a:t>勇开通</a:t>
-            </a:r>
-            <a:r>
-              <a:rPr lang="en-US" altLang="zh-CN" dirty="0"/>
-              <a:t>svn://10.88.15.170/</a:t>
-            </a:r>
-          </a:p>
-          <a:p>
-            <a:pPr marL="0" indent="0">
-              <a:buNone/>
-            </a:pPr>
+              <a:t>勇 开通</a:t>
+            </a:r>
             <a:endParaRPr lang="zh-CN" altLang="en-US" dirty="0"/>
           </a:p>
         </p:txBody>
       </p:sp>
       <p:pic>
         <p:nvPicPr>
-          <p:cNvPr id="1026" name="Picture 2"/>
+          <p:cNvPr id="4" name="图片 3"/>
           <p:cNvPicPr>
-            <a:picLocks noChangeAspect="1" noChangeArrowheads="1"/>
+            <a:picLocks noChangeAspect="1"/>
           </p:cNvPicPr>
           <p:nvPr/>
         </p:nvPicPr>
         <p:blipFill>
-          <a:blip r:embed="rId2">
-            <a:extLst>
-              <a:ext uri="{28A0092B-C50C-407E-A947-70E740481C1C}">
-                <a14:useLocalDpi xmlns:a14="http://schemas.microsoft.com/office/drawing/2010/main" val="0"/>
-              </a:ext>
-            </a:extLst>
-          </a:blip>
-          <a:srcRect/>
+          <a:blip r:embed="rId2"/>
           <a:stretch>
             <a:fillRect/>
           </a:stretch>
         </p:blipFill>
-        <p:spPr bwMode="auto">
+        <p:spPr>
           <a:xfrm>
-            <a:off x="539552" y="2605118"/>
-            <a:ext cx="7381875" cy="838200"/>
+            <a:off x="447675" y="2492896"/>
+            <a:ext cx="7362825" cy="1104900"/>
           </a:xfrm>
           <a:prstGeom prst="rect">
             <a:avLst/>
           </a:prstGeom>
-          <a:noFill/>
-          <a:ln>
-            <a:noFill/>
-          </a:ln>
-          <a:extLst>
-            <a:ext uri="{909E8E84-426E-40DD-AFC4-6F175D3DCCD1}">
-              <a14:hiddenFill xmlns:a14="http://schemas.microsoft.com/office/drawing/2010/main">
-                <a:solidFill>
-                  <a:schemeClr val="accent1"/>
-                </a:solidFill>
-              </a14:hiddenFill>
-            </a:ext>
-            <a:ext uri="{91240B29-F687-4F45-9708-019B960494DF}">
-              <a14:hiddenLine xmlns:a14="http://schemas.microsoft.com/office/drawing/2010/main" w="9525">
-                <a:solidFill>
-                  <a:schemeClr val="tx1"/>
-                </a:solidFill>
-                <a:miter lim="800000"/>
-                <a:headEnd/>
-                <a:tailEnd/>
-              </a14:hiddenLine>
-            </a:ext>
-          </a:extLst>
         </p:spPr>
       </p:pic>
     </p:spTree>

--- a/新员工入职指引/信息技术部常用管理平台使用.pptx
+++ b/新员工入职指引/信息技术部常用管理平台使用.pptx
@@ -5,7 +5,7 @@
     <p:sldMasterId id="2147483924" r:id="rId1"/>
   </p:sldMasterIdLst>
   <p:notesMasterIdLst>
-    <p:notesMasterId r:id="rId26"/>
+    <p:notesMasterId r:id="rId24"/>
   </p:notesMasterIdLst>
   <p:sldIdLst>
     <p:sldId id="256" r:id="rId2"/>
@@ -29,14 +29,12 @@
     <p:sldId id="287" r:id="rId20"/>
     <p:sldId id="290" r:id="rId21"/>
     <p:sldId id="268" r:id="rId22"/>
-    <p:sldId id="276" r:id="rId23"/>
-    <p:sldId id="278" r:id="rId24"/>
-    <p:sldId id="292" r:id="rId25"/>
+    <p:sldId id="292" r:id="rId23"/>
   </p:sldIdLst>
   <p:sldSz cx="9144000" cy="6858000" type="screen4x3"/>
   <p:notesSz cx="6858000" cy="9144000"/>
   <p:custDataLst>
-    <p:tags r:id="rId27"/>
+    <p:tags r:id="rId25"/>
   </p:custDataLst>
   <p:defaultTextStyle>
     <a:defPPr>
@@ -234,7 +232,7 @@
           <a:p>
             <a:fld id="{05441B68-3155-403E-A18E-2C14500C6CF1}" type="datetimeFigureOut">
               <a:rPr lang="zh-CN" altLang="en-US" smtClean="0"/>
-              <a:t>2018/4/27</a:t>
+              <a:t>2018/4/28</a:t>
             </a:fld>
             <a:endParaRPr lang="zh-CN" altLang="en-US"/>
           </a:p>
@@ -923,7 +921,7 @@
                 <a:ea typeface="宋体" charset="-122"/>
               </a:rPr>
               <a:pPr/>
-              <a:t>24</a:t>
+              <a:t>22</a:t>
             </a:fld>
             <a:endParaRPr lang="zh-CN" altLang="en-US">
               <a:latin typeface="Calibri" pitchFamily="34" charset="0"/>
@@ -1045,7 +1043,7 @@
           <a:p>
             <a:fld id="{530820CF-B880-4189-942D-D702A7CBA730}" type="datetimeFigureOut">
               <a:rPr lang="zh-CN" altLang="en-US" smtClean="0"/>
-              <a:t>2018/4/27</a:t>
+              <a:t>2018/4/28</a:t>
             </a:fld>
             <a:endParaRPr lang="zh-CN" altLang="en-US"/>
           </a:p>
@@ -1937,7 +1935,7 @@
           <a:p>
             <a:fld id="{530820CF-B880-4189-942D-D702A7CBA730}" type="datetimeFigureOut">
               <a:rPr lang="zh-CN" altLang="en-US" smtClean="0"/>
-              <a:t>2018/4/27</a:t>
+              <a:t>2018/4/28</a:t>
             </a:fld>
             <a:endParaRPr lang="zh-CN" altLang="en-US"/>
           </a:p>
@@ -2095,7 +2093,7 @@
           <a:p>
             <a:fld id="{530820CF-B880-4189-942D-D702A7CBA730}" type="datetimeFigureOut">
               <a:rPr lang="zh-CN" altLang="en-US" smtClean="0"/>
-              <a:t>2018/4/27</a:t>
+              <a:t>2018/4/28</a:t>
             </a:fld>
             <a:endParaRPr lang="zh-CN" altLang="en-US"/>
           </a:p>
@@ -2262,7 +2260,7 @@
           <a:p>
             <a:fld id="{530820CF-B880-4189-942D-D702A7CBA730}" type="datetimeFigureOut">
               <a:rPr lang="zh-CN" altLang="en-US" smtClean="0"/>
-              <a:t>2018/4/27</a:t>
+              <a:t>2018/4/28</a:t>
             </a:fld>
             <a:endParaRPr lang="zh-CN" altLang="en-US"/>
           </a:p>
@@ -2523,7 +2521,7 @@
           <a:p>
             <a:fld id="{530820CF-B880-4189-942D-D702A7CBA730}" type="datetimeFigureOut">
               <a:rPr lang="zh-CN" altLang="en-US" smtClean="0"/>
-              <a:t>2018/4/27</a:t>
+              <a:t>2018/4/28</a:t>
             </a:fld>
             <a:endParaRPr lang="zh-CN" altLang="en-US"/>
           </a:p>
@@ -2716,7 +2714,7 @@
           <a:p>
             <a:fld id="{530820CF-B880-4189-942D-D702A7CBA730}" type="datetimeFigureOut">
               <a:rPr lang="zh-CN" altLang="en-US" smtClean="0"/>
-              <a:t>2018/4/27</a:t>
+              <a:t>2018/4/28</a:t>
             </a:fld>
             <a:endParaRPr lang="zh-CN" altLang="en-US"/>
           </a:p>
@@ -3043,7 +3041,7 @@
           <a:p>
             <a:fld id="{530820CF-B880-4189-942D-D702A7CBA730}" type="datetimeFigureOut">
               <a:rPr lang="zh-CN" altLang="en-US" smtClean="0"/>
-              <a:t>2018/4/27</a:t>
+              <a:t>2018/4/28</a:t>
             </a:fld>
             <a:endParaRPr lang="zh-CN" altLang="en-US"/>
           </a:p>
@@ -3161,7 +3159,7 @@
           <a:p>
             <a:fld id="{530820CF-B880-4189-942D-D702A7CBA730}" type="datetimeFigureOut">
               <a:rPr lang="zh-CN" altLang="en-US" smtClean="0"/>
-              <a:t>2018/4/27</a:t>
+              <a:t>2018/4/28</a:t>
             </a:fld>
             <a:endParaRPr lang="zh-CN" altLang="en-US"/>
           </a:p>
@@ -3286,7 +3284,7 @@
           <a:p>
             <a:fld id="{530820CF-B880-4189-942D-D702A7CBA730}" type="datetimeFigureOut">
               <a:rPr lang="zh-CN" altLang="en-US" smtClean="0"/>
-              <a:t>2018/4/27</a:t>
+              <a:t>2018/4/28</a:t>
             </a:fld>
             <a:endParaRPr lang="zh-CN" altLang="en-US"/>
           </a:p>
@@ -3543,7 +3541,7 @@
           <a:p>
             <a:fld id="{530820CF-B880-4189-942D-D702A7CBA730}" type="datetimeFigureOut">
               <a:rPr lang="zh-CN" altLang="en-US" smtClean="0"/>
-              <a:t>2018/4/27</a:t>
+              <a:t>2018/4/28</a:t>
             </a:fld>
             <a:endParaRPr lang="zh-CN" altLang="en-US"/>
           </a:p>
@@ -3800,7 +3798,7 @@
           <a:p>
             <a:fld id="{530820CF-B880-4189-942D-D702A7CBA730}" type="datetimeFigureOut">
               <a:rPr lang="zh-CN" altLang="en-US" smtClean="0"/>
-              <a:t>2018/4/27</a:t>
+              <a:t>2018/4/28</a:t>
             </a:fld>
             <a:endParaRPr lang="zh-CN" altLang="en-US"/>
           </a:p>
@@ -3989,7 +3987,7 @@
           <a:p>
             <a:fld id="{530820CF-B880-4189-942D-D702A7CBA730}" type="datetimeFigureOut">
               <a:rPr lang="zh-CN" altLang="en-US" smtClean="0"/>
-              <a:t>2018/4/27</a:t>
+              <a:t>2018/4/28</a:t>
             </a:fld>
             <a:endParaRPr lang="zh-CN" altLang="en-US"/>
           </a:p>
@@ -4987,11 +4985,7 @@
           <a:p>
             <a:r>
               <a:rPr lang="zh-CN" altLang="en-US" dirty="0" smtClean="0"/>
-              <a:t>综</a:t>
-            </a:r>
-            <a:r>
-              <a:rPr lang="zh-CN" altLang="en-US" dirty="0" smtClean="0"/>
-              <a:t>合产品组和航务产品组使用</a:t>
+              <a:t>综合产品组和航务产品组使用</a:t>
             </a:r>
             <a:endParaRPr lang="en-US" altLang="zh-CN" dirty="0" smtClean="0"/>
           </a:p>
@@ -5013,15 +5007,7 @@
             </a:r>
             <a:r>
               <a:rPr lang="zh-CN" altLang="en-US" dirty="0" smtClean="0"/>
-              <a:t>续如果统一管</a:t>
-            </a:r>
-            <a:r>
-              <a:rPr lang="zh-CN" altLang="en-US" dirty="0" smtClean="0"/>
-              <a:t>理请留意通</a:t>
-            </a:r>
-            <a:r>
-              <a:rPr lang="zh-CN" altLang="en-US" dirty="0" smtClean="0"/>
-              <a:t>知</a:t>
+              <a:t>续如果统一管理请留意通知</a:t>
             </a:r>
             <a:endParaRPr lang="zh-CN" altLang="en-US" dirty="0"/>
           </a:p>
@@ -9029,11 +9015,7 @@
           <a:p>
             <a:r>
               <a:rPr lang="zh-CN" altLang="en-US" dirty="0" smtClean="0"/>
-              <a:t>工</a:t>
-            </a:r>
-            <a:r>
-              <a:rPr lang="zh-CN" altLang="en-US" dirty="0" smtClean="0"/>
-              <a:t>号和密码</a:t>
+              <a:t>工号和密码</a:t>
             </a:r>
             <a:endParaRPr lang="en-US" altLang="zh-CN" dirty="0" smtClean="0"/>
           </a:p>
@@ -13245,17 +13227,6 @@
           <a:p>
             <a:r>
               <a:rPr lang="zh-CN" altLang="en-US" dirty="0" smtClean="0"/>
-              <a:t>禅</a:t>
-            </a:r>
-            <a:r>
-              <a:rPr lang="zh-CN" altLang="en-US" dirty="0" smtClean="0"/>
-              <a:t>道概述</a:t>
-            </a:r>
-            <a:endParaRPr lang="en-US" altLang="zh-CN" dirty="0" smtClean="0"/>
-          </a:p>
-          <a:p>
-            <a:r>
-              <a:rPr lang="zh-CN" altLang="en-US" dirty="0"/>
               <a:t>机</a:t>
             </a:r>
             <a:r>
@@ -13271,16 +13242,52 @@
             </a:r>
             <a:r>
               <a:rPr lang="zh-CN" altLang="en-US" dirty="0" smtClean="0"/>
-              <a:t>码请</a:t>
+              <a:t>码请联系管理</a:t>
             </a:r>
             <a:r>
               <a:rPr lang="zh-CN" altLang="en-US" dirty="0" smtClean="0"/>
-              <a:t>联系管理员刘志</a:t>
+              <a:t>员</a:t>
+            </a:r>
+            <a:r>
+              <a:rPr lang="en-US" altLang="zh-CN" dirty="0" smtClean="0"/>
+              <a:t>@</a:t>
+            </a:r>
+            <a:r>
+              <a:rPr lang="zh-CN" altLang="en-US" dirty="0" smtClean="0"/>
+              <a:t>刘</a:t>
+            </a:r>
+            <a:r>
+              <a:rPr lang="zh-CN" altLang="en-US" dirty="0" smtClean="0"/>
+              <a:t>志</a:t>
             </a:r>
             <a:endParaRPr lang="zh-CN" altLang="en-US" dirty="0"/>
           </a:p>
         </p:txBody>
       </p:sp>
+      <p:pic>
+        <p:nvPicPr>
+          <p:cNvPr id="4" name="图片 3"/>
+          <p:cNvPicPr>
+            <a:picLocks noChangeAspect="1"/>
+          </p:cNvPicPr>
+          <p:nvPr/>
+        </p:nvPicPr>
+        <p:blipFill>
+          <a:blip r:embed="rId2"/>
+          <a:stretch>
+            <a:fillRect/>
+          </a:stretch>
+        </p:blipFill>
+        <p:spPr>
+          <a:xfrm>
+            <a:off x="899592" y="2885018"/>
+            <a:ext cx="8014714" cy="3717312"/>
+          </a:xfrm>
+          <a:prstGeom prst="rect">
+            <a:avLst/>
+          </a:prstGeom>
+        </p:spPr>
+      </p:pic>
     </p:spTree>
     <p:extLst>
       <p:ext uri="{BB962C8B-B14F-4D97-AF65-F5344CB8AC3E}">
@@ -13302,300 +13309,6 @@
 </file>
 
 <file path=ppt/slides/slide22.xml><?xml version="1.0" encoding="utf-8"?>
-<p:sld xmlns:a="http://schemas.openxmlformats.org/drawingml/2006/main" xmlns:r="http://schemas.openxmlformats.org/officeDocument/2006/relationships" xmlns:p="http://schemas.openxmlformats.org/presentationml/2006/main">
-  <p:cSld>
-    <p:spTree>
-      <p:nvGrpSpPr>
-        <p:cNvPr id="1" name=""/>
-        <p:cNvGrpSpPr/>
-        <p:nvPr/>
-      </p:nvGrpSpPr>
-      <p:grpSpPr>
-        <a:xfrm>
-          <a:off x="0" y="0"/>
-          <a:ext cx="0" cy="0"/>
-          <a:chOff x="0" y="0"/>
-          <a:chExt cx="0" cy="0"/>
-        </a:xfrm>
-      </p:grpSpPr>
-      <p:sp>
-        <p:nvSpPr>
-          <p:cNvPr id="2" name="标题 1"/>
-          <p:cNvSpPr>
-            <a:spLocks noGrp="1"/>
-          </p:cNvSpPr>
-          <p:nvPr>
-            <p:ph type="title"/>
-          </p:nvPr>
-        </p:nvSpPr>
-        <p:spPr/>
-        <p:txBody>
-          <a:bodyPr/>
-          <a:lstStyle/>
-          <a:p>
-            <a:r>
-              <a:rPr lang="zh-CN" altLang="en-US" dirty="0" smtClean="0"/>
-              <a:t>禅道使用</a:t>
-            </a:r>
-            <a:endParaRPr lang="zh-CN" altLang="en-US" dirty="0"/>
-          </a:p>
-        </p:txBody>
-      </p:sp>
-      <p:sp>
-        <p:nvSpPr>
-          <p:cNvPr id="3" name="内容占位符 2"/>
-          <p:cNvSpPr>
-            <a:spLocks noGrp="1"/>
-          </p:cNvSpPr>
-          <p:nvPr>
-            <p:ph idx="1"/>
-          </p:nvPr>
-        </p:nvSpPr>
-        <p:spPr/>
-        <p:txBody>
-          <a:bodyPr/>
-          <a:lstStyle/>
-          <a:p>
-            <a:r>
-              <a:rPr lang="zh-CN" altLang="en-US" dirty="0" smtClean="0"/>
-              <a:t>产品</a:t>
-            </a:r>
-            <a:endParaRPr lang="en-US" altLang="zh-CN" dirty="0" smtClean="0"/>
-          </a:p>
-          <a:p>
-            <a:pPr marL="0" indent="0">
-              <a:buNone/>
-            </a:pPr>
-            <a:r>
-              <a:rPr lang="zh-CN" altLang="en-US" dirty="0"/>
-              <a:t>需</a:t>
-            </a:r>
-            <a:r>
-              <a:rPr lang="zh-CN" altLang="en-US" dirty="0" smtClean="0"/>
-              <a:t>求 计划 发布</a:t>
-            </a:r>
-            <a:endParaRPr lang="en-US" altLang="zh-CN" dirty="0" smtClean="0"/>
-          </a:p>
-          <a:p>
-            <a:r>
-              <a:rPr lang="zh-CN" altLang="en-US" dirty="0"/>
-              <a:t>迭</a:t>
-            </a:r>
-            <a:r>
-              <a:rPr lang="zh-CN" altLang="en-US" dirty="0" smtClean="0"/>
-              <a:t>代</a:t>
-            </a:r>
-            <a:endParaRPr lang="en-US" altLang="zh-CN" dirty="0" smtClean="0"/>
-          </a:p>
-          <a:p>
-            <a:pPr marL="0" indent="0">
-              <a:buNone/>
-            </a:pPr>
-            <a:r>
-              <a:rPr lang="zh-CN" altLang="en-US" dirty="0"/>
-              <a:t>任务</a:t>
-            </a:r>
-            <a:endParaRPr lang="en-US" altLang="zh-CN" dirty="0" smtClean="0"/>
-          </a:p>
-          <a:p>
-            <a:r>
-              <a:rPr lang="zh-CN" altLang="en-US" dirty="0"/>
-              <a:t>测</a:t>
-            </a:r>
-            <a:r>
-              <a:rPr lang="zh-CN" altLang="en-US" dirty="0" smtClean="0"/>
-              <a:t>试</a:t>
-            </a:r>
-            <a:endParaRPr lang="en-US" altLang="zh-CN" dirty="0" smtClean="0"/>
-          </a:p>
-          <a:p>
-            <a:pPr marL="0" indent="0">
-              <a:buNone/>
-            </a:pPr>
-            <a:r>
-              <a:rPr lang="en-US" altLang="zh-CN" dirty="0" smtClean="0"/>
-              <a:t>Bug </a:t>
-            </a:r>
-            <a:r>
-              <a:rPr lang="zh-CN" altLang="en-US" dirty="0" smtClean="0"/>
-              <a:t>用例</a:t>
-            </a:r>
-            <a:endParaRPr lang="en-US" altLang="zh-CN" dirty="0" smtClean="0"/>
-          </a:p>
-          <a:p>
-            <a:r>
-              <a:rPr lang="zh-CN" altLang="en-US" dirty="0" smtClean="0"/>
-              <a:t>我的待办</a:t>
-            </a:r>
-            <a:endParaRPr lang="zh-CN" altLang="en-US" dirty="0"/>
-          </a:p>
-        </p:txBody>
-      </p:sp>
-    </p:spTree>
-    <p:extLst>
-      <p:ext uri="{BB962C8B-B14F-4D97-AF65-F5344CB8AC3E}">
-        <p14:creationId xmlns:p14="http://schemas.microsoft.com/office/powerpoint/2010/main" val="3655759686"/>
-      </p:ext>
-    </p:extLst>
-  </p:cSld>
-  <p:clrMapOvr>
-    <a:masterClrMapping/>
-  </p:clrMapOvr>
-  <p:timing>
-    <p:tnLst>
-      <p:par>
-        <p:cTn id="1" dur="indefinite" restart="never" nodeType="tmRoot"/>
-      </p:par>
-    </p:tnLst>
-  </p:timing>
-</p:sld>
-</file>
-
-<file path=ppt/slides/slide23.xml><?xml version="1.0" encoding="utf-8"?>
-<p:sld xmlns:a="http://schemas.openxmlformats.org/drawingml/2006/main" xmlns:r="http://schemas.openxmlformats.org/officeDocument/2006/relationships" xmlns:p="http://schemas.openxmlformats.org/presentationml/2006/main">
-  <p:cSld>
-    <p:spTree>
-      <p:nvGrpSpPr>
-        <p:cNvPr id="1" name=""/>
-        <p:cNvGrpSpPr/>
-        <p:nvPr/>
-      </p:nvGrpSpPr>
-      <p:grpSpPr>
-        <a:xfrm>
-          <a:off x="0" y="0"/>
-          <a:ext cx="0" cy="0"/>
-          <a:chOff x="0" y="0"/>
-          <a:chExt cx="0" cy="0"/>
-        </a:xfrm>
-      </p:grpSpPr>
-      <p:sp>
-        <p:nvSpPr>
-          <p:cNvPr id="2" name="标题 1"/>
-          <p:cNvSpPr>
-            <a:spLocks noGrp="1"/>
-          </p:cNvSpPr>
-          <p:nvPr>
-            <p:ph type="title"/>
-          </p:nvPr>
-        </p:nvSpPr>
-        <p:spPr/>
-        <p:txBody>
-          <a:bodyPr/>
-          <a:lstStyle/>
-          <a:p>
-            <a:r>
-              <a:rPr lang="zh-CN" altLang="en-US" dirty="0" smtClean="0"/>
-              <a:t>禅道报表</a:t>
-            </a:r>
-            <a:endParaRPr lang="zh-CN" altLang="en-US" dirty="0"/>
-          </a:p>
-        </p:txBody>
-      </p:sp>
-      <p:sp>
-        <p:nvSpPr>
-          <p:cNvPr id="3" name="内容占位符 2"/>
-          <p:cNvSpPr>
-            <a:spLocks noGrp="1"/>
-          </p:cNvSpPr>
-          <p:nvPr>
-            <p:ph idx="1"/>
-          </p:nvPr>
-        </p:nvSpPr>
-        <p:spPr/>
-        <p:txBody>
-          <a:bodyPr/>
-          <a:lstStyle/>
-          <a:p>
-            <a:r>
-              <a:rPr lang="zh-CN" altLang="en-US" dirty="0" smtClean="0"/>
-              <a:t>产品汇总表</a:t>
-            </a:r>
-            <a:endParaRPr lang="en-US" altLang="zh-CN" dirty="0" smtClean="0"/>
-          </a:p>
-          <a:p>
-            <a:r>
-              <a:rPr lang="zh-CN" altLang="en-US" dirty="0"/>
-              <a:t>迭</a:t>
-            </a:r>
-            <a:r>
-              <a:rPr lang="zh-CN" altLang="en-US" dirty="0" smtClean="0"/>
-              <a:t>代偏差报表</a:t>
-            </a:r>
-            <a:endParaRPr lang="en-US" altLang="zh-CN" dirty="0" smtClean="0"/>
-          </a:p>
-          <a:p>
-            <a:r>
-              <a:rPr lang="zh-CN" altLang="en-US" dirty="0"/>
-              <a:t>测</a:t>
-            </a:r>
-            <a:r>
-              <a:rPr lang="zh-CN" altLang="en-US" dirty="0" smtClean="0"/>
-              <a:t>试</a:t>
-            </a:r>
-            <a:endParaRPr lang="en-US" altLang="zh-CN" dirty="0"/>
-          </a:p>
-          <a:p>
-            <a:pPr marL="0" indent="0">
-              <a:buNone/>
-            </a:pPr>
-            <a:r>
-              <a:rPr lang="en-US" altLang="zh-CN" dirty="0" smtClean="0"/>
-              <a:t>Bug</a:t>
-            </a:r>
-            <a:r>
-              <a:rPr lang="zh-CN" altLang="en-US" dirty="0" smtClean="0"/>
-              <a:t>创建表</a:t>
-            </a:r>
-            <a:endParaRPr lang="en-US" altLang="zh-CN" dirty="0" smtClean="0"/>
-          </a:p>
-          <a:p>
-            <a:pPr marL="0" indent="0">
-              <a:buNone/>
-            </a:pPr>
-            <a:r>
-              <a:rPr lang="en-US" altLang="zh-CN" dirty="0" smtClean="0"/>
-              <a:t>Bug</a:t>
-            </a:r>
-            <a:r>
-              <a:rPr lang="zh-CN" altLang="en-US" dirty="0" smtClean="0"/>
-              <a:t>指派表</a:t>
-            </a:r>
-            <a:endParaRPr lang="en-US" altLang="zh-CN" dirty="0" smtClean="0"/>
-          </a:p>
-          <a:p>
-            <a:r>
-              <a:rPr lang="zh-CN" altLang="en-US" dirty="0"/>
-              <a:t>员</a:t>
-            </a:r>
-            <a:r>
-              <a:rPr lang="zh-CN" altLang="en-US" dirty="0" smtClean="0"/>
-              <a:t>工负载表</a:t>
-            </a:r>
-            <a:endParaRPr lang="zh-CN" altLang="en-US" dirty="0"/>
-          </a:p>
-        </p:txBody>
-      </p:sp>
-    </p:spTree>
-    <p:extLst>
-      <p:ext uri="{BB962C8B-B14F-4D97-AF65-F5344CB8AC3E}">
-        <p14:creationId xmlns:p14="http://schemas.microsoft.com/office/powerpoint/2010/main" val="944872843"/>
-      </p:ext>
-    </p:extLst>
-  </p:cSld>
-  <p:clrMapOvr>
-    <a:masterClrMapping/>
-  </p:clrMapOvr>
-  <p:timing>
-    <p:tnLst>
-      <p:par>
-        <p:cTn id="1" dur="indefinite" restart="never" nodeType="tmRoot"/>
-      </p:par>
-    </p:tnLst>
-  </p:timing>
-</p:sld>
-</file>
-
-<file path=ppt/slides/slide24.xml><?xml version="1.0" encoding="utf-8"?>
 <p:sld xmlns:a="http://schemas.openxmlformats.org/drawingml/2006/main" xmlns:r="http://schemas.openxmlformats.org/officeDocument/2006/relationships" xmlns:p="http://schemas.openxmlformats.org/presentationml/2006/main">
   <p:cSld>
     <p:bg>
@@ -19448,13 +19161,7 @@
               <a:rPr lang="en-US" altLang="zh-CN" dirty="0" smtClean="0">
                 <a:hlinkClick r:id="rId2"/>
               </a:rPr>
-              <a:t>10.88.22.18/svn</a:t>
-            </a:r>
-            <a:r>
-              <a:rPr lang="en-US" altLang="zh-CN" dirty="0" smtClean="0">
-                <a:hlinkClick r:id="rId2"/>
-              </a:rPr>
-              <a:t>/</a:t>
+              <a:t>10.88.22.18/svn/</a:t>
             </a:r>
             <a:endParaRPr lang="zh-CN" altLang="en-US" dirty="0"/>
           </a:p>
@@ -19717,11 +19424,7 @@
             </a:r>
             <a:r>
               <a:rPr lang="zh-CN" altLang="en-US" dirty="0" smtClean="0"/>
-              <a:t>项目专</a:t>
-            </a:r>
-            <a:r>
-              <a:rPr lang="zh-CN" altLang="en-US" dirty="0" smtClean="0"/>
-              <a:t>用</a:t>
+              <a:t>项目专用</a:t>
             </a:r>
             <a:r>
               <a:rPr lang="en-US" altLang="zh-CN" dirty="0" smtClean="0"/>
@@ -19739,7 +19442,6 @@
               <a:rPr lang="en-US" altLang="zh-CN" dirty="0" smtClean="0"/>
               <a:t>/</a:t>
             </a:r>
-            <a:endParaRPr lang="en-US" altLang="zh-CN" dirty="0" smtClean="0"/>
           </a:p>
           <a:p>
             <a:pPr marL="0" indent="0">
@@ -19747,11 +19449,7 @@
             </a:pPr>
             <a:r>
               <a:rPr lang="zh-CN" altLang="en-US" dirty="0" smtClean="0"/>
-              <a:t>权限</a:t>
-            </a:r>
-            <a:r>
-              <a:rPr lang="zh-CN" altLang="en-US" dirty="0" smtClean="0"/>
-              <a:t>找 </a:t>
+              <a:t>权限找 </a:t>
             </a:r>
             <a:r>
               <a:rPr lang="en-US" altLang="zh-CN" dirty="0" smtClean="0"/>
